--- a/Presentations/DesignPresentation.pptx
+++ b/Presentations/DesignPresentation.pptx
@@ -27,23 +27,30 @@
     <p:sldId id="272" r:id="rId22"/>
     <p:sldId id="273" r:id="rId23"/>
     <p:sldId id="274" r:id="rId24"/>
+    <p:sldId id="275" r:id="rId25"/>
+    <p:sldId id="276" r:id="rId26"/>
+    <p:sldId id="277" r:id="rId27"/>
+    <p:sldId id="278" r:id="rId28"/>
+    <p:sldId id="279" r:id="rId29"/>
+    <p:sldId id="280" r:id="rId30"/>
+    <p:sldId id="281" r:id="rId31"/>
   </p:sldIdLst>
   <p:sldSz cy="5143500" cx="9144000"/>
   <p:notesSz cx="6858000" cy="9144000"/>
   <p:embeddedFontLst>
     <p:embeddedFont>
       <p:font typeface="Raleway"/>
-      <p:regular r:id="rId25"/>
-      <p:bold r:id="rId26"/>
-      <p:italic r:id="rId27"/>
-      <p:boldItalic r:id="rId28"/>
+      <p:regular r:id="rId32"/>
+      <p:bold r:id="rId33"/>
+      <p:italic r:id="rId34"/>
+      <p:boldItalic r:id="rId35"/>
     </p:embeddedFont>
     <p:embeddedFont>
       <p:font typeface="Lato"/>
-      <p:regular r:id="rId29"/>
-      <p:bold r:id="rId30"/>
-      <p:italic r:id="rId31"/>
-      <p:boldItalic r:id="rId32"/>
+      <p:regular r:id="rId36"/>
+      <p:bold r:id="rId37"/>
+      <p:italic r:id="rId38"/>
+      <p:boldItalic r:id="rId39"/>
     </p:embeddedFont>
   </p:embeddedFontLst>
   <p:defaultTextStyle>
@@ -1234,7 +1241,7 @@
       </p:grpSpPr>
       <p:sp>
         <p:nvSpPr>
-          <p:cNvPr id="166" name="Google Shape;166;g2cb535fbb03_1_48:notes"/>
+          <p:cNvPr id="166" name="Google Shape;166;g2cb81f52077_0_23:notes"/>
           <p:cNvSpPr/>
           <p:nvPr>
             <p:ph idx="2" type="sldImg"/>
@@ -1269,7 +1276,7 @@
       </p:sp>
       <p:sp>
         <p:nvSpPr>
-          <p:cNvPr id="167" name="Google Shape;167;g2cb535fbb03_1_48:notes"/>
+          <p:cNvPr id="167" name="Google Shape;167;g2cb81f52077_0_23:notes"/>
           <p:cNvSpPr txBox="1"/>
           <p:nvPr>
             <p:ph idx="1" type="body"/>
@@ -1333,7 +1340,7 @@
       </p:grpSpPr>
       <p:sp>
         <p:nvSpPr>
-          <p:cNvPr id="172" name="Google Shape;172;g2cb535fbb03_1_54:notes"/>
+          <p:cNvPr id="172" name="Google Shape;172;g2cb81f52077_0_30:notes"/>
           <p:cNvSpPr/>
           <p:nvPr>
             <p:ph idx="2" type="sldImg"/>
@@ -1368,7 +1375,7 @@
       </p:sp>
       <p:sp>
         <p:nvSpPr>
-          <p:cNvPr id="173" name="Google Shape;173;g2cb535fbb03_1_54:notes"/>
+          <p:cNvPr id="173" name="Google Shape;173;g2cb81f52077_0_30:notes"/>
           <p:cNvSpPr txBox="1"/>
           <p:nvPr>
             <p:ph idx="1" type="body"/>
@@ -1432,7 +1439,7 @@
       </p:grpSpPr>
       <p:sp>
         <p:nvSpPr>
-          <p:cNvPr id="178" name="Google Shape;178;g2cb535fbb03_1_60:notes"/>
+          <p:cNvPr id="178" name="Google Shape;178;g2cb81f52077_0_35:notes"/>
           <p:cNvSpPr/>
           <p:nvPr>
             <p:ph idx="2" type="sldImg"/>
@@ -1467,7 +1474,7 @@
       </p:sp>
       <p:sp>
         <p:nvSpPr>
-          <p:cNvPr id="179" name="Google Shape;179;g2cb535fbb03_1_60:notes"/>
+          <p:cNvPr id="179" name="Google Shape;179;g2cb81f52077_0_35:notes"/>
           <p:cNvSpPr txBox="1"/>
           <p:nvPr>
             <p:ph idx="1" type="body"/>
@@ -1531,7 +1538,7 @@
       </p:grpSpPr>
       <p:sp>
         <p:nvSpPr>
-          <p:cNvPr id="184" name="Google Shape;184;g26e4d249e6d_0_101:notes"/>
+          <p:cNvPr id="184" name="Google Shape;184;g2cb535fbb03_1_48:notes"/>
           <p:cNvSpPr/>
           <p:nvPr>
             <p:ph idx="2" type="sldImg"/>
@@ -1566,7 +1573,7 @@
       </p:sp>
       <p:sp>
         <p:nvSpPr>
-          <p:cNvPr id="185" name="Google Shape;185;g26e4d249e6d_0_101:notes"/>
+          <p:cNvPr id="185" name="Google Shape;185;g2cb535fbb03_1_48:notes"/>
           <p:cNvSpPr txBox="1"/>
           <p:nvPr>
             <p:ph idx="1" type="body"/>
@@ -1630,7 +1637,7 @@
       </p:grpSpPr>
       <p:sp>
         <p:nvSpPr>
-          <p:cNvPr id="190" name="Google Shape;190;g2cb535fbb03_1_71:notes"/>
+          <p:cNvPr id="190" name="Google Shape;190;g2cb535fbb03_1_54:notes"/>
           <p:cNvSpPr/>
           <p:nvPr>
             <p:ph idx="2" type="sldImg"/>
@@ -1665,7 +1672,7 @@
       </p:sp>
       <p:sp>
         <p:nvSpPr>
-          <p:cNvPr id="191" name="Google Shape;191;g2cb535fbb03_1_71:notes"/>
+          <p:cNvPr id="191" name="Google Shape;191;g2cb535fbb03_1_54:notes"/>
           <p:cNvSpPr txBox="1"/>
           <p:nvPr>
             <p:ph idx="1" type="body"/>
@@ -1729,7 +1736,7 @@
       </p:grpSpPr>
       <p:sp>
         <p:nvSpPr>
-          <p:cNvPr id="196" name="Google Shape;196;g2cb535fbb03_1_76:notes"/>
+          <p:cNvPr id="196" name="Google Shape;196;g2cb535fbb03_1_60:notes"/>
           <p:cNvSpPr/>
           <p:nvPr>
             <p:ph idx="2" type="sldImg"/>
@@ -1764,7 +1771,7 @@
       </p:sp>
       <p:sp>
         <p:nvSpPr>
-          <p:cNvPr id="197" name="Google Shape;197;g2cb535fbb03_1_76:notes"/>
+          <p:cNvPr id="197" name="Google Shape;197;g2cb535fbb03_1_60:notes"/>
           <p:cNvSpPr txBox="1"/>
           <p:nvPr>
             <p:ph idx="1" type="body"/>
@@ -1864,6 +1871,699 @@
       <p:sp>
         <p:nvSpPr>
           <p:cNvPr id="92" name="Google Shape;92;g26e4d249e6d_0_79:notes"/>
+          <p:cNvSpPr txBox="1"/>
+          <p:nvPr>
+            <p:ph idx="1" type="body"/>
+          </p:nvPr>
+        </p:nvSpPr>
+        <p:spPr>
+          <a:xfrm>
+            <a:off x="685800" y="4343400"/>
+            <a:ext cx="5486400" cy="4114800"/>
+          </a:xfrm>
+          <a:prstGeom prst="rect">
+            <a:avLst/>
+          </a:prstGeom>
+        </p:spPr>
+        <p:txBody>
+          <a:bodyPr anchorCtr="0" anchor="t" bIns="91425" lIns="91425" spcFirstLastPara="1" rIns="91425" wrap="square" tIns="91425">
+            <a:noAutofit/>
+          </a:bodyPr>
+          <a:lstStyle/>
+          <a:p>
+            <a:pPr indent="0" lvl="0" marL="0" rtl="0" algn="l">
+              <a:spcBef>
+                <a:spcPts val="0"/>
+              </a:spcBef>
+              <a:spcAft>
+                <a:spcPts val="0"/>
+              </a:spcAft>
+              <a:buNone/>
+            </a:pPr>
+            <a:r>
+              <a:t/>
+            </a:r>
+            <a:endParaRPr/>
+          </a:p>
+        </p:txBody>
+      </p:sp>
+    </p:spTree>
+  </p:cSld>
+  <p:clrMapOvr>
+    <a:masterClrMapping/>
+  </p:clrMapOvr>
+</p:notes>
+</file>
+
+<file path=ppt/notesSlides/notesSlide20.xml><?xml version="1.0" encoding="utf-8"?>
+<p:notes xmlns:a="http://schemas.openxmlformats.org/drawingml/2006/main" xmlns:r="http://schemas.openxmlformats.org/officeDocument/2006/relationships" xmlns:mc="http://schemas.openxmlformats.org/markup-compatibility/2006" xmlns:mv="urn:schemas-microsoft-com:mac:vml" xmlns:p="http://schemas.openxmlformats.org/presentationml/2006/main" xmlns:c="http://schemas.openxmlformats.org/drawingml/2006/chart" xmlns:dgm="http://schemas.openxmlformats.org/drawingml/2006/diagram" xmlns:o="urn:schemas-microsoft-com:office:office" xmlns:v="urn:schemas-microsoft-com:vml" xmlns:pvml="urn:schemas-microsoft-com:office:powerpoint" xmlns:com="http://schemas.openxmlformats.org/drawingml/2006/compatibility" xmlns:p14="http://schemas.microsoft.com/office/powerpoint/2010/main" xmlns:p15="http://schemas.microsoft.com/office/powerpoint/2012/main" xmlns:ahyp="http://schemas.microsoft.com/office/drawing/2018/hyperlinkcolor" showMasterPhAnim="0" showMasterSp="0">
+  <p:cSld>
+    <p:spTree>
+      <p:nvGrpSpPr>
+        <p:cNvPr id="201" name="Shape 201"/>
+        <p:cNvGrpSpPr/>
+        <p:nvPr/>
+      </p:nvGrpSpPr>
+      <p:grpSpPr>
+        <a:xfrm>
+          <a:off x="0" y="0"/>
+          <a:ext cx="0" cy="0"/>
+          <a:chOff x="0" y="0"/>
+          <a:chExt cx="0" cy="0"/>
+        </a:xfrm>
+      </p:grpSpPr>
+      <p:sp>
+        <p:nvSpPr>
+          <p:cNvPr id="202" name="Google Shape;202;g26e4d249e6d_0_101:notes"/>
+          <p:cNvSpPr/>
+          <p:nvPr>
+            <p:ph idx="2" type="sldImg"/>
+          </p:nvPr>
+        </p:nvSpPr>
+        <p:spPr>
+          <a:xfrm>
+            <a:off x="381300" y="685800"/>
+            <a:ext cx="6096000" cy="3429000"/>
+          </a:xfrm>
+          <a:custGeom>
+            <a:rect b="b" l="l" r="r" t="t"/>
+            <a:pathLst>
+              <a:path extrusionOk="0" h="120000" w="120000">
+                <a:moveTo>
+                  <a:pt x="0" y="0"/>
+                </a:moveTo>
+                <a:lnTo>
+                  <a:pt x="120000" y="0"/>
+                </a:lnTo>
+                <a:lnTo>
+                  <a:pt x="120000" y="120000"/>
+                </a:lnTo>
+                <a:lnTo>
+                  <a:pt x="0" y="120000"/>
+                </a:lnTo>
+                <a:close/>
+              </a:path>
+            </a:pathLst>
+          </a:custGeom>
+        </p:spPr>
+      </p:sp>
+      <p:sp>
+        <p:nvSpPr>
+          <p:cNvPr id="203" name="Google Shape;203;g26e4d249e6d_0_101:notes"/>
+          <p:cNvSpPr txBox="1"/>
+          <p:nvPr>
+            <p:ph idx="1" type="body"/>
+          </p:nvPr>
+        </p:nvSpPr>
+        <p:spPr>
+          <a:xfrm>
+            <a:off x="685800" y="4343400"/>
+            <a:ext cx="5486400" cy="4114800"/>
+          </a:xfrm>
+          <a:prstGeom prst="rect">
+            <a:avLst/>
+          </a:prstGeom>
+        </p:spPr>
+        <p:txBody>
+          <a:bodyPr anchorCtr="0" anchor="t" bIns="91425" lIns="91425" spcFirstLastPara="1" rIns="91425" wrap="square" tIns="91425">
+            <a:noAutofit/>
+          </a:bodyPr>
+          <a:lstStyle/>
+          <a:p>
+            <a:pPr indent="0" lvl="0" marL="0" rtl="0" algn="l">
+              <a:spcBef>
+                <a:spcPts val="0"/>
+              </a:spcBef>
+              <a:spcAft>
+                <a:spcPts val="0"/>
+              </a:spcAft>
+              <a:buNone/>
+            </a:pPr>
+            <a:r>
+              <a:t/>
+            </a:r>
+            <a:endParaRPr/>
+          </a:p>
+        </p:txBody>
+      </p:sp>
+    </p:spTree>
+  </p:cSld>
+  <p:clrMapOvr>
+    <a:masterClrMapping/>
+  </p:clrMapOvr>
+</p:notes>
+</file>
+
+<file path=ppt/notesSlides/notesSlide21.xml><?xml version="1.0" encoding="utf-8"?>
+<p:notes xmlns:a="http://schemas.openxmlformats.org/drawingml/2006/main" xmlns:r="http://schemas.openxmlformats.org/officeDocument/2006/relationships" xmlns:mc="http://schemas.openxmlformats.org/markup-compatibility/2006" xmlns:mv="urn:schemas-microsoft-com:mac:vml" xmlns:p="http://schemas.openxmlformats.org/presentationml/2006/main" xmlns:c="http://schemas.openxmlformats.org/drawingml/2006/chart" xmlns:dgm="http://schemas.openxmlformats.org/drawingml/2006/diagram" xmlns:o="urn:schemas-microsoft-com:office:office" xmlns:v="urn:schemas-microsoft-com:vml" xmlns:pvml="urn:schemas-microsoft-com:office:powerpoint" xmlns:com="http://schemas.openxmlformats.org/drawingml/2006/compatibility" xmlns:p14="http://schemas.microsoft.com/office/powerpoint/2010/main" xmlns:p15="http://schemas.microsoft.com/office/powerpoint/2012/main" xmlns:ahyp="http://schemas.microsoft.com/office/drawing/2018/hyperlinkcolor" showMasterPhAnim="0" showMasterSp="0">
+  <p:cSld>
+    <p:spTree>
+      <p:nvGrpSpPr>
+        <p:cNvPr id="207" name="Shape 207"/>
+        <p:cNvGrpSpPr/>
+        <p:nvPr/>
+      </p:nvGrpSpPr>
+      <p:grpSpPr>
+        <a:xfrm>
+          <a:off x="0" y="0"/>
+          <a:ext cx="0" cy="0"/>
+          <a:chOff x="0" y="0"/>
+          <a:chExt cx="0" cy="0"/>
+        </a:xfrm>
+      </p:grpSpPr>
+      <p:sp>
+        <p:nvSpPr>
+          <p:cNvPr id="208" name="Google Shape;208;g2cb535fbb03_1_71:notes"/>
+          <p:cNvSpPr/>
+          <p:nvPr>
+            <p:ph idx="2" type="sldImg"/>
+          </p:nvPr>
+        </p:nvSpPr>
+        <p:spPr>
+          <a:xfrm>
+            <a:off x="381300" y="685800"/>
+            <a:ext cx="6096000" cy="3429000"/>
+          </a:xfrm>
+          <a:custGeom>
+            <a:rect b="b" l="l" r="r" t="t"/>
+            <a:pathLst>
+              <a:path extrusionOk="0" h="120000" w="120000">
+                <a:moveTo>
+                  <a:pt x="0" y="0"/>
+                </a:moveTo>
+                <a:lnTo>
+                  <a:pt x="120000" y="0"/>
+                </a:lnTo>
+                <a:lnTo>
+                  <a:pt x="120000" y="120000"/>
+                </a:lnTo>
+                <a:lnTo>
+                  <a:pt x="0" y="120000"/>
+                </a:lnTo>
+                <a:close/>
+              </a:path>
+            </a:pathLst>
+          </a:custGeom>
+        </p:spPr>
+      </p:sp>
+      <p:sp>
+        <p:nvSpPr>
+          <p:cNvPr id="209" name="Google Shape;209;g2cb535fbb03_1_71:notes"/>
+          <p:cNvSpPr txBox="1"/>
+          <p:nvPr>
+            <p:ph idx="1" type="body"/>
+          </p:nvPr>
+        </p:nvSpPr>
+        <p:spPr>
+          <a:xfrm>
+            <a:off x="685800" y="4343400"/>
+            <a:ext cx="5486400" cy="4114800"/>
+          </a:xfrm>
+          <a:prstGeom prst="rect">
+            <a:avLst/>
+          </a:prstGeom>
+        </p:spPr>
+        <p:txBody>
+          <a:bodyPr anchorCtr="0" anchor="t" bIns="91425" lIns="91425" spcFirstLastPara="1" rIns="91425" wrap="square" tIns="91425">
+            <a:noAutofit/>
+          </a:bodyPr>
+          <a:lstStyle/>
+          <a:p>
+            <a:pPr indent="0" lvl="0" marL="0" rtl="0" algn="l">
+              <a:spcBef>
+                <a:spcPts val="0"/>
+              </a:spcBef>
+              <a:spcAft>
+                <a:spcPts val="0"/>
+              </a:spcAft>
+              <a:buNone/>
+            </a:pPr>
+            <a:r>
+              <a:t/>
+            </a:r>
+            <a:endParaRPr/>
+          </a:p>
+        </p:txBody>
+      </p:sp>
+    </p:spTree>
+  </p:cSld>
+  <p:clrMapOvr>
+    <a:masterClrMapping/>
+  </p:clrMapOvr>
+</p:notes>
+</file>
+
+<file path=ppt/notesSlides/notesSlide22.xml><?xml version="1.0" encoding="utf-8"?>
+<p:notes xmlns:a="http://schemas.openxmlformats.org/drawingml/2006/main" xmlns:r="http://schemas.openxmlformats.org/officeDocument/2006/relationships" xmlns:mc="http://schemas.openxmlformats.org/markup-compatibility/2006" xmlns:mv="urn:schemas-microsoft-com:mac:vml" xmlns:p="http://schemas.openxmlformats.org/presentationml/2006/main" xmlns:c="http://schemas.openxmlformats.org/drawingml/2006/chart" xmlns:dgm="http://schemas.openxmlformats.org/drawingml/2006/diagram" xmlns:o="urn:schemas-microsoft-com:office:office" xmlns:v="urn:schemas-microsoft-com:vml" xmlns:pvml="urn:schemas-microsoft-com:office:powerpoint" xmlns:com="http://schemas.openxmlformats.org/drawingml/2006/compatibility" xmlns:p14="http://schemas.microsoft.com/office/powerpoint/2010/main" xmlns:p15="http://schemas.microsoft.com/office/powerpoint/2012/main" xmlns:ahyp="http://schemas.microsoft.com/office/drawing/2018/hyperlinkcolor" showMasterPhAnim="0" showMasterSp="0">
+  <p:cSld>
+    <p:spTree>
+      <p:nvGrpSpPr>
+        <p:cNvPr id="213" name="Shape 213"/>
+        <p:cNvGrpSpPr/>
+        <p:nvPr/>
+      </p:nvGrpSpPr>
+      <p:grpSpPr>
+        <a:xfrm>
+          <a:off x="0" y="0"/>
+          <a:ext cx="0" cy="0"/>
+          <a:chOff x="0" y="0"/>
+          <a:chExt cx="0" cy="0"/>
+        </a:xfrm>
+      </p:grpSpPr>
+      <p:sp>
+        <p:nvSpPr>
+          <p:cNvPr id="214" name="Google Shape;214;g2cb81f52077_0_0:notes"/>
+          <p:cNvSpPr/>
+          <p:nvPr>
+            <p:ph idx="2" type="sldImg"/>
+          </p:nvPr>
+        </p:nvSpPr>
+        <p:spPr>
+          <a:xfrm>
+            <a:off x="381300" y="685800"/>
+            <a:ext cx="6096000" cy="3429000"/>
+          </a:xfrm>
+          <a:custGeom>
+            <a:rect b="b" l="l" r="r" t="t"/>
+            <a:pathLst>
+              <a:path extrusionOk="0" h="120000" w="120000">
+                <a:moveTo>
+                  <a:pt x="0" y="0"/>
+                </a:moveTo>
+                <a:lnTo>
+                  <a:pt x="120000" y="0"/>
+                </a:lnTo>
+                <a:lnTo>
+                  <a:pt x="120000" y="120000"/>
+                </a:lnTo>
+                <a:lnTo>
+                  <a:pt x="0" y="120000"/>
+                </a:lnTo>
+                <a:close/>
+              </a:path>
+            </a:pathLst>
+          </a:custGeom>
+        </p:spPr>
+      </p:sp>
+      <p:sp>
+        <p:nvSpPr>
+          <p:cNvPr id="215" name="Google Shape;215;g2cb81f52077_0_0:notes"/>
+          <p:cNvSpPr txBox="1"/>
+          <p:nvPr>
+            <p:ph idx="1" type="body"/>
+          </p:nvPr>
+        </p:nvSpPr>
+        <p:spPr>
+          <a:xfrm>
+            <a:off x="685800" y="4343400"/>
+            <a:ext cx="5486400" cy="4114800"/>
+          </a:xfrm>
+          <a:prstGeom prst="rect">
+            <a:avLst/>
+          </a:prstGeom>
+        </p:spPr>
+        <p:txBody>
+          <a:bodyPr anchorCtr="0" anchor="t" bIns="91425" lIns="91425" spcFirstLastPara="1" rIns="91425" wrap="square" tIns="91425">
+            <a:noAutofit/>
+          </a:bodyPr>
+          <a:lstStyle/>
+          <a:p>
+            <a:pPr indent="0" lvl="0" marL="0" rtl="0" algn="l">
+              <a:spcBef>
+                <a:spcPts val="0"/>
+              </a:spcBef>
+              <a:spcAft>
+                <a:spcPts val="0"/>
+              </a:spcAft>
+              <a:buNone/>
+            </a:pPr>
+            <a:r>
+              <a:t/>
+            </a:r>
+            <a:endParaRPr/>
+          </a:p>
+        </p:txBody>
+      </p:sp>
+    </p:spTree>
+  </p:cSld>
+  <p:clrMapOvr>
+    <a:masterClrMapping/>
+  </p:clrMapOvr>
+</p:notes>
+</file>
+
+<file path=ppt/notesSlides/notesSlide23.xml><?xml version="1.0" encoding="utf-8"?>
+<p:notes xmlns:a="http://schemas.openxmlformats.org/drawingml/2006/main" xmlns:r="http://schemas.openxmlformats.org/officeDocument/2006/relationships" xmlns:mc="http://schemas.openxmlformats.org/markup-compatibility/2006" xmlns:mv="urn:schemas-microsoft-com:mac:vml" xmlns:p="http://schemas.openxmlformats.org/presentationml/2006/main" xmlns:c="http://schemas.openxmlformats.org/drawingml/2006/chart" xmlns:dgm="http://schemas.openxmlformats.org/drawingml/2006/diagram" xmlns:o="urn:schemas-microsoft-com:office:office" xmlns:v="urn:schemas-microsoft-com:vml" xmlns:pvml="urn:schemas-microsoft-com:office:powerpoint" xmlns:com="http://schemas.openxmlformats.org/drawingml/2006/compatibility" xmlns:p14="http://schemas.microsoft.com/office/powerpoint/2010/main" xmlns:p15="http://schemas.microsoft.com/office/powerpoint/2012/main" xmlns:ahyp="http://schemas.microsoft.com/office/drawing/2018/hyperlinkcolor" showMasterPhAnim="0" showMasterSp="0">
+  <p:cSld>
+    <p:spTree>
+      <p:nvGrpSpPr>
+        <p:cNvPr id="219" name="Shape 219"/>
+        <p:cNvGrpSpPr/>
+        <p:nvPr/>
+      </p:nvGrpSpPr>
+      <p:grpSpPr>
+        <a:xfrm>
+          <a:off x="0" y="0"/>
+          <a:ext cx="0" cy="0"/>
+          <a:chOff x="0" y="0"/>
+          <a:chExt cx="0" cy="0"/>
+        </a:xfrm>
+      </p:grpSpPr>
+      <p:sp>
+        <p:nvSpPr>
+          <p:cNvPr id="220" name="Google Shape;220;g2cb81f52077_0_6:notes"/>
+          <p:cNvSpPr/>
+          <p:nvPr>
+            <p:ph idx="2" type="sldImg"/>
+          </p:nvPr>
+        </p:nvSpPr>
+        <p:spPr>
+          <a:xfrm>
+            <a:off x="381300" y="685800"/>
+            <a:ext cx="6096000" cy="3429000"/>
+          </a:xfrm>
+          <a:custGeom>
+            <a:rect b="b" l="l" r="r" t="t"/>
+            <a:pathLst>
+              <a:path extrusionOk="0" h="120000" w="120000">
+                <a:moveTo>
+                  <a:pt x="0" y="0"/>
+                </a:moveTo>
+                <a:lnTo>
+                  <a:pt x="120000" y="0"/>
+                </a:lnTo>
+                <a:lnTo>
+                  <a:pt x="120000" y="120000"/>
+                </a:lnTo>
+                <a:lnTo>
+                  <a:pt x="0" y="120000"/>
+                </a:lnTo>
+                <a:close/>
+              </a:path>
+            </a:pathLst>
+          </a:custGeom>
+        </p:spPr>
+      </p:sp>
+      <p:sp>
+        <p:nvSpPr>
+          <p:cNvPr id="221" name="Google Shape;221;g2cb81f52077_0_6:notes"/>
+          <p:cNvSpPr txBox="1"/>
+          <p:nvPr>
+            <p:ph idx="1" type="body"/>
+          </p:nvPr>
+        </p:nvSpPr>
+        <p:spPr>
+          <a:xfrm>
+            <a:off x="685800" y="4343400"/>
+            <a:ext cx="5486400" cy="4114800"/>
+          </a:xfrm>
+          <a:prstGeom prst="rect">
+            <a:avLst/>
+          </a:prstGeom>
+        </p:spPr>
+        <p:txBody>
+          <a:bodyPr anchorCtr="0" anchor="t" bIns="91425" lIns="91425" spcFirstLastPara="1" rIns="91425" wrap="square" tIns="91425">
+            <a:noAutofit/>
+          </a:bodyPr>
+          <a:lstStyle/>
+          <a:p>
+            <a:pPr indent="0" lvl="0" marL="0" rtl="0" algn="l">
+              <a:spcBef>
+                <a:spcPts val="0"/>
+              </a:spcBef>
+              <a:spcAft>
+                <a:spcPts val="0"/>
+              </a:spcAft>
+              <a:buNone/>
+            </a:pPr>
+            <a:r>
+              <a:t/>
+            </a:r>
+            <a:endParaRPr/>
+          </a:p>
+        </p:txBody>
+      </p:sp>
+    </p:spTree>
+  </p:cSld>
+  <p:clrMapOvr>
+    <a:masterClrMapping/>
+  </p:clrMapOvr>
+</p:notes>
+</file>
+
+<file path=ppt/notesSlides/notesSlide24.xml><?xml version="1.0" encoding="utf-8"?>
+<p:notes xmlns:a="http://schemas.openxmlformats.org/drawingml/2006/main" xmlns:r="http://schemas.openxmlformats.org/officeDocument/2006/relationships" xmlns:mc="http://schemas.openxmlformats.org/markup-compatibility/2006" xmlns:mv="urn:schemas-microsoft-com:mac:vml" xmlns:p="http://schemas.openxmlformats.org/presentationml/2006/main" xmlns:c="http://schemas.openxmlformats.org/drawingml/2006/chart" xmlns:dgm="http://schemas.openxmlformats.org/drawingml/2006/diagram" xmlns:o="urn:schemas-microsoft-com:office:office" xmlns:v="urn:schemas-microsoft-com:vml" xmlns:pvml="urn:schemas-microsoft-com:office:powerpoint" xmlns:com="http://schemas.openxmlformats.org/drawingml/2006/compatibility" xmlns:p14="http://schemas.microsoft.com/office/powerpoint/2010/main" xmlns:p15="http://schemas.microsoft.com/office/powerpoint/2012/main" xmlns:ahyp="http://schemas.microsoft.com/office/drawing/2018/hyperlinkcolor" showMasterPhAnim="0" showMasterSp="0">
+  <p:cSld>
+    <p:spTree>
+      <p:nvGrpSpPr>
+        <p:cNvPr id="225" name="Shape 225"/>
+        <p:cNvGrpSpPr/>
+        <p:nvPr/>
+      </p:nvGrpSpPr>
+      <p:grpSpPr>
+        <a:xfrm>
+          <a:off x="0" y="0"/>
+          <a:ext cx="0" cy="0"/>
+          <a:chOff x="0" y="0"/>
+          <a:chExt cx="0" cy="0"/>
+        </a:xfrm>
+      </p:grpSpPr>
+      <p:sp>
+        <p:nvSpPr>
+          <p:cNvPr id="226" name="Google Shape;226;g2cb81f52077_0_13:notes"/>
+          <p:cNvSpPr/>
+          <p:nvPr>
+            <p:ph idx="2" type="sldImg"/>
+          </p:nvPr>
+        </p:nvSpPr>
+        <p:spPr>
+          <a:xfrm>
+            <a:off x="381300" y="685800"/>
+            <a:ext cx="6096000" cy="3429000"/>
+          </a:xfrm>
+          <a:custGeom>
+            <a:rect b="b" l="l" r="r" t="t"/>
+            <a:pathLst>
+              <a:path extrusionOk="0" h="120000" w="120000">
+                <a:moveTo>
+                  <a:pt x="0" y="0"/>
+                </a:moveTo>
+                <a:lnTo>
+                  <a:pt x="120000" y="0"/>
+                </a:lnTo>
+                <a:lnTo>
+                  <a:pt x="120000" y="120000"/>
+                </a:lnTo>
+                <a:lnTo>
+                  <a:pt x="0" y="120000"/>
+                </a:lnTo>
+                <a:close/>
+              </a:path>
+            </a:pathLst>
+          </a:custGeom>
+        </p:spPr>
+      </p:sp>
+      <p:sp>
+        <p:nvSpPr>
+          <p:cNvPr id="227" name="Google Shape;227;g2cb81f52077_0_13:notes"/>
+          <p:cNvSpPr txBox="1"/>
+          <p:nvPr>
+            <p:ph idx="1" type="body"/>
+          </p:nvPr>
+        </p:nvSpPr>
+        <p:spPr>
+          <a:xfrm>
+            <a:off x="685800" y="4343400"/>
+            <a:ext cx="5486400" cy="4114800"/>
+          </a:xfrm>
+          <a:prstGeom prst="rect">
+            <a:avLst/>
+          </a:prstGeom>
+        </p:spPr>
+        <p:txBody>
+          <a:bodyPr anchorCtr="0" anchor="t" bIns="91425" lIns="91425" spcFirstLastPara="1" rIns="91425" wrap="square" tIns="91425">
+            <a:noAutofit/>
+          </a:bodyPr>
+          <a:lstStyle/>
+          <a:p>
+            <a:pPr indent="0" lvl="0" marL="0" rtl="0" algn="l">
+              <a:spcBef>
+                <a:spcPts val="0"/>
+              </a:spcBef>
+              <a:spcAft>
+                <a:spcPts val="0"/>
+              </a:spcAft>
+              <a:buNone/>
+            </a:pPr>
+            <a:r>
+              <a:t/>
+            </a:r>
+            <a:endParaRPr/>
+          </a:p>
+        </p:txBody>
+      </p:sp>
+    </p:spTree>
+  </p:cSld>
+  <p:clrMapOvr>
+    <a:masterClrMapping/>
+  </p:clrMapOvr>
+</p:notes>
+</file>
+
+<file path=ppt/notesSlides/notesSlide25.xml><?xml version="1.0" encoding="utf-8"?>
+<p:notes xmlns:a="http://schemas.openxmlformats.org/drawingml/2006/main" xmlns:r="http://schemas.openxmlformats.org/officeDocument/2006/relationships" xmlns:mc="http://schemas.openxmlformats.org/markup-compatibility/2006" xmlns:mv="urn:schemas-microsoft-com:mac:vml" xmlns:p="http://schemas.openxmlformats.org/presentationml/2006/main" xmlns:c="http://schemas.openxmlformats.org/drawingml/2006/chart" xmlns:dgm="http://schemas.openxmlformats.org/drawingml/2006/diagram" xmlns:o="urn:schemas-microsoft-com:office:office" xmlns:v="urn:schemas-microsoft-com:vml" xmlns:pvml="urn:schemas-microsoft-com:office:powerpoint" xmlns:com="http://schemas.openxmlformats.org/drawingml/2006/compatibility" xmlns:p14="http://schemas.microsoft.com/office/powerpoint/2010/main" xmlns:p15="http://schemas.microsoft.com/office/powerpoint/2012/main" xmlns:ahyp="http://schemas.microsoft.com/office/drawing/2018/hyperlinkcolor" showMasterPhAnim="0" showMasterSp="0">
+  <p:cSld>
+    <p:spTree>
+      <p:nvGrpSpPr>
+        <p:cNvPr id="231" name="Shape 231"/>
+        <p:cNvGrpSpPr/>
+        <p:nvPr/>
+      </p:nvGrpSpPr>
+      <p:grpSpPr>
+        <a:xfrm>
+          <a:off x="0" y="0"/>
+          <a:ext cx="0" cy="0"/>
+          <a:chOff x="0" y="0"/>
+          <a:chExt cx="0" cy="0"/>
+        </a:xfrm>
+      </p:grpSpPr>
+      <p:sp>
+        <p:nvSpPr>
+          <p:cNvPr id="232" name="Google Shape;232;g2cb81f52077_0_18:notes"/>
+          <p:cNvSpPr/>
+          <p:nvPr>
+            <p:ph idx="2" type="sldImg"/>
+          </p:nvPr>
+        </p:nvSpPr>
+        <p:spPr>
+          <a:xfrm>
+            <a:off x="381300" y="685800"/>
+            <a:ext cx="6096000" cy="3429000"/>
+          </a:xfrm>
+          <a:custGeom>
+            <a:rect b="b" l="l" r="r" t="t"/>
+            <a:pathLst>
+              <a:path extrusionOk="0" h="120000" w="120000">
+                <a:moveTo>
+                  <a:pt x="0" y="0"/>
+                </a:moveTo>
+                <a:lnTo>
+                  <a:pt x="120000" y="0"/>
+                </a:lnTo>
+                <a:lnTo>
+                  <a:pt x="120000" y="120000"/>
+                </a:lnTo>
+                <a:lnTo>
+                  <a:pt x="0" y="120000"/>
+                </a:lnTo>
+                <a:close/>
+              </a:path>
+            </a:pathLst>
+          </a:custGeom>
+        </p:spPr>
+      </p:sp>
+      <p:sp>
+        <p:nvSpPr>
+          <p:cNvPr id="233" name="Google Shape;233;g2cb81f52077_0_18:notes"/>
+          <p:cNvSpPr txBox="1"/>
+          <p:nvPr>
+            <p:ph idx="1" type="body"/>
+          </p:nvPr>
+        </p:nvSpPr>
+        <p:spPr>
+          <a:xfrm>
+            <a:off x="685800" y="4343400"/>
+            <a:ext cx="5486400" cy="4114800"/>
+          </a:xfrm>
+          <a:prstGeom prst="rect">
+            <a:avLst/>
+          </a:prstGeom>
+        </p:spPr>
+        <p:txBody>
+          <a:bodyPr anchorCtr="0" anchor="t" bIns="91425" lIns="91425" spcFirstLastPara="1" rIns="91425" wrap="square" tIns="91425">
+            <a:noAutofit/>
+          </a:bodyPr>
+          <a:lstStyle/>
+          <a:p>
+            <a:pPr indent="0" lvl="0" marL="0" rtl="0" algn="l">
+              <a:spcBef>
+                <a:spcPts val="0"/>
+              </a:spcBef>
+              <a:spcAft>
+                <a:spcPts val="0"/>
+              </a:spcAft>
+              <a:buNone/>
+            </a:pPr>
+            <a:r>
+              <a:t/>
+            </a:r>
+            <a:endParaRPr/>
+          </a:p>
+        </p:txBody>
+      </p:sp>
+    </p:spTree>
+  </p:cSld>
+  <p:clrMapOvr>
+    <a:masterClrMapping/>
+  </p:clrMapOvr>
+</p:notes>
+</file>
+
+<file path=ppt/notesSlides/notesSlide26.xml><?xml version="1.0" encoding="utf-8"?>
+<p:notes xmlns:a="http://schemas.openxmlformats.org/drawingml/2006/main" xmlns:r="http://schemas.openxmlformats.org/officeDocument/2006/relationships" xmlns:mc="http://schemas.openxmlformats.org/markup-compatibility/2006" xmlns:mv="urn:schemas-microsoft-com:mac:vml" xmlns:p="http://schemas.openxmlformats.org/presentationml/2006/main" xmlns:c="http://schemas.openxmlformats.org/drawingml/2006/chart" xmlns:dgm="http://schemas.openxmlformats.org/drawingml/2006/diagram" xmlns:o="urn:schemas-microsoft-com:office:office" xmlns:v="urn:schemas-microsoft-com:vml" xmlns:pvml="urn:schemas-microsoft-com:office:powerpoint" xmlns:com="http://schemas.openxmlformats.org/drawingml/2006/compatibility" xmlns:p14="http://schemas.microsoft.com/office/powerpoint/2010/main" xmlns:p15="http://schemas.microsoft.com/office/powerpoint/2012/main" xmlns:ahyp="http://schemas.microsoft.com/office/drawing/2018/hyperlinkcolor" showMasterPhAnim="0" showMasterSp="0">
+  <p:cSld>
+    <p:spTree>
+      <p:nvGrpSpPr>
+        <p:cNvPr id="237" name="Shape 237"/>
+        <p:cNvGrpSpPr/>
+        <p:nvPr/>
+      </p:nvGrpSpPr>
+      <p:grpSpPr>
+        <a:xfrm>
+          <a:off x="0" y="0"/>
+          <a:ext cx="0" cy="0"/>
+          <a:chOff x="0" y="0"/>
+          <a:chExt cx="0" cy="0"/>
+        </a:xfrm>
+      </p:grpSpPr>
+      <p:sp>
+        <p:nvSpPr>
+          <p:cNvPr id="238" name="Google Shape;238;g2cb535fbb03_1_76:notes"/>
+          <p:cNvSpPr/>
+          <p:nvPr>
+            <p:ph idx="2" type="sldImg"/>
+          </p:nvPr>
+        </p:nvSpPr>
+        <p:spPr>
+          <a:xfrm>
+            <a:off x="381300" y="685800"/>
+            <a:ext cx="6096000" cy="3429000"/>
+          </a:xfrm>
+          <a:custGeom>
+            <a:rect b="b" l="l" r="r" t="t"/>
+            <a:pathLst>
+              <a:path extrusionOk="0" h="120000" w="120000">
+                <a:moveTo>
+                  <a:pt x="0" y="0"/>
+                </a:moveTo>
+                <a:lnTo>
+                  <a:pt x="120000" y="0"/>
+                </a:lnTo>
+                <a:lnTo>
+                  <a:pt x="120000" y="120000"/>
+                </a:lnTo>
+                <a:lnTo>
+                  <a:pt x="0" y="120000"/>
+                </a:lnTo>
+                <a:close/>
+              </a:path>
+            </a:pathLst>
+          </a:custGeom>
+        </p:spPr>
+      </p:sp>
+      <p:sp>
+        <p:nvSpPr>
+          <p:cNvPr id="239" name="Google Shape;239;g2cb535fbb03_1_76:notes"/>
           <p:cNvSpPr txBox="1"/>
           <p:nvPr>
             <p:ph idx="1" type="body"/>
@@ -8915,8 +9615,8 @@
         </p:nvSpPr>
         <p:spPr>
           <a:xfrm>
-            <a:off x="729450" y="1170050"/>
-            <a:ext cx="7688100" cy="1664700"/>
+            <a:off x="548875" y="1246250"/>
+            <a:ext cx="8049600" cy="1664700"/>
           </a:xfrm>
           <a:prstGeom prst="rect">
             <a:avLst/>
@@ -9860,7 +10560,7 @@
                 <a:cs typeface="Times New Roman"/>
                 <a:sym typeface="Times New Roman"/>
               </a:rPr>
-              <a:t>UI Design</a:t>
+              <a:t>Algorithm</a:t>
             </a:r>
             <a:endParaRPr sz="2440">
               <a:latin typeface="Times New Roman"/>
@@ -9871,40 +10571,430 @@
           </a:p>
         </p:txBody>
       </p:sp>
-      <p:pic>
-        <p:nvPicPr>
+      <p:sp>
+        <p:nvSpPr>
           <p:cNvPr id="170" name="Google Shape;170;p26"/>
-          <p:cNvPicPr preferRelativeResize="0"/>
+          <p:cNvSpPr txBox="1"/>
           <p:nvPr/>
-        </p:nvPicPr>
-        <p:blipFill>
-          <a:blip r:embed="rId3">
-            <a:alphaModFix/>
-          </a:blip>
-          <a:stretch>
-            <a:fillRect/>
-          </a:stretch>
-        </p:blipFill>
+        </p:nvSpPr>
         <p:spPr>
           <a:xfrm>
-            <a:off x="1826850" y="1325000"/>
-            <a:ext cx="5490276" cy="3565775"/>
+            <a:off x="445050" y="1335850"/>
+            <a:ext cx="8253900" cy="3586500"/>
           </a:xfrm>
           <a:prstGeom prst="rect">
             <a:avLst/>
           </a:prstGeom>
           <a:noFill/>
-          <a:ln cap="flat" cmpd="sng" w="9525">
-            <a:solidFill>
-              <a:schemeClr val="dk2"/>
-            </a:solidFill>
-            <a:prstDash val="solid"/>
-            <a:round/>
-            <a:headEnd len="sm" w="sm" type="none"/>
-            <a:tailEnd len="sm" w="sm" type="none"/>
+          <a:ln>
+            <a:noFill/>
           </a:ln>
         </p:spPr>
-      </p:pic>
+        <p:txBody>
+          <a:bodyPr anchorCtr="0" anchor="t" bIns="91425" lIns="91425" spcFirstLastPara="1" rIns="91425" wrap="square" tIns="91425">
+            <a:spAutoFit/>
+          </a:bodyPr>
+          <a:lstStyle/>
+          <a:p>
+            <a:pPr indent="0" lvl="0" marL="0" rtl="0" algn="l">
+              <a:spcBef>
+                <a:spcPts val="0"/>
+              </a:spcBef>
+              <a:spcAft>
+                <a:spcPts val="0"/>
+              </a:spcAft>
+              <a:buNone/>
+            </a:pPr>
+            <a:r>
+              <a:rPr lang="en" sz="1700">
+                <a:solidFill>
+                  <a:schemeClr val="accent1"/>
+                </a:solidFill>
+                <a:latin typeface="Times New Roman"/>
+                <a:ea typeface="Times New Roman"/>
+                <a:cs typeface="Times New Roman"/>
+                <a:sym typeface="Times New Roman"/>
+              </a:rPr>
+              <a:t>1. Data Collection:</a:t>
+            </a:r>
+            <a:endParaRPr sz="1700">
+              <a:solidFill>
+                <a:schemeClr val="accent1"/>
+              </a:solidFill>
+              <a:latin typeface="Times New Roman"/>
+              <a:ea typeface="Times New Roman"/>
+              <a:cs typeface="Times New Roman"/>
+              <a:sym typeface="Times New Roman"/>
+            </a:endParaRPr>
+          </a:p>
+          <a:p>
+            <a:pPr indent="0" lvl="0" marL="0" rtl="0" algn="l">
+              <a:spcBef>
+                <a:spcPts val="0"/>
+              </a:spcBef>
+              <a:spcAft>
+                <a:spcPts val="0"/>
+              </a:spcAft>
+              <a:buNone/>
+            </a:pPr>
+            <a:r>
+              <a:rPr lang="en" sz="1700">
+                <a:solidFill>
+                  <a:schemeClr val="accent1"/>
+                </a:solidFill>
+                <a:latin typeface="Times New Roman"/>
+                <a:ea typeface="Times New Roman"/>
+                <a:cs typeface="Times New Roman"/>
+                <a:sym typeface="Times New Roman"/>
+              </a:rPr>
+              <a:t>	Use web scraping techniques to gather Malayalam text data from online sources.</a:t>
+            </a:r>
+            <a:endParaRPr sz="1700">
+              <a:solidFill>
+                <a:schemeClr val="accent1"/>
+              </a:solidFill>
+              <a:latin typeface="Times New Roman"/>
+              <a:ea typeface="Times New Roman"/>
+              <a:cs typeface="Times New Roman"/>
+              <a:sym typeface="Times New Roman"/>
+            </a:endParaRPr>
+          </a:p>
+          <a:p>
+            <a:pPr indent="0" lvl="0" marL="0" rtl="0" algn="l">
+              <a:spcBef>
+                <a:spcPts val="0"/>
+              </a:spcBef>
+              <a:spcAft>
+                <a:spcPts val="0"/>
+              </a:spcAft>
+              <a:buNone/>
+            </a:pPr>
+            <a:r>
+              <a:rPr lang="en" sz="1700">
+                <a:solidFill>
+                  <a:schemeClr val="accent1"/>
+                </a:solidFill>
+                <a:latin typeface="Times New Roman"/>
+                <a:ea typeface="Times New Roman"/>
+                <a:cs typeface="Times New Roman"/>
+                <a:sym typeface="Times New Roman"/>
+              </a:rPr>
+              <a:t>	Apply language filtering to ensure only Malayalam text is retained.</a:t>
+            </a:r>
+            <a:endParaRPr sz="1700">
+              <a:solidFill>
+                <a:schemeClr val="accent1"/>
+              </a:solidFill>
+              <a:latin typeface="Times New Roman"/>
+              <a:ea typeface="Times New Roman"/>
+              <a:cs typeface="Times New Roman"/>
+              <a:sym typeface="Times New Roman"/>
+            </a:endParaRPr>
+          </a:p>
+          <a:p>
+            <a:pPr indent="0" lvl="0" marL="0" rtl="0" algn="l">
+              <a:spcBef>
+                <a:spcPts val="0"/>
+              </a:spcBef>
+              <a:spcAft>
+                <a:spcPts val="0"/>
+              </a:spcAft>
+              <a:buNone/>
+            </a:pPr>
+            <a:r>
+              <a:rPr lang="en" sz="1700">
+                <a:solidFill>
+                  <a:schemeClr val="accent1"/>
+                </a:solidFill>
+                <a:latin typeface="Times New Roman"/>
+                <a:ea typeface="Times New Roman"/>
+                <a:cs typeface="Times New Roman"/>
+                <a:sym typeface="Times New Roman"/>
+              </a:rPr>
+              <a:t>	Store the collected data in a structured format for further processing.</a:t>
+            </a:r>
+            <a:endParaRPr sz="1700">
+              <a:solidFill>
+                <a:schemeClr val="accent1"/>
+              </a:solidFill>
+              <a:latin typeface="Times New Roman"/>
+              <a:ea typeface="Times New Roman"/>
+              <a:cs typeface="Times New Roman"/>
+              <a:sym typeface="Times New Roman"/>
+            </a:endParaRPr>
+          </a:p>
+          <a:p>
+            <a:pPr indent="0" lvl="0" marL="0" rtl="0" algn="l">
+              <a:spcBef>
+                <a:spcPts val="0"/>
+              </a:spcBef>
+              <a:spcAft>
+                <a:spcPts val="0"/>
+              </a:spcAft>
+              <a:buNone/>
+            </a:pPr>
+            <a:r>
+              <a:t/>
+            </a:r>
+            <a:endParaRPr sz="1700">
+              <a:solidFill>
+                <a:schemeClr val="accent1"/>
+              </a:solidFill>
+              <a:latin typeface="Times New Roman"/>
+              <a:ea typeface="Times New Roman"/>
+              <a:cs typeface="Times New Roman"/>
+              <a:sym typeface="Times New Roman"/>
+            </a:endParaRPr>
+          </a:p>
+          <a:p>
+            <a:pPr indent="0" lvl="0" marL="0" rtl="0" algn="l">
+              <a:spcBef>
+                <a:spcPts val="0"/>
+              </a:spcBef>
+              <a:spcAft>
+                <a:spcPts val="0"/>
+              </a:spcAft>
+              <a:buNone/>
+            </a:pPr>
+            <a:r>
+              <a:rPr lang="en" sz="1700">
+                <a:solidFill>
+                  <a:schemeClr val="accent1"/>
+                </a:solidFill>
+                <a:latin typeface="Times New Roman"/>
+                <a:ea typeface="Times New Roman"/>
+                <a:cs typeface="Times New Roman"/>
+                <a:sym typeface="Times New Roman"/>
+              </a:rPr>
+              <a:t>2. Data Cleaning:</a:t>
+            </a:r>
+            <a:endParaRPr sz="1700">
+              <a:solidFill>
+                <a:schemeClr val="accent1"/>
+              </a:solidFill>
+              <a:latin typeface="Times New Roman"/>
+              <a:ea typeface="Times New Roman"/>
+              <a:cs typeface="Times New Roman"/>
+              <a:sym typeface="Times New Roman"/>
+            </a:endParaRPr>
+          </a:p>
+          <a:p>
+            <a:pPr indent="0" lvl="0" marL="0" rtl="0" algn="l">
+              <a:spcBef>
+                <a:spcPts val="0"/>
+              </a:spcBef>
+              <a:spcAft>
+                <a:spcPts val="0"/>
+              </a:spcAft>
+              <a:buNone/>
+            </a:pPr>
+            <a:r>
+              <a:rPr lang="en" sz="1700">
+                <a:solidFill>
+                  <a:schemeClr val="accent1"/>
+                </a:solidFill>
+                <a:latin typeface="Times New Roman"/>
+                <a:ea typeface="Times New Roman"/>
+                <a:cs typeface="Times New Roman"/>
+                <a:sym typeface="Times New Roman"/>
+              </a:rPr>
+              <a:t>	Remove irrelevant information or non-textual content.</a:t>
+            </a:r>
+            <a:endParaRPr sz="1700">
+              <a:solidFill>
+                <a:schemeClr val="accent1"/>
+              </a:solidFill>
+              <a:latin typeface="Times New Roman"/>
+              <a:ea typeface="Times New Roman"/>
+              <a:cs typeface="Times New Roman"/>
+              <a:sym typeface="Times New Roman"/>
+            </a:endParaRPr>
+          </a:p>
+          <a:p>
+            <a:pPr indent="0" lvl="0" marL="0" rtl="0" algn="l">
+              <a:spcBef>
+                <a:spcPts val="0"/>
+              </a:spcBef>
+              <a:spcAft>
+                <a:spcPts val="0"/>
+              </a:spcAft>
+              <a:buNone/>
+            </a:pPr>
+            <a:r>
+              <a:rPr lang="en" sz="1700">
+                <a:solidFill>
+                  <a:schemeClr val="accent1"/>
+                </a:solidFill>
+                <a:latin typeface="Times New Roman"/>
+                <a:ea typeface="Times New Roman"/>
+                <a:cs typeface="Times New Roman"/>
+                <a:sym typeface="Times New Roman"/>
+              </a:rPr>
+              <a:t>	Eliminate errors and inconsistencies, such as misspellings or formatting issues.</a:t>
+            </a:r>
+            <a:endParaRPr sz="1700">
+              <a:solidFill>
+                <a:schemeClr val="accent1"/>
+              </a:solidFill>
+              <a:latin typeface="Times New Roman"/>
+              <a:ea typeface="Times New Roman"/>
+              <a:cs typeface="Times New Roman"/>
+              <a:sym typeface="Times New Roman"/>
+            </a:endParaRPr>
+          </a:p>
+          <a:p>
+            <a:pPr indent="0" lvl="0" marL="0" rtl="0" algn="l">
+              <a:spcBef>
+                <a:spcPts val="0"/>
+              </a:spcBef>
+              <a:spcAft>
+                <a:spcPts val="0"/>
+              </a:spcAft>
+              <a:buNone/>
+            </a:pPr>
+            <a:r>
+              <a:rPr lang="en" sz="1700">
+                <a:solidFill>
+                  <a:schemeClr val="accent1"/>
+                </a:solidFill>
+                <a:latin typeface="Times New Roman"/>
+                <a:ea typeface="Times New Roman"/>
+                <a:cs typeface="Times New Roman"/>
+                <a:sym typeface="Times New Roman"/>
+              </a:rPr>
+              <a:t>	Filter out special characters or symbols that do not contribute to the linguistic content.</a:t>
+            </a:r>
+            <a:endParaRPr sz="1700">
+              <a:solidFill>
+                <a:schemeClr val="accent1"/>
+              </a:solidFill>
+              <a:latin typeface="Times New Roman"/>
+              <a:ea typeface="Times New Roman"/>
+              <a:cs typeface="Times New Roman"/>
+              <a:sym typeface="Times New Roman"/>
+            </a:endParaRPr>
+          </a:p>
+          <a:p>
+            <a:pPr indent="0" lvl="0" marL="0" rtl="0" algn="l">
+              <a:spcBef>
+                <a:spcPts val="0"/>
+              </a:spcBef>
+              <a:spcAft>
+                <a:spcPts val="0"/>
+              </a:spcAft>
+              <a:buNone/>
+            </a:pPr>
+            <a:r>
+              <a:t/>
+            </a:r>
+            <a:endParaRPr sz="1700">
+              <a:solidFill>
+                <a:schemeClr val="accent1"/>
+              </a:solidFill>
+              <a:latin typeface="Times New Roman"/>
+              <a:ea typeface="Times New Roman"/>
+              <a:cs typeface="Times New Roman"/>
+              <a:sym typeface="Times New Roman"/>
+            </a:endParaRPr>
+          </a:p>
+          <a:p>
+            <a:pPr indent="0" lvl="0" marL="0" rtl="0" algn="l">
+              <a:spcBef>
+                <a:spcPts val="0"/>
+              </a:spcBef>
+              <a:spcAft>
+                <a:spcPts val="0"/>
+              </a:spcAft>
+              <a:buNone/>
+            </a:pPr>
+            <a:r>
+              <a:rPr lang="en" sz="1700">
+                <a:solidFill>
+                  <a:schemeClr val="accent1"/>
+                </a:solidFill>
+                <a:latin typeface="Times New Roman"/>
+                <a:ea typeface="Times New Roman"/>
+                <a:cs typeface="Times New Roman"/>
+                <a:sym typeface="Times New Roman"/>
+              </a:rPr>
+              <a:t>3. Preprocessing:</a:t>
+            </a:r>
+            <a:endParaRPr sz="1700">
+              <a:solidFill>
+                <a:schemeClr val="accent1"/>
+              </a:solidFill>
+              <a:latin typeface="Times New Roman"/>
+              <a:ea typeface="Times New Roman"/>
+              <a:cs typeface="Times New Roman"/>
+              <a:sym typeface="Times New Roman"/>
+            </a:endParaRPr>
+          </a:p>
+          <a:p>
+            <a:pPr indent="0" lvl="0" marL="0" rtl="0" algn="l">
+              <a:spcBef>
+                <a:spcPts val="0"/>
+              </a:spcBef>
+              <a:spcAft>
+                <a:spcPts val="0"/>
+              </a:spcAft>
+              <a:buNone/>
+            </a:pPr>
+            <a:r>
+              <a:rPr lang="en" sz="1700">
+                <a:solidFill>
+                  <a:schemeClr val="accent1"/>
+                </a:solidFill>
+                <a:latin typeface="Times New Roman"/>
+                <a:ea typeface="Times New Roman"/>
+                <a:cs typeface="Times New Roman"/>
+                <a:sym typeface="Times New Roman"/>
+              </a:rPr>
+              <a:t>	Tokenization: Split the cleaned text into individual words or tokens.</a:t>
+            </a:r>
+            <a:endParaRPr sz="1700">
+              <a:solidFill>
+                <a:schemeClr val="accent1"/>
+              </a:solidFill>
+              <a:latin typeface="Times New Roman"/>
+              <a:ea typeface="Times New Roman"/>
+              <a:cs typeface="Times New Roman"/>
+              <a:sym typeface="Times New Roman"/>
+            </a:endParaRPr>
+          </a:p>
+          <a:p>
+            <a:pPr indent="0" lvl="0" marL="0" rtl="0" algn="l">
+              <a:spcBef>
+                <a:spcPts val="0"/>
+              </a:spcBef>
+              <a:spcAft>
+                <a:spcPts val="0"/>
+              </a:spcAft>
+              <a:buNone/>
+            </a:pPr>
+            <a:r>
+              <a:rPr lang="en" sz="1700">
+                <a:solidFill>
+                  <a:schemeClr val="accent1"/>
+                </a:solidFill>
+                <a:latin typeface="Times New Roman"/>
+                <a:ea typeface="Times New Roman"/>
+                <a:cs typeface="Times New Roman"/>
+                <a:sym typeface="Times New Roman"/>
+              </a:rPr>
+              <a:t>	Stemming: Reduce inflected words to their base form to simplify the text for analysis.</a:t>
+            </a:r>
+            <a:endParaRPr sz="1700">
+              <a:solidFill>
+                <a:schemeClr val="accent1"/>
+              </a:solidFill>
+              <a:latin typeface="Times New Roman"/>
+              <a:ea typeface="Times New Roman"/>
+              <a:cs typeface="Times New Roman"/>
+              <a:sym typeface="Times New Roman"/>
+            </a:endParaRPr>
+          </a:p>
+        </p:txBody>
+      </p:sp>
     </p:spTree>
   </p:cSld>
   <p:clrMapOvr>
@@ -9970,7 +11060,7 @@
                 <a:cs typeface="Times New Roman"/>
                 <a:sym typeface="Times New Roman"/>
               </a:rPr>
-              <a:t>UI Design</a:t>
+              <a:t>Algorithm</a:t>
             </a:r>
             <a:endParaRPr sz="2440">
               <a:latin typeface="Times New Roman"/>
@@ -9981,24 +11071,16 @@
           </a:p>
         </p:txBody>
       </p:sp>
-      <p:pic>
-        <p:nvPicPr>
+      <p:sp>
+        <p:nvSpPr>
           <p:cNvPr id="176" name="Google Shape;176;p27"/>
-          <p:cNvPicPr preferRelativeResize="0"/>
+          <p:cNvSpPr txBox="1"/>
           <p:nvPr/>
-        </p:nvPicPr>
-        <p:blipFill>
-          <a:blip r:embed="rId3">
-            <a:alphaModFix/>
-          </a:blip>
-          <a:stretch>
-            <a:fillRect/>
-          </a:stretch>
-        </p:blipFill>
+        </p:nvSpPr>
         <p:spPr>
           <a:xfrm>
-            <a:off x="3042775" y="1279600"/>
-            <a:ext cx="3058458" cy="3663273"/>
+            <a:off x="331050" y="1412050"/>
+            <a:ext cx="8481900" cy="3324600"/>
           </a:xfrm>
           <a:prstGeom prst="rect">
             <a:avLst/>
@@ -10008,7 +11090,379 @@
             <a:noFill/>
           </a:ln>
         </p:spPr>
-      </p:pic>
+        <p:txBody>
+          <a:bodyPr anchorCtr="0" anchor="t" bIns="91425" lIns="91425" spcFirstLastPara="1" rIns="91425" wrap="square" tIns="91425">
+            <a:spAutoFit/>
+          </a:bodyPr>
+          <a:lstStyle/>
+          <a:p>
+            <a:pPr indent="0" lvl="0" marL="0" rtl="0" algn="l">
+              <a:spcBef>
+                <a:spcPts val="0"/>
+              </a:spcBef>
+              <a:spcAft>
+                <a:spcPts val="0"/>
+              </a:spcAft>
+              <a:buNone/>
+            </a:pPr>
+            <a:r>
+              <a:rPr lang="en" sz="1700">
+                <a:solidFill>
+                  <a:schemeClr val="accent1"/>
+                </a:solidFill>
+                <a:latin typeface="Times New Roman"/>
+                <a:ea typeface="Times New Roman"/>
+                <a:cs typeface="Times New Roman"/>
+                <a:sym typeface="Times New Roman"/>
+              </a:rPr>
+              <a:t>4. Annotation:</a:t>
+            </a:r>
+            <a:endParaRPr sz="1700">
+              <a:solidFill>
+                <a:schemeClr val="accent1"/>
+              </a:solidFill>
+              <a:latin typeface="Times New Roman"/>
+              <a:ea typeface="Times New Roman"/>
+              <a:cs typeface="Times New Roman"/>
+              <a:sym typeface="Times New Roman"/>
+            </a:endParaRPr>
+          </a:p>
+          <a:p>
+            <a:pPr indent="0" lvl="0" marL="0" rtl="0" algn="l">
+              <a:spcBef>
+                <a:spcPts val="0"/>
+              </a:spcBef>
+              <a:spcAft>
+                <a:spcPts val="0"/>
+              </a:spcAft>
+              <a:buNone/>
+            </a:pPr>
+            <a:r>
+              <a:rPr lang="en" sz="1700">
+                <a:solidFill>
+                  <a:schemeClr val="accent1"/>
+                </a:solidFill>
+                <a:latin typeface="Times New Roman"/>
+                <a:ea typeface="Times New Roman"/>
+                <a:cs typeface="Times New Roman"/>
+                <a:sym typeface="Times New Roman"/>
+              </a:rPr>
+              <a:t>	Manually annotate a subset of the preprocessed data with desired linguistic information </a:t>
+            </a:r>
+            <a:endParaRPr sz="1700">
+              <a:solidFill>
+                <a:schemeClr val="accent1"/>
+              </a:solidFill>
+              <a:latin typeface="Times New Roman"/>
+              <a:ea typeface="Times New Roman"/>
+              <a:cs typeface="Times New Roman"/>
+              <a:sym typeface="Times New Roman"/>
+            </a:endParaRPr>
+          </a:p>
+          <a:p>
+            <a:pPr indent="0" lvl="0" marL="0" rtl="0" algn="l">
+              <a:spcBef>
+                <a:spcPts val="0"/>
+              </a:spcBef>
+              <a:spcAft>
+                <a:spcPts val="0"/>
+              </a:spcAft>
+              <a:buNone/>
+            </a:pPr>
+            <a:r>
+              <a:rPr lang="en" sz="1700">
+                <a:solidFill>
+                  <a:schemeClr val="accent1"/>
+                </a:solidFill>
+                <a:latin typeface="Times New Roman"/>
+                <a:ea typeface="Times New Roman"/>
+                <a:cs typeface="Times New Roman"/>
+                <a:sym typeface="Times New Roman"/>
+              </a:rPr>
+              <a:t>	Use linguistic expertise to ensure the accuracy and consistency of annotations.</a:t>
+            </a:r>
+            <a:endParaRPr sz="1700">
+              <a:solidFill>
+                <a:schemeClr val="accent1"/>
+              </a:solidFill>
+              <a:latin typeface="Times New Roman"/>
+              <a:ea typeface="Times New Roman"/>
+              <a:cs typeface="Times New Roman"/>
+              <a:sym typeface="Times New Roman"/>
+            </a:endParaRPr>
+          </a:p>
+          <a:p>
+            <a:pPr indent="0" lvl="0" marL="0" rtl="0" algn="l">
+              <a:spcBef>
+                <a:spcPts val="0"/>
+              </a:spcBef>
+              <a:spcAft>
+                <a:spcPts val="0"/>
+              </a:spcAft>
+              <a:buNone/>
+            </a:pPr>
+            <a:r>
+              <a:t/>
+            </a:r>
+            <a:endParaRPr sz="1700">
+              <a:solidFill>
+                <a:schemeClr val="accent1"/>
+              </a:solidFill>
+              <a:latin typeface="Times New Roman"/>
+              <a:ea typeface="Times New Roman"/>
+              <a:cs typeface="Times New Roman"/>
+              <a:sym typeface="Times New Roman"/>
+            </a:endParaRPr>
+          </a:p>
+          <a:p>
+            <a:pPr indent="0" lvl="0" marL="0" rtl="0" algn="l">
+              <a:spcBef>
+                <a:spcPts val="0"/>
+              </a:spcBef>
+              <a:spcAft>
+                <a:spcPts val="0"/>
+              </a:spcAft>
+              <a:buNone/>
+            </a:pPr>
+            <a:r>
+              <a:rPr lang="en" sz="1700">
+                <a:solidFill>
+                  <a:schemeClr val="accent1"/>
+                </a:solidFill>
+                <a:latin typeface="Times New Roman"/>
+                <a:ea typeface="Times New Roman"/>
+                <a:cs typeface="Times New Roman"/>
+                <a:sym typeface="Times New Roman"/>
+              </a:rPr>
+              <a:t>5. Feature Extraction:</a:t>
+            </a:r>
+            <a:endParaRPr sz="1700">
+              <a:solidFill>
+                <a:schemeClr val="accent1"/>
+              </a:solidFill>
+              <a:latin typeface="Times New Roman"/>
+              <a:ea typeface="Times New Roman"/>
+              <a:cs typeface="Times New Roman"/>
+              <a:sym typeface="Times New Roman"/>
+            </a:endParaRPr>
+          </a:p>
+          <a:p>
+            <a:pPr indent="0" lvl="0" marL="0" rtl="0" algn="l">
+              <a:spcBef>
+                <a:spcPts val="0"/>
+              </a:spcBef>
+              <a:spcAft>
+                <a:spcPts val="0"/>
+              </a:spcAft>
+              <a:buNone/>
+            </a:pPr>
+            <a:r>
+              <a:rPr lang="en" sz="1700">
+                <a:solidFill>
+                  <a:schemeClr val="accent1"/>
+                </a:solidFill>
+                <a:latin typeface="Times New Roman"/>
+                <a:ea typeface="Times New Roman"/>
+                <a:cs typeface="Times New Roman"/>
+                <a:sym typeface="Times New Roman"/>
+              </a:rPr>
+              <a:t>	Extract relevant features from the annotated data</a:t>
+            </a:r>
+            <a:endParaRPr sz="1700">
+              <a:solidFill>
+                <a:schemeClr val="accent1"/>
+              </a:solidFill>
+              <a:latin typeface="Times New Roman"/>
+              <a:ea typeface="Times New Roman"/>
+              <a:cs typeface="Times New Roman"/>
+              <a:sym typeface="Times New Roman"/>
+            </a:endParaRPr>
+          </a:p>
+          <a:p>
+            <a:pPr indent="457200" lvl="0" marL="0" rtl="0" algn="l">
+              <a:spcBef>
+                <a:spcPts val="0"/>
+              </a:spcBef>
+              <a:spcAft>
+                <a:spcPts val="0"/>
+              </a:spcAft>
+              <a:buNone/>
+            </a:pPr>
+            <a:r>
+              <a:rPr lang="en" sz="1700">
+                <a:solidFill>
+                  <a:schemeClr val="accent1"/>
+                </a:solidFill>
+                <a:latin typeface="Times New Roman"/>
+                <a:ea typeface="Times New Roman"/>
+                <a:cs typeface="Times New Roman"/>
+                <a:sym typeface="Times New Roman"/>
+              </a:rPr>
+              <a:t>Word embeddings, syntactic features, or semantic features.</a:t>
+            </a:r>
+            <a:endParaRPr sz="1700">
+              <a:solidFill>
+                <a:schemeClr val="accent1"/>
+              </a:solidFill>
+              <a:latin typeface="Times New Roman"/>
+              <a:ea typeface="Times New Roman"/>
+              <a:cs typeface="Times New Roman"/>
+              <a:sym typeface="Times New Roman"/>
+            </a:endParaRPr>
+          </a:p>
+          <a:p>
+            <a:pPr indent="0" lvl="0" marL="0" rtl="0" algn="l">
+              <a:spcBef>
+                <a:spcPts val="0"/>
+              </a:spcBef>
+              <a:spcAft>
+                <a:spcPts val="0"/>
+              </a:spcAft>
+              <a:buNone/>
+            </a:pPr>
+            <a:r>
+              <a:rPr lang="en" sz="1700">
+                <a:solidFill>
+                  <a:schemeClr val="accent1"/>
+                </a:solidFill>
+                <a:latin typeface="Times New Roman"/>
+                <a:ea typeface="Times New Roman"/>
+                <a:cs typeface="Times New Roman"/>
+                <a:sym typeface="Times New Roman"/>
+              </a:rPr>
+              <a:t>	Design feature representations that capture linguistic properties essential for the parsing.</a:t>
+            </a:r>
+            <a:endParaRPr sz="1700">
+              <a:solidFill>
+                <a:schemeClr val="accent1"/>
+              </a:solidFill>
+              <a:latin typeface="Times New Roman"/>
+              <a:ea typeface="Times New Roman"/>
+              <a:cs typeface="Times New Roman"/>
+              <a:sym typeface="Times New Roman"/>
+            </a:endParaRPr>
+          </a:p>
+          <a:p>
+            <a:pPr indent="0" lvl="0" marL="0" rtl="0" algn="l">
+              <a:spcBef>
+                <a:spcPts val="0"/>
+              </a:spcBef>
+              <a:spcAft>
+                <a:spcPts val="0"/>
+              </a:spcAft>
+              <a:buNone/>
+            </a:pPr>
+            <a:r>
+              <a:t/>
+            </a:r>
+            <a:endParaRPr sz="1700">
+              <a:solidFill>
+                <a:schemeClr val="accent1"/>
+              </a:solidFill>
+              <a:latin typeface="Times New Roman"/>
+              <a:ea typeface="Times New Roman"/>
+              <a:cs typeface="Times New Roman"/>
+              <a:sym typeface="Times New Roman"/>
+            </a:endParaRPr>
+          </a:p>
+          <a:p>
+            <a:pPr indent="0" lvl="0" marL="0" rtl="0" algn="l">
+              <a:spcBef>
+                <a:spcPts val="0"/>
+              </a:spcBef>
+              <a:spcAft>
+                <a:spcPts val="0"/>
+              </a:spcAft>
+              <a:buNone/>
+            </a:pPr>
+            <a:r>
+              <a:rPr lang="en" sz="1700">
+                <a:solidFill>
+                  <a:schemeClr val="accent1"/>
+                </a:solidFill>
+                <a:latin typeface="Times New Roman"/>
+                <a:ea typeface="Times New Roman"/>
+                <a:cs typeface="Times New Roman"/>
+                <a:sym typeface="Times New Roman"/>
+              </a:rPr>
+              <a:t>6. Model Selection:</a:t>
+            </a:r>
+            <a:endParaRPr sz="1700">
+              <a:solidFill>
+                <a:schemeClr val="accent1"/>
+              </a:solidFill>
+              <a:latin typeface="Times New Roman"/>
+              <a:ea typeface="Times New Roman"/>
+              <a:cs typeface="Times New Roman"/>
+              <a:sym typeface="Times New Roman"/>
+            </a:endParaRPr>
+          </a:p>
+          <a:p>
+            <a:pPr indent="457200" lvl="0" marL="0" rtl="0" algn="l">
+              <a:spcBef>
+                <a:spcPts val="0"/>
+              </a:spcBef>
+              <a:spcAft>
+                <a:spcPts val="0"/>
+              </a:spcAft>
+              <a:buNone/>
+            </a:pPr>
+            <a:r>
+              <a:rPr lang="en" sz="1700">
+                <a:solidFill>
+                  <a:schemeClr val="accent1"/>
+                </a:solidFill>
+                <a:latin typeface="Times New Roman"/>
+                <a:ea typeface="Times New Roman"/>
+                <a:cs typeface="Times New Roman"/>
+                <a:sym typeface="Times New Roman"/>
+              </a:rPr>
+              <a:t>Rule-set generation	</a:t>
+            </a:r>
+            <a:endParaRPr sz="1700">
+              <a:solidFill>
+                <a:schemeClr val="accent1"/>
+              </a:solidFill>
+              <a:latin typeface="Times New Roman"/>
+              <a:ea typeface="Times New Roman"/>
+              <a:cs typeface="Times New Roman"/>
+              <a:sym typeface="Times New Roman"/>
+            </a:endParaRPr>
+          </a:p>
+          <a:p>
+            <a:pPr indent="457200" lvl="0" marL="0" rtl="0" algn="l">
+              <a:spcBef>
+                <a:spcPts val="0"/>
+              </a:spcBef>
+              <a:spcAft>
+                <a:spcPts val="0"/>
+              </a:spcAft>
+              <a:buNone/>
+            </a:pPr>
+            <a:r>
+              <a:rPr lang="en" sz="1700">
+                <a:solidFill>
+                  <a:schemeClr val="accent1"/>
+                </a:solidFill>
+                <a:latin typeface="Times New Roman"/>
+                <a:ea typeface="Times New Roman"/>
+                <a:cs typeface="Times New Roman"/>
+                <a:sym typeface="Times New Roman"/>
+              </a:rPr>
+              <a:t>Rule-based parsing and machine learning-based parsing.</a:t>
+            </a:r>
+            <a:endParaRPr sz="1700">
+              <a:solidFill>
+                <a:schemeClr val="accent1"/>
+              </a:solidFill>
+              <a:latin typeface="Times New Roman"/>
+              <a:ea typeface="Times New Roman"/>
+              <a:cs typeface="Times New Roman"/>
+              <a:sym typeface="Times New Roman"/>
+            </a:endParaRPr>
+          </a:p>
+        </p:txBody>
+      </p:sp>
     </p:spTree>
   </p:cSld>
   <p:clrMapOvr>
@@ -10074,7 +11528,7 @@
                 <a:cs typeface="Times New Roman"/>
                 <a:sym typeface="Times New Roman"/>
               </a:rPr>
-              <a:t>Work Division</a:t>
+              <a:t>Algorithm</a:t>
             </a:r>
             <a:endParaRPr sz="2440">
               <a:latin typeface="Times New Roman"/>
@@ -10085,24 +11539,16 @@
           </a:p>
         </p:txBody>
       </p:sp>
-      <p:pic>
-        <p:nvPicPr>
+      <p:sp>
+        <p:nvSpPr>
           <p:cNvPr id="182" name="Google Shape;182;p28"/>
-          <p:cNvPicPr preferRelativeResize="0"/>
+          <p:cNvSpPr txBox="1"/>
           <p:nvPr/>
-        </p:nvPicPr>
-        <p:blipFill>
-          <a:blip r:embed="rId3">
-            <a:alphaModFix/>
-          </a:blip>
-          <a:stretch>
-            <a:fillRect/>
-          </a:stretch>
-        </p:blipFill>
+        </p:nvSpPr>
         <p:spPr>
           <a:xfrm>
-            <a:off x="1548438" y="1382525"/>
-            <a:ext cx="6047126" cy="3401500"/>
+            <a:off x="331050" y="1259650"/>
+            <a:ext cx="8481900" cy="3324600"/>
           </a:xfrm>
           <a:prstGeom prst="rect">
             <a:avLst/>
@@ -10112,7 +11558,379 @@
             <a:noFill/>
           </a:ln>
         </p:spPr>
-      </p:pic>
+        <p:txBody>
+          <a:bodyPr anchorCtr="0" anchor="t" bIns="91425" lIns="91425" spcFirstLastPara="1" rIns="91425" wrap="square" tIns="91425">
+            <a:spAutoFit/>
+          </a:bodyPr>
+          <a:lstStyle/>
+          <a:p>
+            <a:pPr indent="0" lvl="0" marL="0" rtl="0" algn="l">
+              <a:spcBef>
+                <a:spcPts val="0"/>
+              </a:spcBef>
+              <a:spcAft>
+                <a:spcPts val="0"/>
+              </a:spcAft>
+              <a:buNone/>
+            </a:pPr>
+            <a:r>
+              <a:rPr lang="en" sz="1700">
+                <a:solidFill>
+                  <a:schemeClr val="accent1"/>
+                </a:solidFill>
+                <a:latin typeface="Times New Roman"/>
+                <a:ea typeface="Times New Roman"/>
+                <a:cs typeface="Times New Roman"/>
+                <a:sym typeface="Times New Roman"/>
+              </a:rPr>
+              <a:t>7. Model Training:</a:t>
+            </a:r>
+            <a:endParaRPr sz="1700">
+              <a:solidFill>
+                <a:schemeClr val="accent1"/>
+              </a:solidFill>
+              <a:latin typeface="Times New Roman"/>
+              <a:ea typeface="Times New Roman"/>
+              <a:cs typeface="Times New Roman"/>
+              <a:sym typeface="Times New Roman"/>
+            </a:endParaRPr>
+          </a:p>
+          <a:p>
+            <a:pPr indent="0" lvl="0" marL="0" rtl="0" algn="l">
+              <a:spcBef>
+                <a:spcPts val="0"/>
+              </a:spcBef>
+              <a:spcAft>
+                <a:spcPts val="0"/>
+              </a:spcAft>
+              <a:buNone/>
+            </a:pPr>
+            <a:r>
+              <a:rPr lang="en" sz="1700">
+                <a:solidFill>
+                  <a:schemeClr val="accent1"/>
+                </a:solidFill>
+                <a:latin typeface="Times New Roman"/>
+                <a:ea typeface="Times New Roman"/>
+                <a:cs typeface="Times New Roman"/>
+                <a:sym typeface="Times New Roman"/>
+              </a:rPr>
+              <a:t>	Train the selected parsing model using the annotated data and extracted features.</a:t>
+            </a:r>
+            <a:endParaRPr sz="1700">
+              <a:solidFill>
+                <a:schemeClr val="accent1"/>
+              </a:solidFill>
+              <a:latin typeface="Times New Roman"/>
+              <a:ea typeface="Times New Roman"/>
+              <a:cs typeface="Times New Roman"/>
+              <a:sym typeface="Times New Roman"/>
+            </a:endParaRPr>
+          </a:p>
+          <a:p>
+            <a:pPr indent="0" lvl="0" marL="0" rtl="0" algn="l">
+              <a:spcBef>
+                <a:spcPts val="0"/>
+              </a:spcBef>
+              <a:spcAft>
+                <a:spcPts val="0"/>
+              </a:spcAft>
+              <a:buNone/>
+            </a:pPr>
+            <a:r>
+              <a:rPr lang="en" sz="1700">
+                <a:solidFill>
+                  <a:schemeClr val="accent1"/>
+                </a:solidFill>
+                <a:latin typeface="Times New Roman"/>
+                <a:ea typeface="Times New Roman"/>
+                <a:cs typeface="Times New Roman"/>
+                <a:sym typeface="Times New Roman"/>
+              </a:rPr>
+              <a:t>	Optimize model parameters and hyperparameters to improve performance.</a:t>
+            </a:r>
+            <a:endParaRPr sz="1700">
+              <a:solidFill>
+                <a:schemeClr val="accent1"/>
+              </a:solidFill>
+              <a:latin typeface="Times New Roman"/>
+              <a:ea typeface="Times New Roman"/>
+              <a:cs typeface="Times New Roman"/>
+              <a:sym typeface="Times New Roman"/>
+            </a:endParaRPr>
+          </a:p>
+          <a:p>
+            <a:pPr indent="0" lvl="0" marL="0" rtl="0" algn="l">
+              <a:spcBef>
+                <a:spcPts val="0"/>
+              </a:spcBef>
+              <a:spcAft>
+                <a:spcPts val="0"/>
+              </a:spcAft>
+              <a:buNone/>
+            </a:pPr>
+            <a:r>
+              <a:rPr lang="en" sz="1700">
+                <a:solidFill>
+                  <a:schemeClr val="accent1"/>
+                </a:solidFill>
+                <a:latin typeface="Times New Roman"/>
+                <a:ea typeface="Times New Roman"/>
+                <a:cs typeface="Times New Roman"/>
+                <a:sym typeface="Times New Roman"/>
+              </a:rPr>
+              <a:t>	Validate the model using cross-validation techniques to ensure generalization</a:t>
+            </a:r>
+            <a:endParaRPr sz="1700">
+              <a:solidFill>
+                <a:schemeClr val="accent1"/>
+              </a:solidFill>
+              <a:latin typeface="Times New Roman"/>
+              <a:ea typeface="Times New Roman"/>
+              <a:cs typeface="Times New Roman"/>
+              <a:sym typeface="Times New Roman"/>
+            </a:endParaRPr>
+          </a:p>
+          <a:p>
+            <a:pPr indent="0" lvl="0" marL="0" rtl="0" algn="l">
+              <a:spcBef>
+                <a:spcPts val="0"/>
+              </a:spcBef>
+              <a:spcAft>
+                <a:spcPts val="0"/>
+              </a:spcAft>
+              <a:buNone/>
+            </a:pPr>
+            <a:r>
+              <a:t/>
+            </a:r>
+            <a:endParaRPr sz="1700">
+              <a:solidFill>
+                <a:schemeClr val="accent1"/>
+              </a:solidFill>
+              <a:latin typeface="Times New Roman"/>
+              <a:ea typeface="Times New Roman"/>
+              <a:cs typeface="Times New Roman"/>
+              <a:sym typeface="Times New Roman"/>
+            </a:endParaRPr>
+          </a:p>
+          <a:p>
+            <a:pPr indent="0" lvl="0" marL="0" rtl="0" algn="l">
+              <a:spcBef>
+                <a:spcPts val="0"/>
+              </a:spcBef>
+              <a:spcAft>
+                <a:spcPts val="0"/>
+              </a:spcAft>
+              <a:buNone/>
+            </a:pPr>
+            <a:r>
+              <a:rPr lang="en" sz="1700">
+                <a:solidFill>
+                  <a:schemeClr val="accent1"/>
+                </a:solidFill>
+                <a:latin typeface="Times New Roman"/>
+                <a:ea typeface="Times New Roman"/>
+                <a:cs typeface="Times New Roman"/>
+                <a:sym typeface="Times New Roman"/>
+              </a:rPr>
+              <a:t>8. Evaluation:</a:t>
+            </a:r>
+            <a:endParaRPr sz="1700">
+              <a:solidFill>
+                <a:schemeClr val="accent1"/>
+              </a:solidFill>
+              <a:latin typeface="Times New Roman"/>
+              <a:ea typeface="Times New Roman"/>
+              <a:cs typeface="Times New Roman"/>
+              <a:sym typeface="Times New Roman"/>
+            </a:endParaRPr>
+          </a:p>
+          <a:p>
+            <a:pPr indent="0" lvl="0" marL="0" rtl="0" algn="l">
+              <a:spcBef>
+                <a:spcPts val="0"/>
+              </a:spcBef>
+              <a:spcAft>
+                <a:spcPts val="0"/>
+              </a:spcAft>
+              <a:buNone/>
+            </a:pPr>
+            <a:r>
+              <a:rPr lang="en" sz="1700">
+                <a:solidFill>
+                  <a:schemeClr val="accent1"/>
+                </a:solidFill>
+                <a:latin typeface="Times New Roman"/>
+                <a:ea typeface="Times New Roman"/>
+                <a:cs typeface="Times New Roman"/>
+                <a:sym typeface="Times New Roman"/>
+              </a:rPr>
+              <a:t>	Evaluate the trained model's performance on a separate test set</a:t>
+            </a:r>
+            <a:endParaRPr sz="1700">
+              <a:solidFill>
+                <a:schemeClr val="accent1"/>
+              </a:solidFill>
+              <a:latin typeface="Times New Roman"/>
+              <a:ea typeface="Times New Roman"/>
+              <a:cs typeface="Times New Roman"/>
+              <a:sym typeface="Times New Roman"/>
+            </a:endParaRPr>
+          </a:p>
+          <a:p>
+            <a:pPr indent="0" lvl="0" marL="0" rtl="0" algn="l">
+              <a:spcBef>
+                <a:spcPts val="0"/>
+              </a:spcBef>
+              <a:spcAft>
+                <a:spcPts val="0"/>
+              </a:spcAft>
+              <a:buNone/>
+            </a:pPr>
+            <a:r>
+              <a:rPr lang="en" sz="1700">
+                <a:solidFill>
+                  <a:schemeClr val="accent1"/>
+                </a:solidFill>
+                <a:latin typeface="Times New Roman"/>
+                <a:ea typeface="Times New Roman"/>
+                <a:cs typeface="Times New Roman"/>
+                <a:sym typeface="Times New Roman"/>
+              </a:rPr>
+              <a:t>	Analyze the model's strengths and weaknesses to identify areas for improvement.</a:t>
+            </a:r>
+            <a:endParaRPr sz="1700">
+              <a:solidFill>
+                <a:schemeClr val="accent1"/>
+              </a:solidFill>
+              <a:latin typeface="Times New Roman"/>
+              <a:ea typeface="Times New Roman"/>
+              <a:cs typeface="Times New Roman"/>
+              <a:sym typeface="Times New Roman"/>
+            </a:endParaRPr>
+          </a:p>
+          <a:p>
+            <a:pPr indent="0" lvl="0" marL="0" rtl="0" algn="l">
+              <a:spcBef>
+                <a:spcPts val="0"/>
+              </a:spcBef>
+              <a:spcAft>
+                <a:spcPts val="0"/>
+              </a:spcAft>
+              <a:buNone/>
+            </a:pPr>
+            <a:r>
+              <a:t/>
+            </a:r>
+            <a:endParaRPr sz="1700">
+              <a:solidFill>
+                <a:schemeClr val="accent1"/>
+              </a:solidFill>
+              <a:latin typeface="Times New Roman"/>
+              <a:ea typeface="Times New Roman"/>
+              <a:cs typeface="Times New Roman"/>
+              <a:sym typeface="Times New Roman"/>
+            </a:endParaRPr>
+          </a:p>
+          <a:p>
+            <a:pPr indent="0" lvl="0" marL="0" rtl="0" algn="l">
+              <a:spcBef>
+                <a:spcPts val="0"/>
+              </a:spcBef>
+              <a:spcAft>
+                <a:spcPts val="0"/>
+              </a:spcAft>
+              <a:buNone/>
+            </a:pPr>
+            <a:r>
+              <a:rPr lang="en" sz="1700">
+                <a:solidFill>
+                  <a:schemeClr val="accent1"/>
+                </a:solidFill>
+                <a:latin typeface="Times New Roman"/>
+                <a:ea typeface="Times New Roman"/>
+                <a:cs typeface="Times New Roman"/>
+                <a:sym typeface="Times New Roman"/>
+              </a:rPr>
+              <a:t>9. Refinement:</a:t>
+            </a:r>
+            <a:endParaRPr sz="1700">
+              <a:solidFill>
+                <a:schemeClr val="accent1"/>
+              </a:solidFill>
+              <a:latin typeface="Times New Roman"/>
+              <a:ea typeface="Times New Roman"/>
+              <a:cs typeface="Times New Roman"/>
+              <a:sym typeface="Times New Roman"/>
+            </a:endParaRPr>
+          </a:p>
+          <a:p>
+            <a:pPr indent="0" lvl="0" marL="0" rtl="0" algn="l">
+              <a:spcBef>
+                <a:spcPts val="0"/>
+              </a:spcBef>
+              <a:spcAft>
+                <a:spcPts val="0"/>
+              </a:spcAft>
+              <a:buNone/>
+            </a:pPr>
+            <a:r>
+              <a:rPr lang="en" sz="1700">
+                <a:solidFill>
+                  <a:schemeClr val="accent1"/>
+                </a:solidFill>
+                <a:latin typeface="Times New Roman"/>
+                <a:ea typeface="Times New Roman"/>
+                <a:cs typeface="Times New Roman"/>
+                <a:sym typeface="Times New Roman"/>
+              </a:rPr>
+              <a:t>	Refine the parsing model based on the evaluation results and feedback</a:t>
+            </a:r>
+            <a:endParaRPr sz="1700">
+              <a:solidFill>
+                <a:schemeClr val="accent1"/>
+              </a:solidFill>
+              <a:latin typeface="Times New Roman"/>
+              <a:ea typeface="Times New Roman"/>
+              <a:cs typeface="Times New Roman"/>
+              <a:sym typeface="Times New Roman"/>
+            </a:endParaRPr>
+          </a:p>
+          <a:p>
+            <a:pPr indent="0" lvl="0" marL="0" rtl="0" algn="l">
+              <a:spcBef>
+                <a:spcPts val="0"/>
+              </a:spcBef>
+              <a:spcAft>
+                <a:spcPts val="0"/>
+              </a:spcAft>
+              <a:buNone/>
+            </a:pPr>
+            <a:r>
+              <a:rPr lang="en" sz="1700">
+                <a:solidFill>
+                  <a:schemeClr val="accent1"/>
+                </a:solidFill>
+                <a:latin typeface="Times New Roman"/>
+                <a:ea typeface="Times New Roman"/>
+                <a:cs typeface="Times New Roman"/>
+                <a:sym typeface="Times New Roman"/>
+              </a:rPr>
+              <a:t>	Iteratively improve the model's accuracy and robustness</a:t>
+            </a:r>
+            <a:endParaRPr sz="1700">
+              <a:solidFill>
+                <a:schemeClr val="accent1"/>
+              </a:solidFill>
+              <a:latin typeface="Times New Roman"/>
+              <a:ea typeface="Times New Roman"/>
+              <a:cs typeface="Times New Roman"/>
+              <a:sym typeface="Times New Roman"/>
+            </a:endParaRPr>
+          </a:p>
+        </p:txBody>
+      </p:sp>
     </p:spTree>
   </p:cSld>
   <p:clrMapOvr>
@@ -10157,7 +11975,7 @@
         </p:spPr>
         <p:txBody>
           <a:bodyPr anchorCtr="0" anchor="t" bIns="91425" lIns="91425" spcFirstLastPara="1" rIns="91425" wrap="square" tIns="91425">
-            <a:normAutofit fontScale="90000"/>
+            <a:noAutofit/>
           </a:bodyPr>
           <a:lstStyle/>
           <a:p>
@@ -10168,18 +11986,19 @@
               <a:spcAft>
                 <a:spcPts val="0"/>
               </a:spcAft>
-              <a:buNone/>
-            </a:pPr>
-            <a:r>
-              <a:rPr lang="en">
+              <a:buSzPts val="990"/>
+              <a:buNone/>
+            </a:pPr>
+            <a:r>
+              <a:rPr lang="en" sz="2440">
                 <a:latin typeface="Times New Roman"/>
                 <a:ea typeface="Times New Roman"/>
                 <a:cs typeface="Times New Roman"/>
                 <a:sym typeface="Times New Roman"/>
               </a:rPr>
-              <a:t>Software / Hardware Requirements</a:t>
-            </a:r>
-            <a:endParaRPr>
+              <a:t>UI Design</a:t>
+            </a:r>
+            <a:endParaRPr sz="2440">
               <a:latin typeface="Times New Roman"/>
               <a:ea typeface="Times New Roman"/>
               <a:cs typeface="Times New Roman"/>
@@ -10188,378 +12007,40 @@
           </a:p>
         </p:txBody>
       </p:sp>
-      <p:sp>
-        <p:nvSpPr>
+      <p:pic>
+        <p:nvPicPr>
           <p:cNvPr id="188" name="Google Shape;188;p29"/>
-          <p:cNvSpPr txBox="1"/>
+          <p:cNvPicPr preferRelativeResize="0"/>
           <p:nvPr/>
-        </p:nvSpPr>
+        </p:nvPicPr>
+        <p:blipFill>
+          <a:blip r:embed="rId3">
+            <a:alphaModFix/>
+          </a:blip>
+          <a:stretch>
+            <a:fillRect/>
+          </a:stretch>
+        </p:blipFill>
         <p:spPr>
           <a:xfrm>
-            <a:off x="727650" y="1267175"/>
-            <a:ext cx="8123700" cy="4106700"/>
+            <a:off x="1826850" y="1325000"/>
+            <a:ext cx="5490276" cy="3565775"/>
           </a:xfrm>
           <a:prstGeom prst="rect">
             <a:avLst/>
           </a:prstGeom>
           <a:noFill/>
-          <a:ln>
-            <a:noFill/>
+          <a:ln cap="flat" cmpd="sng" w="9525">
+            <a:solidFill>
+              <a:schemeClr val="dk2"/>
+            </a:solidFill>
+            <a:prstDash val="solid"/>
+            <a:round/>
+            <a:headEnd len="sm" w="sm" type="none"/>
+            <a:tailEnd len="sm" w="sm" type="none"/>
           </a:ln>
         </p:spPr>
-        <p:txBody>
-          <a:bodyPr anchorCtr="0" anchor="t" bIns="91425" lIns="91425" spcFirstLastPara="1" rIns="91425" wrap="square" tIns="91425">
-            <a:spAutoFit/>
-          </a:bodyPr>
-          <a:lstStyle/>
-          <a:p>
-            <a:pPr indent="-342900" lvl="0" marL="457200" rtl="0" algn="l">
-              <a:lnSpc>
-                <a:spcPct val="140000"/>
-              </a:lnSpc>
-              <a:spcBef>
-                <a:spcPts val="0"/>
-              </a:spcBef>
-              <a:spcAft>
-                <a:spcPts val="0"/>
-              </a:spcAft>
-              <a:buClr>
-                <a:srgbClr val="134F5C"/>
-              </a:buClr>
-              <a:buSzPts val="1800"/>
-              <a:buFont typeface="Times New Roman"/>
-              <a:buChar char="●"/>
-            </a:pPr>
-            <a:r>
-              <a:rPr lang="en" sz="1800">
-                <a:solidFill>
-                  <a:srgbClr val="134F5C"/>
-                </a:solidFill>
-                <a:latin typeface="Times New Roman"/>
-                <a:ea typeface="Times New Roman"/>
-                <a:cs typeface="Times New Roman"/>
-                <a:sym typeface="Times New Roman"/>
-              </a:rPr>
-              <a:t>Windows 10 or later</a:t>
-            </a:r>
-            <a:endParaRPr sz="1800">
-              <a:solidFill>
-                <a:srgbClr val="134F5C"/>
-              </a:solidFill>
-              <a:latin typeface="Times New Roman"/>
-              <a:ea typeface="Times New Roman"/>
-              <a:cs typeface="Times New Roman"/>
-              <a:sym typeface="Times New Roman"/>
-            </a:endParaRPr>
-          </a:p>
-          <a:p>
-            <a:pPr indent="-342900" lvl="0" marL="457200" rtl="0" algn="l">
-              <a:lnSpc>
-                <a:spcPct val="140000"/>
-              </a:lnSpc>
-              <a:spcBef>
-                <a:spcPts val="0"/>
-              </a:spcBef>
-              <a:spcAft>
-                <a:spcPts val="0"/>
-              </a:spcAft>
-              <a:buClr>
-                <a:srgbClr val="134F5C"/>
-              </a:buClr>
-              <a:buSzPts val="1800"/>
-              <a:buFont typeface="Times New Roman"/>
-              <a:buChar char="●"/>
-            </a:pPr>
-            <a:r>
-              <a:rPr lang="en" sz="1800">
-                <a:solidFill>
-                  <a:srgbClr val="134F5C"/>
-                </a:solidFill>
-                <a:latin typeface="Times New Roman"/>
-                <a:ea typeface="Times New Roman"/>
-                <a:cs typeface="Times New Roman"/>
-                <a:sym typeface="Times New Roman"/>
-              </a:rPr>
-              <a:t>MacOS 10.13 High Sierra or later</a:t>
-            </a:r>
-            <a:endParaRPr sz="1800">
-              <a:solidFill>
-                <a:srgbClr val="134F5C"/>
-              </a:solidFill>
-              <a:latin typeface="Times New Roman"/>
-              <a:ea typeface="Times New Roman"/>
-              <a:cs typeface="Times New Roman"/>
-              <a:sym typeface="Times New Roman"/>
-            </a:endParaRPr>
-          </a:p>
-          <a:p>
-            <a:pPr indent="-342900" lvl="0" marL="457200" rtl="0" algn="l">
-              <a:lnSpc>
-                <a:spcPct val="140000"/>
-              </a:lnSpc>
-              <a:spcBef>
-                <a:spcPts val="0"/>
-              </a:spcBef>
-              <a:spcAft>
-                <a:spcPts val="0"/>
-              </a:spcAft>
-              <a:buClr>
-                <a:srgbClr val="134F5C"/>
-              </a:buClr>
-              <a:buSzPts val="1800"/>
-              <a:buFont typeface="Times New Roman"/>
-              <a:buChar char="●"/>
-            </a:pPr>
-            <a:r>
-              <a:rPr lang="en" sz="1800">
-                <a:solidFill>
-                  <a:srgbClr val="134F5C"/>
-                </a:solidFill>
-                <a:latin typeface="Times New Roman"/>
-                <a:ea typeface="Times New Roman"/>
-                <a:cs typeface="Times New Roman"/>
-                <a:sym typeface="Times New Roman"/>
-              </a:rPr>
-              <a:t>Ubuntu 18.04 LTS or later</a:t>
-            </a:r>
-            <a:endParaRPr sz="1800">
-              <a:solidFill>
-                <a:srgbClr val="134F5C"/>
-              </a:solidFill>
-              <a:latin typeface="Times New Roman"/>
-              <a:ea typeface="Times New Roman"/>
-              <a:cs typeface="Times New Roman"/>
-              <a:sym typeface="Times New Roman"/>
-            </a:endParaRPr>
-          </a:p>
-          <a:p>
-            <a:pPr indent="-342900" lvl="0" marL="457200" rtl="0" algn="l">
-              <a:lnSpc>
-                <a:spcPct val="140000"/>
-              </a:lnSpc>
-              <a:spcBef>
-                <a:spcPts val="0"/>
-              </a:spcBef>
-              <a:spcAft>
-                <a:spcPts val="0"/>
-              </a:spcAft>
-              <a:buClr>
-                <a:srgbClr val="134F5C"/>
-              </a:buClr>
-              <a:buSzPts val="1800"/>
-              <a:buFont typeface="Times New Roman"/>
-              <a:buChar char="●"/>
-            </a:pPr>
-            <a:r>
-              <a:rPr lang="en" sz="1800">
-                <a:solidFill>
-                  <a:srgbClr val="134F5C"/>
-                </a:solidFill>
-                <a:latin typeface="Times New Roman"/>
-                <a:ea typeface="Times New Roman"/>
-                <a:cs typeface="Times New Roman"/>
-                <a:sym typeface="Times New Roman"/>
-              </a:rPr>
-              <a:t>A modern processor (e.g., Intel Core i5 or equivalent)</a:t>
-            </a:r>
-            <a:endParaRPr sz="1800">
-              <a:solidFill>
-                <a:srgbClr val="134F5C"/>
-              </a:solidFill>
-              <a:latin typeface="Times New Roman"/>
-              <a:ea typeface="Times New Roman"/>
-              <a:cs typeface="Times New Roman"/>
-              <a:sym typeface="Times New Roman"/>
-            </a:endParaRPr>
-          </a:p>
-          <a:p>
-            <a:pPr indent="-342900" lvl="0" marL="457200" rtl="0" algn="l">
-              <a:lnSpc>
-                <a:spcPct val="140000"/>
-              </a:lnSpc>
-              <a:spcBef>
-                <a:spcPts val="0"/>
-              </a:spcBef>
-              <a:spcAft>
-                <a:spcPts val="0"/>
-              </a:spcAft>
-              <a:buClr>
-                <a:srgbClr val="134F5C"/>
-              </a:buClr>
-              <a:buSzPts val="1800"/>
-              <a:buFont typeface="Times New Roman"/>
-              <a:buChar char="●"/>
-            </a:pPr>
-            <a:r>
-              <a:rPr lang="en" sz="1800">
-                <a:solidFill>
-                  <a:srgbClr val="134F5C"/>
-                </a:solidFill>
-                <a:latin typeface="Times New Roman"/>
-                <a:ea typeface="Times New Roman"/>
-                <a:cs typeface="Times New Roman"/>
-                <a:sym typeface="Times New Roman"/>
-              </a:rPr>
-              <a:t>Sufficient RAM (at least 4GB)</a:t>
-            </a:r>
-            <a:endParaRPr sz="1800">
-              <a:solidFill>
-                <a:srgbClr val="134F5C"/>
-              </a:solidFill>
-              <a:latin typeface="Times New Roman"/>
-              <a:ea typeface="Times New Roman"/>
-              <a:cs typeface="Times New Roman"/>
-              <a:sym typeface="Times New Roman"/>
-            </a:endParaRPr>
-          </a:p>
-          <a:p>
-            <a:pPr indent="-342900" lvl="0" marL="457200" rtl="0" algn="l">
-              <a:lnSpc>
-                <a:spcPct val="140000"/>
-              </a:lnSpc>
-              <a:spcBef>
-                <a:spcPts val="0"/>
-              </a:spcBef>
-              <a:spcAft>
-                <a:spcPts val="0"/>
-              </a:spcAft>
-              <a:buClr>
-                <a:srgbClr val="134F5C"/>
-              </a:buClr>
-              <a:buSzPts val="1800"/>
-              <a:buFont typeface="Times New Roman"/>
-              <a:buChar char="●"/>
-            </a:pPr>
-            <a:r>
-              <a:rPr lang="en" sz="1800">
-                <a:solidFill>
-                  <a:srgbClr val="134F5C"/>
-                </a:solidFill>
-                <a:latin typeface="Times New Roman"/>
-                <a:ea typeface="Times New Roman"/>
-                <a:cs typeface="Times New Roman"/>
-                <a:sym typeface="Times New Roman"/>
-              </a:rPr>
-              <a:t>Available storage space for software installation</a:t>
-            </a:r>
-            <a:endParaRPr sz="1800">
-              <a:solidFill>
-                <a:srgbClr val="134F5C"/>
-              </a:solidFill>
-              <a:latin typeface="Times New Roman"/>
-              <a:ea typeface="Times New Roman"/>
-              <a:cs typeface="Times New Roman"/>
-              <a:sym typeface="Times New Roman"/>
-            </a:endParaRPr>
-          </a:p>
-          <a:p>
-            <a:pPr indent="-342900" lvl="0" marL="457200" rtl="0" algn="l">
-              <a:lnSpc>
-                <a:spcPct val="140000"/>
-              </a:lnSpc>
-              <a:spcBef>
-                <a:spcPts val="0"/>
-              </a:spcBef>
-              <a:spcAft>
-                <a:spcPts val="0"/>
-              </a:spcAft>
-              <a:buClr>
-                <a:srgbClr val="134F5C"/>
-              </a:buClr>
-              <a:buSzPts val="1800"/>
-              <a:buFont typeface="Times New Roman"/>
-              <a:buChar char="●"/>
-            </a:pPr>
-            <a:r>
-              <a:rPr lang="en" sz="1800">
-                <a:solidFill>
-                  <a:srgbClr val="134F5C"/>
-                </a:solidFill>
-                <a:latin typeface="Times New Roman"/>
-                <a:ea typeface="Times New Roman"/>
-                <a:cs typeface="Times New Roman"/>
-                <a:sym typeface="Times New Roman"/>
-              </a:rPr>
-              <a:t>Python (version 3.6 or later)</a:t>
-            </a:r>
-            <a:endParaRPr sz="1800">
-              <a:solidFill>
-                <a:srgbClr val="134F5C"/>
-              </a:solidFill>
-              <a:latin typeface="Times New Roman"/>
-              <a:ea typeface="Times New Roman"/>
-              <a:cs typeface="Times New Roman"/>
-              <a:sym typeface="Times New Roman"/>
-            </a:endParaRPr>
-          </a:p>
-          <a:p>
-            <a:pPr indent="-342900" lvl="0" marL="457200" rtl="0" algn="l">
-              <a:lnSpc>
-                <a:spcPct val="140000"/>
-              </a:lnSpc>
-              <a:spcBef>
-                <a:spcPts val="0"/>
-              </a:spcBef>
-              <a:spcAft>
-                <a:spcPts val="0"/>
-              </a:spcAft>
-              <a:buClr>
-                <a:srgbClr val="134F5C"/>
-              </a:buClr>
-              <a:buSzPts val="1800"/>
-              <a:buFont typeface="Times New Roman"/>
-              <a:buChar char="●"/>
-            </a:pPr>
-            <a:r>
-              <a:rPr lang="en" sz="1800">
-                <a:solidFill>
-                  <a:srgbClr val="134F5C"/>
-                </a:solidFill>
-                <a:latin typeface="Times New Roman"/>
-                <a:ea typeface="Times New Roman"/>
-                <a:cs typeface="Times New Roman"/>
-                <a:sym typeface="Times New Roman"/>
-              </a:rPr>
-              <a:t>Other programming languages and frameworks suitable for NLP development like NLTK, spaCy, scikit-learn, TensorFlow, etc. may be necessary</a:t>
-            </a:r>
-            <a:endParaRPr sz="1800">
-              <a:solidFill>
-                <a:srgbClr val="134F5C"/>
-              </a:solidFill>
-              <a:latin typeface="Times New Roman"/>
-              <a:ea typeface="Times New Roman"/>
-              <a:cs typeface="Times New Roman"/>
-              <a:sym typeface="Times New Roman"/>
-            </a:endParaRPr>
-          </a:p>
-          <a:p>
-            <a:pPr indent="0" lvl="0" marL="0" rtl="0" algn="just">
-              <a:lnSpc>
-                <a:spcPct val="200000"/>
-              </a:lnSpc>
-              <a:spcBef>
-                <a:spcPts val="1200"/>
-              </a:spcBef>
-              <a:spcAft>
-                <a:spcPts val="1200"/>
-              </a:spcAft>
-              <a:buNone/>
-            </a:pPr>
-            <a:r>
-              <a:t/>
-            </a:r>
-            <a:endParaRPr sz="1800">
-              <a:solidFill>
-                <a:srgbClr val="134F5C"/>
-              </a:solidFill>
-              <a:latin typeface="Times New Roman"/>
-              <a:ea typeface="Times New Roman"/>
-              <a:cs typeface="Times New Roman"/>
-              <a:sym typeface="Times New Roman"/>
-            </a:endParaRPr>
-          </a:p>
-        </p:txBody>
-      </p:sp>
+      </p:pic>
     </p:spTree>
   </p:cSld>
   <p:clrMapOvr>
@@ -10625,7 +12106,7 @@
                 <a:cs typeface="Times New Roman"/>
                 <a:sym typeface="Times New Roman"/>
               </a:rPr>
-              <a:t>Conclusion</a:t>
+              <a:t>UI Design</a:t>
             </a:r>
             <a:endParaRPr sz="2440">
               <a:latin typeface="Times New Roman"/>
@@ -10636,211 +12117,34 @@
           </a:p>
         </p:txBody>
       </p:sp>
-      <p:sp>
-        <p:nvSpPr>
+      <p:pic>
+        <p:nvPicPr>
           <p:cNvPr id="194" name="Google Shape;194;p30"/>
-          <p:cNvSpPr txBox="1"/>
-          <p:nvPr>
-            <p:ph idx="1" type="body"/>
-          </p:nvPr>
-        </p:nvSpPr>
+          <p:cNvPicPr preferRelativeResize="0"/>
+          <p:nvPr/>
+        </p:nvPicPr>
+        <p:blipFill>
+          <a:blip r:embed="rId3">
+            <a:alphaModFix/>
+          </a:blip>
+          <a:stretch>
+            <a:fillRect/>
+          </a:stretch>
+        </p:blipFill>
         <p:spPr>
           <a:xfrm>
-            <a:off x="797200" y="1441200"/>
-            <a:ext cx="7495800" cy="3056100"/>
+            <a:off x="3042775" y="1279600"/>
+            <a:ext cx="3058458" cy="3663273"/>
           </a:xfrm>
           <a:prstGeom prst="rect">
             <a:avLst/>
           </a:prstGeom>
+          <a:noFill/>
+          <a:ln>
+            <a:noFill/>
+          </a:ln>
         </p:spPr>
-        <p:txBody>
-          <a:bodyPr anchorCtr="0" anchor="t" bIns="91425" lIns="91425" spcFirstLastPara="1" rIns="91425" wrap="square" tIns="91425">
-            <a:noAutofit/>
-          </a:bodyPr>
-          <a:lstStyle/>
-          <a:p>
-            <a:pPr indent="0" lvl="0" marL="0" rtl="0" algn="l">
-              <a:lnSpc>
-                <a:spcPct val="150000"/>
-              </a:lnSpc>
-              <a:spcBef>
-                <a:spcPts val="0"/>
-              </a:spcBef>
-              <a:spcAft>
-                <a:spcPts val="0"/>
-              </a:spcAft>
-              <a:buNone/>
-            </a:pPr>
-            <a:r>
-              <a:rPr lang="en" sz="1700">
-                <a:solidFill>
-                  <a:srgbClr val="134F5C"/>
-                </a:solidFill>
-                <a:latin typeface="Times New Roman"/>
-                <a:ea typeface="Times New Roman"/>
-                <a:cs typeface="Times New Roman"/>
-                <a:sym typeface="Times New Roman"/>
-              </a:rPr>
-              <a:t>A comprehensive Malayalam language processing tool facilitating accurate linguistic analysis and dataset generation for NLP applications.</a:t>
-            </a:r>
-            <a:endParaRPr sz="1700">
-              <a:solidFill>
-                <a:srgbClr val="134F5C"/>
-              </a:solidFill>
-              <a:latin typeface="Times New Roman"/>
-              <a:ea typeface="Times New Roman"/>
-              <a:cs typeface="Times New Roman"/>
-              <a:sym typeface="Times New Roman"/>
-            </a:endParaRPr>
-          </a:p>
-          <a:p>
-            <a:pPr indent="-336550" lvl="0" marL="457200" rtl="0" algn="l">
-              <a:lnSpc>
-                <a:spcPct val="150000"/>
-              </a:lnSpc>
-              <a:spcBef>
-                <a:spcPts val="1200"/>
-              </a:spcBef>
-              <a:spcAft>
-                <a:spcPts val="0"/>
-              </a:spcAft>
-              <a:buClr>
-                <a:srgbClr val="134F5C"/>
-              </a:buClr>
-              <a:buSzPts val="1700"/>
-              <a:buFont typeface="Times New Roman"/>
-              <a:buChar char="●"/>
-            </a:pPr>
-            <a:r>
-              <a:rPr lang="en" sz="1700">
-                <a:solidFill>
-                  <a:srgbClr val="134F5C"/>
-                </a:solidFill>
-                <a:latin typeface="Times New Roman"/>
-                <a:ea typeface="Times New Roman"/>
-                <a:cs typeface="Times New Roman"/>
-                <a:sym typeface="Times New Roman"/>
-              </a:rPr>
-              <a:t>Parsing and analysis of Malayalam text, enabling identification of linguistic components and determination of grammatical structure, syntax, and semantics</a:t>
-            </a:r>
-            <a:endParaRPr sz="1700">
-              <a:solidFill>
-                <a:srgbClr val="134F5C"/>
-              </a:solidFill>
-              <a:latin typeface="Times New Roman"/>
-              <a:ea typeface="Times New Roman"/>
-              <a:cs typeface="Times New Roman"/>
-              <a:sym typeface="Times New Roman"/>
-            </a:endParaRPr>
-          </a:p>
-          <a:p>
-            <a:pPr indent="-336550" lvl="0" marL="457200" rtl="0" algn="l">
-              <a:lnSpc>
-                <a:spcPct val="150000"/>
-              </a:lnSpc>
-              <a:spcBef>
-                <a:spcPts val="0"/>
-              </a:spcBef>
-              <a:spcAft>
-                <a:spcPts val="0"/>
-              </a:spcAft>
-              <a:buClr>
-                <a:srgbClr val="134F5C"/>
-              </a:buClr>
-              <a:buSzPts val="1700"/>
-              <a:buFont typeface="Times New Roman"/>
-              <a:buChar char="●"/>
-            </a:pPr>
-            <a:r>
-              <a:rPr lang="en" sz="1700">
-                <a:solidFill>
-                  <a:srgbClr val="134F5C"/>
-                </a:solidFill>
-                <a:latin typeface="Times New Roman"/>
-                <a:ea typeface="Times New Roman"/>
-                <a:cs typeface="Times New Roman"/>
-                <a:sym typeface="Times New Roman"/>
-              </a:rPr>
-              <a:t>Generates part-of-speech tagged, named entity, and sentiment-tagged datasets</a:t>
-            </a:r>
-            <a:endParaRPr sz="1700">
-              <a:solidFill>
-                <a:srgbClr val="134F5C"/>
-              </a:solidFill>
-              <a:latin typeface="Times New Roman"/>
-              <a:ea typeface="Times New Roman"/>
-              <a:cs typeface="Times New Roman"/>
-              <a:sym typeface="Times New Roman"/>
-            </a:endParaRPr>
-          </a:p>
-          <a:p>
-            <a:pPr indent="-336550" lvl="0" marL="457200" rtl="0" algn="l">
-              <a:lnSpc>
-                <a:spcPct val="150000"/>
-              </a:lnSpc>
-              <a:spcBef>
-                <a:spcPts val="0"/>
-              </a:spcBef>
-              <a:spcAft>
-                <a:spcPts val="0"/>
-              </a:spcAft>
-              <a:buClr>
-                <a:srgbClr val="134F5C"/>
-              </a:buClr>
-              <a:buSzPts val="1700"/>
-              <a:buFont typeface="Times New Roman"/>
-              <a:buChar char="●"/>
-            </a:pPr>
-            <a:r>
-              <a:rPr lang="en" sz="1700">
-                <a:solidFill>
-                  <a:srgbClr val="134F5C"/>
-                </a:solidFill>
-                <a:latin typeface="Times New Roman"/>
-                <a:ea typeface="Times New Roman"/>
-                <a:cs typeface="Times New Roman"/>
-                <a:sym typeface="Times New Roman"/>
-              </a:rPr>
-              <a:t>Contribute significantly to the advancement of language processing technologies in Malayalam.</a:t>
-            </a:r>
-            <a:endParaRPr sz="1700">
-              <a:solidFill>
-                <a:srgbClr val="134F5C"/>
-              </a:solidFill>
-              <a:latin typeface="Times New Roman"/>
-              <a:ea typeface="Times New Roman"/>
-              <a:cs typeface="Times New Roman"/>
-              <a:sym typeface="Times New Roman"/>
-            </a:endParaRPr>
-          </a:p>
-          <a:p>
-            <a:pPr indent="0" lvl="0" marL="0" rtl="0" algn="just">
-              <a:lnSpc>
-                <a:spcPct val="200000"/>
-              </a:lnSpc>
-              <a:spcBef>
-                <a:spcPts val="1200"/>
-              </a:spcBef>
-              <a:spcAft>
-                <a:spcPts val="1200"/>
-              </a:spcAft>
-              <a:buNone/>
-            </a:pPr>
-            <a:r>
-              <a:t/>
-            </a:r>
-            <a:endParaRPr sz="1800">
-              <a:solidFill>
-                <a:srgbClr val="134F5C"/>
-              </a:solidFill>
-              <a:latin typeface="Times New Roman"/>
-              <a:ea typeface="Times New Roman"/>
-              <a:cs typeface="Times New Roman"/>
-              <a:sym typeface="Times New Roman"/>
-            </a:endParaRPr>
-          </a:p>
-        </p:txBody>
-      </p:sp>
+      </p:pic>
     </p:spTree>
   </p:cSld>
   <p:clrMapOvr>
@@ -10871,80 +12175,80 @@
           <p:cNvPr id="199" name="Google Shape;199;p31"/>
           <p:cNvSpPr txBox="1"/>
           <p:nvPr>
-            <p:ph idx="1" type="body"/>
+            <p:ph type="title"/>
           </p:nvPr>
         </p:nvSpPr>
         <p:spPr>
           <a:xfrm>
-            <a:off x="797200" y="1441200"/>
-            <a:ext cx="7495800" cy="3056100"/>
+            <a:off x="727650" y="640225"/>
+            <a:ext cx="7688700" cy="535200"/>
           </a:xfrm>
           <a:prstGeom prst="rect">
             <a:avLst/>
           </a:prstGeom>
         </p:spPr>
         <p:txBody>
-          <a:bodyPr anchorCtr="0" anchor="ctr" bIns="91425" lIns="91425" spcFirstLastPara="1" rIns="91425" wrap="square" tIns="91425">
+          <a:bodyPr anchorCtr="0" anchor="t" bIns="91425" lIns="91425" spcFirstLastPara="1" rIns="91425" wrap="square" tIns="91425">
             <a:noAutofit/>
           </a:bodyPr>
           <a:lstStyle/>
           <a:p>
             <a:pPr indent="0" lvl="0" marL="0" rtl="0" algn="ctr">
-              <a:lnSpc>
-                <a:spcPct val="100000"/>
-              </a:lnSpc>
-              <a:spcBef>
-                <a:spcPts val="0"/>
-              </a:spcBef>
-              <a:spcAft>
-                <a:spcPts val="0"/>
-              </a:spcAft>
-              <a:buNone/>
-            </a:pPr>
-            <a:r>
-              <a:rPr lang="en" sz="7000">
+              <a:spcBef>
+                <a:spcPts val="0"/>
+              </a:spcBef>
+              <a:spcAft>
+                <a:spcPts val="0"/>
+              </a:spcAft>
+              <a:buSzPts val="990"/>
+              <a:buNone/>
+            </a:pPr>
+            <a:r>
+              <a:rPr lang="en" sz="2440">
                 <a:latin typeface="Times New Roman"/>
                 <a:ea typeface="Times New Roman"/>
                 <a:cs typeface="Times New Roman"/>
                 <a:sym typeface="Times New Roman"/>
               </a:rPr>
-              <a:t>Thank you</a:t>
-            </a:r>
-            <a:endParaRPr sz="7000">
+              <a:t>Work Division</a:t>
+            </a:r>
+            <a:endParaRPr sz="2440">
               <a:latin typeface="Times New Roman"/>
               <a:ea typeface="Times New Roman"/>
               <a:cs typeface="Times New Roman"/>
               <a:sym typeface="Times New Roman"/>
             </a:endParaRPr>
           </a:p>
-          <a:p>
-            <a:pPr indent="0" lvl="0" marL="0" rtl="0" algn="just">
-              <a:lnSpc>
-                <a:spcPct val="200000"/>
-              </a:lnSpc>
-              <a:spcBef>
-                <a:spcPts val="1200"/>
-              </a:spcBef>
-              <a:spcAft>
-                <a:spcPts val="1200"/>
-              </a:spcAft>
-              <a:buNone/>
-            </a:pPr>
-            <a:r>
-              <a:t/>
-            </a:r>
-            <a:endParaRPr sz="1700">
-              <a:solidFill>
-                <a:srgbClr val="134F5C"/>
-              </a:solidFill>
-              <a:latin typeface="Times New Roman"/>
-              <a:ea typeface="Times New Roman"/>
-              <a:cs typeface="Times New Roman"/>
-              <a:sym typeface="Times New Roman"/>
-            </a:endParaRPr>
-          </a:p>
         </p:txBody>
       </p:sp>
+      <p:pic>
+        <p:nvPicPr>
+          <p:cNvPr id="200" name="Google Shape;200;p31"/>
+          <p:cNvPicPr preferRelativeResize="0"/>
+          <p:nvPr/>
+        </p:nvPicPr>
+        <p:blipFill>
+          <a:blip r:embed="rId3">
+            <a:alphaModFix/>
+          </a:blip>
+          <a:stretch>
+            <a:fillRect/>
+          </a:stretch>
+        </p:blipFill>
+        <p:spPr>
+          <a:xfrm>
+            <a:off x="1548438" y="1382525"/>
+            <a:ext cx="6047126" cy="3401500"/>
+          </a:xfrm>
+          <a:prstGeom prst="rect">
+            <a:avLst/>
+          </a:prstGeom>
+          <a:noFill/>
+          <a:ln>
+            <a:noFill/>
+          </a:ln>
+        </p:spPr>
+      </p:pic>
     </p:spTree>
   </p:cSld>
   <p:clrMapOvr>
@@ -11396,6 +12700,1873 @@
               <a:t>References</a:t>
             </a:r>
             <a:endParaRPr sz="1800">
+              <a:latin typeface="Times New Roman"/>
+              <a:ea typeface="Times New Roman"/>
+              <a:cs typeface="Times New Roman"/>
+              <a:sym typeface="Times New Roman"/>
+            </a:endParaRPr>
+          </a:p>
+        </p:txBody>
+      </p:sp>
+    </p:spTree>
+  </p:cSld>
+  <p:clrMapOvr>
+    <a:masterClrMapping/>
+  </p:clrMapOvr>
+</p:sld>
+</file>
+
+<file path=ppt/slides/slide20.xml><?xml version="1.0" encoding="utf-8"?>
+<p:sld xmlns:a="http://schemas.openxmlformats.org/drawingml/2006/main" xmlns:r="http://schemas.openxmlformats.org/officeDocument/2006/relationships" xmlns:mc="http://schemas.openxmlformats.org/markup-compatibility/2006" xmlns:mv="urn:schemas-microsoft-com:mac:vml" xmlns:p="http://schemas.openxmlformats.org/presentationml/2006/main" xmlns:c="http://schemas.openxmlformats.org/drawingml/2006/chart" xmlns:dgm="http://schemas.openxmlformats.org/drawingml/2006/diagram" xmlns:o="urn:schemas-microsoft-com:office:office" xmlns:v="urn:schemas-microsoft-com:vml" xmlns:pvml="urn:schemas-microsoft-com:office:powerpoint" xmlns:com="http://schemas.openxmlformats.org/drawingml/2006/compatibility" xmlns:p14="http://schemas.microsoft.com/office/powerpoint/2010/main" xmlns:p15="http://schemas.microsoft.com/office/powerpoint/2012/main" xmlns:ahyp="http://schemas.microsoft.com/office/drawing/2018/hyperlinkcolor">
+  <p:cSld>
+    <p:spTree>
+      <p:nvGrpSpPr>
+        <p:cNvPr id="204" name="Shape 204"/>
+        <p:cNvGrpSpPr/>
+        <p:nvPr/>
+      </p:nvGrpSpPr>
+      <p:grpSpPr>
+        <a:xfrm>
+          <a:off x="0" y="0"/>
+          <a:ext cx="0" cy="0"/>
+          <a:chOff x="0" y="0"/>
+          <a:chExt cx="0" cy="0"/>
+        </a:xfrm>
+      </p:grpSpPr>
+      <p:sp>
+        <p:nvSpPr>
+          <p:cNvPr id="205" name="Google Shape;205;p32"/>
+          <p:cNvSpPr txBox="1"/>
+          <p:nvPr>
+            <p:ph type="title"/>
+          </p:nvPr>
+        </p:nvSpPr>
+        <p:spPr>
+          <a:xfrm>
+            <a:off x="727650" y="640225"/>
+            <a:ext cx="7688700" cy="535200"/>
+          </a:xfrm>
+          <a:prstGeom prst="rect">
+            <a:avLst/>
+          </a:prstGeom>
+        </p:spPr>
+        <p:txBody>
+          <a:bodyPr anchorCtr="0" anchor="t" bIns="91425" lIns="91425" spcFirstLastPara="1" rIns="91425" wrap="square" tIns="91425">
+            <a:normAutofit fontScale="90000"/>
+          </a:bodyPr>
+          <a:lstStyle/>
+          <a:p>
+            <a:pPr indent="0" lvl="0" marL="0" rtl="0" algn="ctr">
+              <a:spcBef>
+                <a:spcPts val="0"/>
+              </a:spcBef>
+              <a:spcAft>
+                <a:spcPts val="0"/>
+              </a:spcAft>
+              <a:buNone/>
+            </a:pPr>
+            <a:r>
+              <a:rPr lang="en">
+                <a:latin typeface="Times New Roman"/>
+                <a:ea typeface="Times New Roman"/>
+                <a:cs typeface="Times New Roman"/>
+                <a:sym typeface="Times New Roman"/>
+              </a:rPr>
+              <a:t>Software / Hardware Requirements</a:t>
+            </a:r>
+            <a:endParaRPr>
+              <a:latin typeface="Times New Roman"/>
+              <a:ea typeface="Times New Roman"/>
+              <a:cs typeface="Times New Roman"/>
+              <a:sym typeface="Times New Roman"/>
+            </a:endParaRPr>
+          </a:p>
+        </p:txBody>
+      </p:sp>
+      <p:sp>
+        <p:nvSpPr>
+          <p:cNvPr id="206" name="Google Shape;206;p32"/>
+          <p:cNvSpPr txBox="1"/>
+          <p:nvPr/>
+        </p:nvSpPr>
+        <p:spPr>
+          <a:xfrm>
+            <a:off x="727650" y="1267175"/>
+            <a:ext cx="8123700" cy="4106700"/>
+          </a:xfrm>
+          <a:prstGeom prst="rect">
+            <a:avLst/>
+          </a:prstGeom>
+          <a:noFill/>
+          <a:ln>
+            <a:noFill/>
+          </a:ln>
+        </p:spPr>
+        <p:txBody>
+          <a:bodyPr anchorCtr="0" anchor="t" bIns="91425" lIns="91425" spcFirstLastPara="1" rIns="91425" wrap="square" tIns="91425">
+            <a:spAutoFit/>
+          </a:bodyPr>
+          <a:lstStyle/>
+          <a:p>
+            <a:pPr indent="-342900" lvl="0" marL="457200" rtl="0" algn="l">
+              <a:lnSpc>
+                <a:spcPct val="140000"/>
+              </a:lnSpc>
+              <a:spcBef>
+                <a:spcPts val="0"/>
+              </a:spcBef>
+              <a:spcAft>
+                <a:spcPts val="0"/>
+              </a:spcAft>
+              <a:buClr>
+                <a:srgbClr val="134F5C"/>
+              </a:buClr>
+              <a:buSzPts val="1800"/>
+              <a:buFont typeface="Times New Roman"/>
+              <a:buChar char="●"/>
+            </a:pPr>
+            <a:r>
+              <a:rPr lang="en" sz="1800">
+                <a:solidFill>
+                  <a:srgbClr val="134F5C"/>
+                </a:solidFill>
+                <a:latin typeface="Times New Roman"/>
+                <a:ea typeface="Times New Roman"/>
+                <a:cs typeface="Times New Roman"/>
+                <a:sym typeface="Times New Roman"/>
+              </a:rPr>
+              <a:t>Windows 10 or later</a:t>
+            </a:r>
+            <a:endParaRPr sz="1800">
+              <a:solidFill>
+                <a:srgbClr val="134F5C"/>
+              </a:solidFill>
+              <a:latin typeface="Times New Roman"/>
+              <a:ea typeface="Times New Roman"/>
+              <a:cs typeface="Times New Roman"/>
+              <a:sym typeface="Times New Roman"/>
+            </a:endParaRPr>
+          </a:p>
+          <a:p>
+            <a:pPr indent="-342900" lvl="0" marL="457200" rtl="0" algn="l">
+              <a:lnSpc>
+                <a:spcPct val="140000"/>
+              </a:lnSpc>
+              <a:spcBef>
+                <a:spcPts val="0"/>
+              </a:spcBef>
+              <a:spcAft>
+                <a:spcPts val="0"/>
+              </a:spcAft>
+              <a:buClr>
+                <a:srgbClr val="134F5C"/>
+              </a:buClr>
+              <a:buSzPts val="1800"/>
+              <a:buFont typeface="Times New Roman"/>
+              <a:buChar char="●"/>
+            </a:pPr>
+            <a:r>
+              <a:rPr lang="en" sz="1800">
+                <a:solidFill>
+                  <a:srgbClr val="134F5C"/>
+                </a:solidFill>
+                <a:latin typeface="Times New Roman"/>
+                <a:ea typeface="Times New Roman"/>
+                <a:cs typeface="Times New Roman"/>
+                <a:sym typeface="Times New Roman"/>
+              </a:rPr>
+              <a:t>MacOS 10.13 High Sierra or later</a:t>
+            </a:r>
+            <a:endParaRPr sz="1800">
+              <a:solidFill>
+                <a:srgbClr val="134F5C"/>
+              </a:solidFill>
+              <a:latin typeface="Times New Roman"/>
+              <a:ea typeface="Times New Roman"/>
+              <a:cs typeface="Times New Roman"/>
+              <a:sym typeface="Times New Roman"/>
+            </a:endParaRPr>
+          </a:p>
+          <a:p>
+            <a:pPr indent="-342900" lvl="0" marL="457200" rtl="0" algn="l">
+              <a:lnSpc>
+                <a:spcPct val="140000"/>
+              </a:lnSpc>
+              <a:spcBef>
+                <a:spcPts val="0"/>
+              </a:spcBef>
+              <a:spcAft>
+                <a:spcPts val="0"/>
+              </a:spcAft>
+              <a:buClr>
+                <a:srgbClr val="134F5C"/>
+              </a:buClr>
+              <a:buSzPts val="1800"/>
+              <a:buFont typeface="Times New Roman"/>
+              <a:buChar char="●"/>
+            </a:pPr>
+            <a:r>
+              <a:rPr lang="en" sz="1800">
+                <a:solidFill>
+                  <a:srgbClr val="134F5C"/>
+                </a:solidFill>
+                <a:latin typeface="Times New Roman"/>
+                <a:ea typeface="Times New Roman"/>
+                <a:cs typeface="Times New Roman"/>
+                <a:sym typeface="Times New Roman"/>
+              </a:rPr>
+              <a:t>Ubuntu 18.04 LTS or later</a:t>
+            </a:r>
+            <a:endParaRPr sz="1800">
+              <a:solidFill>
+                <a:srgbClr val="134F5C"/>
+              </a:solidFill>
+              <a:latin typeface="Times New Roman"/>
+              <a:ea typeface="Times New Roman"/>
+              <a:cs typeface="Times New Roman"/>
+              <a:sym typeface="Times New Roman"/>
+            </a:endParaRPr>
+          </a:p>
+          <a:p>
+            <a:pPr indent="-342900" lvl="0" marL="457200" rtl="0" algn="l">
+              <a:lnSpc>
+                <a:spcPct val="140000"/>
+              </a:lnSpc>
+              <a:spcBef>
+                <a:spcPts val="0"/>
+              </a:spcBef>
+              <a:spcAft>
+                <a:spcPts val="0"/>
+              </a:spcAft>
+              <a:buClr>
+                <a:srgbClr val="134F5C"/>
+              </a:buClr>
+              <a:buSzPts val="1800"/>
+              <a:buFont typeface="Times New Roman"/>
+              <a:buChar char="●"/>
+            </a:pPr>
+            <a:r>
+              <a:rPr lang="en" sz="1800">
+                <a:solidFill>
+                  <a:srgbClr val="134F5C"/>
+                </a:solidFill>
+                <a:latin typeface="Times New Roman"/>
+                <a:ea typeface="Times New Roman"/>
+                <a:cs typeface="Times New Roman"/>
+                <a:sym typeface="Times New Roman"/>
+              </a:rPr>
+              <a:t>A modern processor (e.g., Intel Core i5 or equivalent)</a:t>
+            </a:r>
+            <a:endParaRPr sz="1800">
+              <a:solidFill>
+                <a:srgbClr val="134F5C"/>
+              </a:solidFill>
+              <a:latin typeface="Times New Roman"/>
+              <a:ea typeface="Times New Roman"/>
+              <a:cs typeface="Times New Roman"/>
+              <a:sym typeface="Times New Roman"/>
+            </a:endParaRPr>
+          </a:p>
+          <a:p>
+            <a:pPr indent="-342900" lvl="0" marL="457200" rtl="0" algn="l">
+              <a:lnSpc>
+                <a:spcPct val="140000"/>
+              </a:lnSpc>
+              <a:spcBef>
+                <a:spcPts val="0"/>
+              </a:spcBef>
+              <a:spcAft>
+                <a:spcPts val="0"/>
+              </a:spcAft>
+              <a:buClr>
+                <a:srgbClr val="134F5C"/>
+              </a:buClr>
+              <a:buSzPts val="1800"/>
+              <a:buFont typeface="Times New Roman"/>
+              <a:buChar char="●"/>
+            </a:pPr>
+            <a:r>
+              <a:rPr lang="en" sz="1800">
+                <a:solidFill>
+                  <a:srgbClr val="134F5C"/>
+                </a:solidFill>
+                <a:latin typeface="Times New Roman"/>
+                <a:ea typeface="Times New Roman"/>
+                <a:cs typeface="Times New Roman"/>
+                <a:sym typeface="Times New Roman"/>
+              </a:rPr>
+              <a:t>Sufficient RAM (at least 4GB)</a:t>
+            </a:r>
+            <a:endParaRPr sz="1800">
+              <a:solidFill>
+                <a:srgbClr val="134F5C"/>
+              </a:solidFill>
+              <a:latin typeface="Times New Roman"/>
+              <a:ea typeface="Times New Roman"/>
+              <a:cs typeface="Times New Roman"/>
+              <a:sym typeface="Times New Roman"/>
+            </a:endParaRPr>
+          </a:p>
+          <a:p>
+            <a:pPr indent="-342900" lvl="0" marL="457200" rtl="0" algn="l">
+              <a:lnSpc>
+                <a:spcPct val="140000"/>
+              </a:lnSpc>
+              <a:spcBef>
+                <a:spcPts val="0"/>
+              </a:spcBef>
+              <a:spcAft>
+                <a:spcPts val="0"/>
+              </a:spcAft>
+              <a:buClr>
+                <a:srgbClr val="134F5C"/>
+              </a:buClr>
+              <a:buSzPts val="1800"/>
+              <a:buFont typeface="Times New Roman"/>
+              <a:buChar char="●"/>
+            </a:pPr>
+            <a:r>
+              <a:rPr lang="en" sz="1800">
+                <a:solidFill>
+                  <a:srgbClr val="134F5C"/>
+                </a:solidFill>
+                <a:latin typeface="Times New Roman"/>
+                <a:ea typeface="Times New Roman"/>
+                <a:cs typeface="Times New Roman"/>
+                <a:sym typeface="Times New Roman"/>
+              </a:rPr>
+              <a:t>Available storage space for software installation</a:t>
+            </a:r>
+            <a:endParaRPr sz="1800">
+              <a:solidFill>
+                <a:srgbClr val="134F5C"/>
+              </a:solidFill>
+              <a:latin typeface="Times New Roman"/>
+              <a:ea typeface="Times New Roman"/>
+              <a:cs typeface="Times New Roman"/>
+              <a:sym typeface="Times New Roman"/>
+            </a:endParaRPr>
+          </a:p>
+          <a:p>
+            <a:pPr indent="-342900" lvl="0" marL="457200" rtl="0" algn="l">
+              <a:lnSpc>
+                <a:spcPct val="140000"/>
+              </a:lnSpc>
+              <a:spcBef>
+                <a:spcPts val="0"/>
+              </a:spcBef>
+              <a:spcAft>
+                <a:spcPts val="0"/>
+              </a:spcAft>
+              <a:buClr>
+                <a:srgbClr val="134F5C"/>
+              </a:buClr>
+              <a:buSzPts val="1800"/>
+              <a:buFont typeface="Times New Roman"/>
+              <a:buChar char="●"/>
+            </a:pPr>
+            <a:r>
+              <a:rPr lang="en" sz="1800">
+                <a:solidFill>
+                  <a:srgbClr val="134F5C"/>
+                </a:solidFill>
+                <a:latin typeface="Times New Roman"/>
+                <a:ea typeface="Times New Roman"/>
+                <a:cs typeface="Times New Roman"/>
+                <a:sym typeface="Times New Roman"/>
+              </a:rPr>
+              <a:t>Python (version 3.6 or later)</a:t>
+            </a:r>
+            <a:endParaRPr sz="1800">
+              <a:solidFill>
+                <a:srgbClr val="134F5C"/>
+              </a:solidFill>
+              <a:latin typeface="Times New Roman"/>
+              <a:ea typeface="Times New Roman"/>
+              <a:cs typeface="Times New Roman"/>
+              <a:sym typeface="Times New Roman"/>
+            </a:endParaRPr>
+          </a:p>
+          <a:p>
+            <a:pPr indent="-342900" lvl="0" marL="457200" rtl="0" algn="l">
+              <a:lnSpc>
+                <a:spcPct val="140000"/>
+              </a:lnSpc>
+              <a:spcBef>
+                <a:spcPts val="0"/>
+              </a:spcBef>
+              <a:spcAft>
+                <a:spcPts val="0"/>
+              </a:spcAft>
+              <a:buClr>
+                <a:srgbClr val="134F5C"/>
+              </a:buClr>
+              <a:buSzPts val="1800"/>
+              <a:buFont typeface="Times New Roman"/>
+              <a:buChar char="●"/>
+            </a:pPr>
+            <a:r>
+              <a:rPr lang="en" sz="1800">
+                <a:solidFill>
+                  <a:srgbClr val="134F5C"/>
+                </a:solidFill>
+                <a:latin typeface="Times New Roman"/>
+                <a:ea typeface="Times New Roman"/>
+                <a:cs typeface="Times New Roman"/>
+                <a:sym typeface="Times New Roman"/>
+              </a:rPr>
+              <a:t>Other programming languages and frameworks suitable for NLP development like NLTK, spaCy, scikit-learn, TensorFlow, etc. may be necessary</a:t>
+            </a:r>
+            <a:endParaRPr sz="1800">
+              <a:solidFill>
+                <a:srgbClr val="134F5C"/>
+              </a:solidFill>
+              <a:latin typeface="Times New Roman"/>
+              <a:ea typeface="Times New Roman"/>
+              <a:cs typeface="Times New Roman"/>
+              <a:sym typeface="Times New Roman"/>
+            </a:endParaRPr>
+          </a:p>
+          <a:p>
+            <a:pPr indent="0" lvl="0" marL="0" rtl="0" algn="just">
+              <a:lnSpc>
+                <a:spcPct val="200000"/>
+              </a:lnSpc>
+              <a:spcBef>
+                <a:spcPts val="1200"/>
+              </a:spcBef>
+              <a:spcAft>
+                <a:spcPts val="1200"/>
+              </a:spcAft>
+              <a:buNone/>
+            </a:pPr>
+            <a:r>
+              <a:t/>
+            </a:r>
+            <a:endParaRPr sz="1800">
+              <a:solidFill>
+                <a:srgbClr val="134F5C"/>
+              </a:solidFill>
+              <a:latin typeface="Times New Roman"/>
+              <a:ea typeface="Times New Roman"/>
+              <a:cs typeface="Times New Roman"/>
+              <a:sym typeface="Times New Roman"/>
+            </a:endParaRPr>
+          </a:p>
+        </p:txBody>
+      </p:sp>
+    </p:spTree>
+  </p:cSld>
+  <p:clrMapOvr>
+    <a:masterClrMapping/>
+  </p:clrMapOvr>
+</p:sld>
+</file>
+
+<file path=ppt/slides/slide21.xml><?xml version="1.0" encoding="utf-8"?>
+<p:sld xmlns:a="http://schemas.openxmlformats.org/drawingml/2006/main" xmlns:r="http://schemas.openxmlformats.org/officeDocument/2006/relationships" xmlns:mc="http://schemas.openxmlformats.org/markup-compatibility/2006" xmlns:mv="urn:schemas-microsoft-com:mac:vml" xmlns:p="http://schemas.openxmlformats.org/presentationml/2006/main" xmlns:c="http://schemas.openxmlformats.org/drawingml/2006/chart" xmlns:dgm="http://schemas.openxmlformats.org/drawingml/2006/diagram" xmlns:o="urn:schemas-microsoft-com:office:office" xmlns:v="urn:schemas-microsoft-com:vml" xmlns:pvml="urn:schemas-microsoft-com:office:powerpoint" xmlns:com="http://schemas.openxmlformats.org/drawingml/2006/compatibility" xmlns:p14="http://schemas.microsoft.com/office/powerpoint/2010/main" xmlns:p15="http://schemas.microsoft.com/office/powerpoint/2012/main" xmlns:ahyp="http://schemas.microsoft.com/office/drawing/2018/hyperlinkcolor">
+  <p:cSld>
+    <p:spTree>
+      <p:nvGrpSpPr>
+        <p:cNvPr id="210" name="Shape 210"/>
+        <p:cNvGrpSpPr/>
+        <p:nvPr/>
+      </p:nvGrpSpPr>
+      <p:grpSpPr>
+        <a:xfrm>
+          <a:off x="0" y="0"/>
+          <a:ext cx="0" cy="0"/>
+          <a:chOff x="0" y="0"/>
+          <a:chExt cx="0" cy="0"/>
+        </a:xfrm>
+      </p:grpSpPr>
+      <p:sp>
+        <p:nvSpPr>
+          <p:cNvPr id="211" name="Google Shape;211;p33"/>
+          <p:cNvSpPr txBox="1"/>
+          <p:nvPr>
+            <p:ph type="title"/>
+          </p:nvPr>
+        </p:nvSpPr>
+        <p:spPr>
+          <a:xfrm>
+            <a:off x="727650" y="640225"/>
+            <a:ext cx="7688700" cy="535200"/>
+          </a:xfrm>
+          <a:prstGeom prst="rect">
+            <a:avLst/>
+          </a:prstGeom>
+        </p:spPr>
+        <p:txBody>
+          <a:bodyPr anchorCtr="0" anchor="t" bIns="91425" lIns="91425" spcFirstLastPara="1" rIns="91425" wrap="square" tIns="91425">
+            <a:noAutofit/>
+          </a:bodyPr>
+          <a:lstStyle/>
+          <a:p>
+            <a:pPr indent="0" lvl="0" marL="0" rtl="0" algn="ctr">
+              <a:spcBef>
+                <a:spcPts val="0"/>
+              </a:spcBef>
+              <a:spcAft>
+                <a:spcPts val="0"/>
+              </a:spcAft>
+              <a:buSzPts val="990"/>
+              <a:buNone/>
+            </a:pPr>
+            <a:r>
+              <a:rPr lang="en" sz="2440">
+                <a:latin typeface="Times New Roman"/>
+                <a:ea typeface="Times New Roman"/>
+                <a:cs typeface="Times New Roman"/>
+                <a:sym typeface="Times New Roman"/>
+              </a:rPr>
+              <a:t>Conclusion</a:t>
+            </a:r>
+            <a:endParaRPr sz="2440">
+              <a:latin typeface="Times New Roman"/>
+              <a:ea typeface="Times New Roman"/>
+              <a:cs typeface="Times New Roman"/>
+              <a:sym typeface="Times New Roman"/>
+            </a:endParaRPr>
+          </a:p>
+        </p:txBody>
+      </p:sp>
+      <p:sp>
+        <p:nvSpPr>
+          <p:cNvPr id="212" name="Google Shape;212;p33"/>
+          <p:cNvSpPr txBox="1"/>
+          <p:nvPr>
+            <p:ph idx="1" type="body"/>
+          </p:nvPr>
+        </p:nvSpPr>
+        <p:spPr>
+          <a:xfrm>
+            <a:off x="797200" y="1441200"/>
+            <a:ext cx="7495800" cy="3056100"/>
+          </a:xfrm>
+          <a:prstGeom prst="rect">
+            <a:avLst/>
+          </a:prstGeom>
+        </p:spPr>
+        <p:txBody>
+          <a:bodyPr anchorCtr="0" anchor="t" bIns="91425" lIns="91425" spcFirstLastPara="1" rIns="91425" wrap="square" tIns="91425">
+            <a:noAutofit/>
+          </a:bodyPr>
+          <a:lstStyle/>
+          <a:p>
+            <a:pPr indent="0" lvl="0" marL="0" rtl="0" algn="l">
+              <a:lnSpc>
+                <a:spcPct val="150000"/>
+              </a:lnSpc>
+              <a:spcBef>
+                <a:spcPts val="0"/>
+              </a:spcBef>
+              <a:spcAft>
+                <a:spcPts val="0"/>
+              </a:spcAft>
+              <a:buNone/>
+            </a:pPr>
+            <a:r>
+              <a:rPr lang="en" sz="1700">
+                <a:solidFill>
+                  <a:srgbClr val="134F5C"/>
+                </a:solidFill>
+                <a:latin typeface="Times New Roman"/>
+                <a:ea typeface="Times New Roman"/>
+                <a:cs typeface="Times New Roman"/>
+                <a:sym typeface="Times New Roman"/>
+              </a:rPr>
+              <a:t>A comprehensive Malayalam language processing tool facilitating accurate linguistic analysis and dataset generation for NLP applications.</a:t>
+            </a:r>
+            <a:endParaRPr sz="1700">
+              <a:solidFill>
+                <a:srgbClr val="134F5C"/>
+              </a:solidFill>
+              <a:latin typeface="Times New Roman"/>
+              <a:ea typeface="Times New Roman"/>
+              <a:cs typeface="Times New Roman"/>
+              <a:sym typeface="Times New Roman"/>
+            </a:endParaRPr>
+          </a:p>
+          <a:p>
+            <a:pPr indent="-336550" lvl="0" marL="457200" rtl="0" algn="l">
+              <a:lnSpc>
+                <a:spcPct val="150000"/>
+              </a:lnSpc>
+              <a:spcBef>
+                <a:spcPts val="1200"/>
+              </a:spcBef>
+              <a:spcAft>
+                <a:spcPts val="0"/>
+              </a:spcAft>
+              <a:buClr>
+                <a:srgbClr val="134F5C"/>
+              </a:buClr>
+              <a:buSzPts val="1700"/>
+              <a:buFont typeface="Times New Roman"/>
+              <a:buChar char="●"/>
+            </a:pPr>
+            <a:r>
+              <a:rPr lang="en" sz="1700">
+                <a:solidFill>
+                  <a:srgbClr val="134F5C"/>
+                </a:solidFill>
+                <a:latin typeface="Times New Roman"/>
+                <a:ea typeface="Times New Roman"/>
+                <a:cs typeface="Times New Roman"/>
+                <a:sym typeface="Times New Roman"/>
+              </a:rPr>
+              <a:t>Parsing and analysis of Malayalam text, enabling identification of linguistic components and determination of grammatical structure, syntax, and semantics</a:t>
+            </a:r>
+            <a:endParaRPr sz="1700">
+              <a:solidFill>
+                <a:srgbClr val="134F5C"/>
+              </a:solidFill>
+              <a:latin typeface="Times New Roman"/>
+              <a:ea typeface="Times New Roman"/>
+              <a:cs typeface="Times New Roman"/>
+              <a:sym typeface="Times New Roman"/>
+            </a:endParaRPr>
+          </a:p>
+          <a:p>
+            <a:pPr indent="-336550" lvl="0" marL="457200" rtl="0" algn="l">
+              <a:lnSpc>
+                <a:spcPct val="150000"/>
+              </a:lnSpc>
+              <a:spcBef>
+                <a:spcPts val="0"/>
+              </a:spcBef>
+              <a:spcAft>
+                <a:spcPts val="0"/>
+              </a:spcAft>
+              <a:buClr>
+                <a:srgbClr val="134F5C"/>
+              </a:buClr>
+              <a:buSzPts val="1700"/>
+              <a:buFont typeface="Times New Roman"/>
+              <a:buChar char="●"/>
+            </a:pPr>
+            <a:r>
+              <a:rPr lang="en" sz="1700">
+                <a:solidFill>
+                  <a:srgbClr val="134F5C"/>
+                </a:solidFill>
+                <a:latin typeface="Times New Roman"/>
+                <a:ea typeface="Times New Roman"/>
+                <a:cs typeface="Times New Roman"/>
+                <a:sym typeface="Times New Roman"/>
+              </a:rPr>
+              <a:t>Generates part-of-speech tagged, named entity, and sentiment-tagged datasets</a:t>
+            </a:r>
+            <a:endParaRPr sz="1700">
+              <a:solidFill>
+                <a:srgbClr val="134F5C"/>
+              </a:solidFill>
+              <a:latin typeface="Times New Roman"/>
+              <a:ea typeface="Times New Roman"/>
+              <a:cs typeface="Times New Roman"/>
+              <a:sym typeface="Times New Roman"/>
+            </a:endParaRPr>
+          </a:p>
+          <a:p>
+            <a:pPr indent="-336550" lvl="0" marL="457200" rtl="0" algn="l">
+              <a:lnSpc>
+                <a:spcPct val="150000"/>
+              </a:lnSpc>
+              <a:spcBef>
+                <a:spcPts val="0"/>
+              </a:spcBef>
+              <a:spcAft>
+                <a:spcPts val="0"/>
+              </a:spcAft>
+              <a:buClr>
+                <a:srgbClr val="134F5C"/>
+              </a:buClr>
+              <a:buSzPts val="1700"/>
+              <a:buFont typeface="Times New Roman"/>
+              <a:buChar char="●"/>
+            </a:pPr>
+            <a:r>
+              <a:rPr lang="en" sz="1700">
+                <a:solidFill>
+                  <a:srgbClr val="134F5C"/>
+                </a:solidFill>
+                <a:latin typeface="Times New Roman"/>
+                <a:ea typeface="Times New Roman"/>
+                <a:cs typeface="Times New Roman"/>
+                <a:sym typeface="Times New Roman"/>
+              </a:rPr>
+              <a:t>Contribute significantly to the advancement of language processing technologies in Malayalam.</a:t>
+            </a:r>
+            <a:endParaRPr sz="1700">
+              <a:solidFill>
+                <a:srgbClr val="134F5C"/>
+              </a:solidFill>
+              <a:latin typeface="Times New Roman"/>
+              <a:ea typeface="Times New Roman"/>
+              <a:cs typeface="Times New Roman"/>
+              <a:sym typeface="Times New Roman"/>
+            </a:endParaRPr>
+          </a:p>
+          <a:p>
+            <a:pPr indent="0" lvl="0" marL="0" rtl="0" algn="just">
+              <a:lnSpc>
+                <a:spcPct val="200000"/>
+              </a:lnSpc>
+              <a:spcBef>
+                <a:spcPts val="1200"/>
+              </a:spcBef>
+              <a:spcAft>
+                <a:spcPts val="1200"/>
+              </a:spcAft>
+              <a:buNone/>
+            </a:pPr>
+            <a:r>
+              <a:t/>
+            </a:r>
+            <a:endParaRPr sz="1800">
+              <a:solidFill>
+                <a:srgbClr val="134F5C"/>
+              </a:solidFill>
+              <a:latin typeface="Times New Roman"/>
+              <a:ea typeface="Times New Roman"/>
+              <a:cs typeface="Times New Roman"/>
+              <a:sym typeface="Times New Roman"/>
+            </a:endParaRPr>
+          </a:p>
+        </p:txBody>
+      </p:sp>
+    </p:spTree>
+  </p:cSld>
+  <p:clrMapOvr>
+    <a:masterClrMapping/>
+  </p:clrMapOvr>
+</p:sld>
+</file>
+
+<file path=ppt/slides/slide22.xml><?xml version="1.0" encoding="utf-8"?>
+<p:sld xmlns:a="http://schemas.openxmlformats.org/drawingml/2006/main" xmlns:r="http://schemas.openxmlformats.org/officeDocument/2006/relationships" xmlns:mc="http://schemas.openxmlformats.org/markup-compatibility/2006" xmlns:mv="urn:schemas-microsoft-com:mac:vml" xmlns:p="http://schemas.openxmlformats.org/presentationml/2006/main" xmlns:c="http://schemas.openxmlformats.org/drawingml/2006/chart" xmlns:dgm="http://schemas.openxmlformats.org/drawingml/2006/diagram" xmlns:o="urn:schemas-microsoft-com:office:office" xmlns:v="urn:schemas-microsoft-com:vml" xmlns:pvml="urn:schemas-microsoft-com:office:powerpoint" xmlns:com="http://schemas.openxmlformats.org/drawingml/2006/compatibility" xmlns:p14="http://schemas.microsoft.com/office/powerpoint/2010/main" xmlns:p15="http://schemas.microsoft.com/office/powerpoint/2012/main" xmlns:ahyp="http://schemas.microsoft.com/office/drawing/2018/hyperlinkcolor">
+  <p:cSld>
+    <p:spTree>
+      <p:nvGrpSpPr>
+        <p:cNvPr id="216" name="Shape 216"/>
+        <p:cNvGrpSpPr/>
+        <p:nvPr/>
+      </p:nvGrpSpPr>
+      <p:grpSpPr>
+        <a:xfrm>
+          <a:off x="0" y="0"/>
+          <a:ext cx="0" cy="0"/>
+          <a:chOff x="0" y="0"/>
+          <a:chExt cx="0" cy="0"/>
+        </a:xfrm>
+      </p:grpSpPr>
+      <p:sp>
+        <p:nvSpPr>
+          <p:cNvPr id="217" name="Google Shape;217;p34"/>
+          <p:cNvSpPr txBox="1"/>
+          <p:nvPr>
+            <p:ph type="title"/>
+          </p:nvPr>
+        </p:nvSpPr>
+        <p:spPr>
+          <a:xfrm>
+            <a:off x="727650" y="640225"/>
+            <a:ext cx="7688700" cy="535200"/>
+          </a:xfrm>
+          <a:prstGeom prst="rect">
+            <a:avLst/>
+          </a:prstGeom>
+        </p:spPr>
+        <p:txBody>
+          <a:bodyPr anchorCtr="0" anchor="t" bIns="91425" lIns="91425" spcFirstLastPara="1" rIns="91425" wrap="square" tIns="91425">
+            <a:normAutofit fontScale="90000"/>
+          </a:bodyPr>
+          <a:lstStyle/>
+          <a:p>
+            <a:pPr indent="0" lvl="0" marL="0" rtl="0" algn="ctr">
+              <a:spcBef>
+                <a:spcPts val="0"/>
+              </a:spcBef>
+              <a:spcAft>
+                <a:spcPts val="0"/>
+              </a:spcAft>
+              <a:buNone/>
+            </a:pPr>
+            <a:r>
+              <a:rPr lang="en">
+                <a:latin typeface="Times New Roman"/>
+                <a:ea typeface="Times New Roman"/>
+                <a:cs typeface="Times New Roman"/>
+                <a:sym typeface="Times New Roman"/>
+              </a:rPr>
+              <a:t>References</a:t>
+            </a:r>
+            <a:endParaRPr>
+              <a:latin typeface="Times New Roman"/>
+              <a:ea typeface="Times New Roman"/>
+              <a:cs typeface="Times New Roman"/>
+              <a:sym typeface="Times New Roman"/>
+            </a:endParaRPr>
+          </a:p>
+        </p:txBody>
+      </p:sp>
+      <p:sp>
+        <p:nvSpPr>
+          <p:cNvPr id="218" name="Google Shape;218;p34"/>
+          <p:cNvSpPr txBox="1"/>
+          <p:nvPr/>
+        </p:nvSpPr>
+        <p:spPr>
+          <a:xfrm>
+            <a:off x="346650" y="1190975"/>
+            <a:ext cx="8387100" cy="4063500"/>
+          </a:xfrm>
+          <a:prstGeom prst="rect">
+            <a:avLst/>
+          </a:prstGeom>
+          <a:noFill/>
+          <a:ln>
+            <a:noFill/>
+          </a:ln>
+        </p:spPr>
+        <p:txBody>
+          <a:bodyPr anchorCtr="0" anchor="t" bIns="91425" lIns="91425" spcFirstLastPara="1" rIns="91425" wrap="square" tIns="91425">
+            <a:spAutoFit/>
+          </a:bodyPr>
+          <a:lstStyle/>
+          <a:p>
+            <a:pPr indent="-342900" lvl="0" marL="457200" rtl="0" algn="just">
+              <a:lnSpc>
+                <a:spcPct val="100000"/>
+              </a:lnSpc>
+              <a:spcBef>
+                <a:spcPts val="1200"/>
+              </a:spcBef>
+              <a:spcAft>
+                <a:spcPts val="0"/>
+              </a:spcAft>
+              <a:buClr>
+                <a:srgbClr val="134F5C"/>
+              </a:buClr>
+              <a:buSzPts val="1800"/>
+              <a:buFont typeface="Times New Roman"/>
+              <a:buChar char="●"/>
+            </a:pPr>
+            <a:r>
+              <a:rPr lang="en" sz="1800">
+                <a:solidFill>
+                  <a:srgbClr val="134F5C"/>
+                </a:solidFill>
+                <a:latin typeface="Times New Roman"/>
+                <a:ea typeface="Times New Roman"/>
+                <a:cs typeface="Times New Roman"/>
+                <a:sym typeface="Times New Roman"/>
+              </a:rPr>
+              <a:t>Asopa, S., and Sharma, N. (2021) A Hybrid Parser Model for Hindi Language. Indian Journal of Computer Science and Engineering (IJCSE), Vol. 12(1).</a:t>
+            </a:r>
+            <a:endParaRPr sz="1800">
+              <a:solidFill>
+                <a:srgbClr val="134F5C"/>
+              </a:solidFill>
+              <a:latin typeface="Times New Roman"/>
+              <a:ea typeface="Times New Roman"/>
+              <a:cs typeface="Times New Roman"/>
+              <a:sym typeface="Times New Roman"/>
+            </a:endParaRPr>
+          </a:p>
+          <a:p>
+            <a:pPr indent="-342900" lvl="0" marL="457200" rtl="0" algn="just">
+              <a:lnSpc>
+                <a:spcPct val="100000"/>
+              </a:lnSpc>
+              <a:spcBef>
+                <a:spcPts val="0"/>
+              </a:spcBef>
+              <a:spcAft>
+                <a:spcPts val="0"/>
+              </a:spcAft>
+              <a:buClr>
+                <a:srgbClr val="134F5C"/>
+              </a:buClr>
+              <a:buSzPts val="1800"/>
+              <a:buFont typeface="Times New Roman"/>
+              <a:buChar char="●"/>
+            </a:pPr>
+            <a:r>
+              <a:rPr lang="en" sz="1800">
+                <a:solidFill>
+                  <a:srgbClr val="134F5C"/>
+                </a:solidFill>
+                <a:latin typeface="Times New Roman"/>
+                <a:ea typeface="Times New Roman"/>
+                <a:cs typeface="Times New Roman"/>
+                <a:sym typeface="Times New Roman"/>
+              </a:rPr>
+              <a:t>Chen, D., and Manning, C. D. (2014). A Fast and Accurate Dependency Parser using Neural Networks. Proceedings of the 2014 Conference on Empirical Methods in Natural Language Processing (EMNLP).</a:t>
+            </a:r>
+            <a:endParaRPr sz="1800">
+              <a:solidFill>
+                <a:srgbClr val="134F5C"/>
+              </a:solidFill>
+              <a:latin typeface="Times New Roman"/>
+              <a:ea typeface="Times New Roman"/>
+              <a:cs typeface="Times New Roman"/>
+              <a:sym typeface="Times New Roman"/>
+            </a:endParaRPr>
+          </a:p>
+          <a:p>
+            <a:pPr indent="-342900" lvl="0" marL="457200" rtl="0" algn="just">
+              <a:lnSpc>
+                <a:spcPct val="100000"/>
+              </a:lnSpc>
+              <a:spcBef>
+                <a:spcPts val="0"/>
+              </a:spcBef>
+              <a:spcAft>
+                <a:spcPts val="0"/>
+              </a:spcAft>
+              <a:buClr>
+                <a:srgbClr val="134F5C"/>
+              </a:buClr>
+              <a:buSzPts val="1800"/>
+              <a:buFont typeface="Times New Roman"/>
+              <a:buChar char="●"/>
+            </a:pPr>
+            <a:r>
+              <a:rPr lang="en" sz="1800">
+                <a:solidFill>
+                  <a:srgbClr val="134F5C"/>
+                </a:solidFill>
+                <a:latin typeface="Times New Roman"/>
+                <a:ea typeface="Times New Roman"/>
+                <a:cs typeface="Times New Roman"/>
+                <a:sym typeface="Times New Roman"/>
+              </a:rPr>
+              <a:t>Nair, L. R. (2013). Language Parsing and Syntax of Malayalam Language. 2nd International Symposium on Computer, Communication, Control and Automation (3CA 2013).</a:t>
+            </a:r>
+            <a:endParaRPr sz="1800">
+              <a:solidFill>
+                <a:srgbClr val="134F5C"/>
+              </a:solidFill>
+              <a:latin typeface="Times New Roman"/>
+              <a:ea typeface="Times New Roman"/>
+              <a:cs typeface="Times New Roman"/>
+              <a:sym typeface="Times New Roman"/>
+            </a:endParaRPr>
+          </a:p>
+          <a:p>
+            <a:pPr indent="-342900" lvl="0" marL="457200" rtl="0" algn="just">
+              <a:lnSpc>
+                <a:spcPct val="100000"/>
+              </a:lnSpc>
+              <a:spcBef>
+                <a:spcPts val="0"/>
+              </a:spcBef>
+              <a:spcAft>
+                <a:spcPts val="0"/>
+              </a:spcAft>
+              <a:buClr>
+                <a:srgbClr val="134F5C"/>
+              </a:buClr>
+              <a:buSzPts val="1800"/>
+              <a:buFont typeface="Times New Roman"/>
+              <a:buChar char="●"/>
+            </a:pPr>
+            <a:r>
+              <a:rPr lang="en" sz="1800">
+                <a:solidFill>
+                  <a:srgbClr val="134F5C"/>
+                </a:solidFill>
+                <a:latin typeface="Times New Roman"/>
+                <a:ea typeface="Times New Roman"/>
+                <a:cs typeface="Times New Roman"/>
+                <a:sym typeface="Times New Roman"/>
+              </a:rPr>
+              <a:t>Berger, A. L., Della Pietra, V. J., and Della Pietra, S. A. (1996). A Maximum Entropy Approach to Natural Language Processing. Association for Computational Linguistics, Vol 22(1).</a:t>
+            </a:r>
+            <a:endParaRPr sz="1800">
+              <a:solidFill>
+                <a:srgbClr val="134F5C"/>
+              </a:solidFill>
+              <a:latin typeface="Times New Roman"/>
+              <a:ea typeface="Times New Roman"/>
+              <a:cs typeface="Times New Roman"/>
+              <a:sym typeface="Times New Roman"/>
+            </a:endParaRPr>
+          </a:p>
+          <a:p>
+            <a:pPr indent="-342900" lvl="0" marL="457200" rtl="0" algn="just">
+              <a:lnSpc>
+                <a:spcPct val="100000"/>
+              </a:lnSpc>
+              <a:spcBef>
+                <a:spcPts val="0"/>
+              </a:spcBef>
+              <a:spcAft>
+                <a:spcPts val="0"/>
+              </a:spcAft>
+              <a:buClr>
+                <a:srgbClr val="134F5C"/>
+              </a:buClr>
+              <a:buSzPts val="1800"/>
+              <a:buFont typeface="Times New Roman"/>
+              <a:buChar char="●"/>
+            </a:pPr>
+            <a:r>
+              <a:rPr lang="en" sz="1800">
+                <a:solidFill>
+                  <a:srgbClr val="134F5C"/>
+                </a:solidFill>
+                <a:latin typeface="Times New Roman"/>
+                <a:ea typeface="Times New Roman"/>
+                <a:cs typeface="Times New Roman"/>
+                <a:sym typeface="Times New Roman"/>
+              </a:rPr>
+              <a:t>Mestry, A., Shende, S., Mahadik, A., and Virnodkar, S. (2014). A Parser: Simple English Sentence Detector and Correction. International Journal of Engineering Research and Technology (IJERT).</a:t>
+            </a:r>
+            <a:endParaRPr sz="1800">
+              <a:solidFill>
+                <a:srgbClr val="134F5C"/>
+              </a:solidFill>
+              <a:latin typeface="Times New Roman"/>
+              <a:ea typeface="Times New Roman"/>
+              <a:cs typeface="Times New Roman"/>
+              <a:sym typeface="Times New Roman"/>
+            </a:endParaRPr>
+          </a:p>
+        </p:txBody>
+      </p:sp>
+    </p:spTree>
+  </p:cSld>
+  <p:clrMapOvr>
+    <a:masterClrMapping/>
+  </p:clrMapOvr>
+</p:sld>
+</file>
+
+<file path=ppt/slides/slide23.xml><?xml version="1.0" encoding="utf-8"?>
+<p:sld xmlns:a="http://schemas.openxmlformats.org/drawingml/2006/main" xmlns:r="http://schemas.openxmlformats.org/officeDocument/2006/relationships" xmlns:mc="http://schemas.openxmlformats.org/markup-compatibility/2006" xmlns:mv="urn:schemas-microsoft-com:mac:vml" xmlns:p="http://schemas.openxmlformats.org/presentationml/2006/main" xmlns:c="http://schemas.openxmlformats.org/drawingml/2006/chart" xmlns:dgm="http://schemas.openxmlformats.org/drawingml/2006/diagram" xmlns:o="urn:schemas-microsoft-com:office:office" xmlns:v="urn:schemas-microsoft-com:vml" xmlns:pvml="urn:schemas-microsoft-com:office:powerpoint" xmlns:com="http://schemas.openxmlformats.org/drawingml/2006/compatibility" xmlns:p14="http://schemas.microsoft.com/office/powerpoint/2010/main" xmlns:p15="http://schemas.microsoft.com/office/powerpoint/2012/main" xmlns:ahyp="http://schemas.microsoft.com/office/drawing/2018/hyperlinkcolor">
+  <p:cSld>
+    <p:spTree>
+      <p:nvGrpSpPr>
+        <p:cNvPr id="222" name="Shape 222"/>
+        <p:cNvGrpSpPr/>
+        <p:nvPr/>
+      </p:nvGrpSpPr>
+      <p:grpSpPr>
+        <a:xfrm>
+          <a:off x="0" y="0"/>
+          <a:ext cx="0" cy="0"/>
+          <a:chOff x="0" y="0"/>
+          <a:chExt cx="0" cy="0"/>
+        </a:xfrm>
+      </p:grpSpPr>
+      <p:sp>
+        <p:nvSpPr>
+          <p:cNvPr id="223" name="Google Shape;223;p35"/>
+          <p:cNvSpPr txBox="1"/>
+          <p:nvPr>
+            <p:ph type="title"/>
+          </p:nvPr>
+        </p:nvSpPr>
+        <p:spPr>
+          <a:xfrm>
+            <a:off x="727650" y="640225"/>
+            <a:ext cx="7688700" cy="535200"/>
+          </a:xfrm>
+          <a:prstGeom prst="rect">
+            <a:avLst/>
+          </a:prstGeom>
+        </p:spPr>
+        <p:txBody>
+          <a:bodyPr anchorCtr="0" anchor="t" bIns="91425" lIns="91425" spcFirstLastPara="1" rIns="91425" wrap="square" tIns="91425">
+            <a:normAutofit fontScale="90000"/>
+          </a:bodyPr>
+          <a:lstStyle/>
+          <a:p>
+            <a:pPr indent="0" lvl="0" marL="0" rtl="0" algn="ctr">
+              <a:spcBef>
+                <a:spcPts val="0"/>
+              </a:spcBef>
+              <a:spcAft>
+                <a:spcPts val="0"/>
+              </a:spcAft>
+              <a:buNone/>
+            </a:pPr>
+            <a:r>
+              <a:rPr lang="en">
+                <a:latin typeface="Times New Roman"/>
+                <a:ea typeface="Times New Roman"/>
+                <a:cs typeface="Times New Roman"/>
+                <a:sym typeface="Times New Roman"/>
+              </a:rPr>
+              <a:t>References</a:t>
+            </a:r>
+            <a:endParaRPr>
+              <a:latin typeface="Times New Roman"/>
+              <a:ea typeface="Times New Roman"/>
+              <a:cs typeface="Times New Roman"/>
+              <a:sym typeface="Times New Roman"/>
+            </a:endParaRPr>
+          </a:p>
+        </p:txBody>
+      </p:sp>
+      <p:sp>
+        <p:nvSpPr>
+          <p:cNvPr id="224" name="Google Shape;224;p35"/>
+          <p:cNvSpPr txBox="1"/>
+          <p:nvPr/>
+        </p:nvSpPr>
+        <p:spPr>
+          <a:xfrm>
+            <a:off x="346650" y="1114775"/>
+            <a:ext cx="8387100" cy="4063500"/>
+          </a:xfrm>
+          <a:prstGeom prst="rect">
+            <a:avLst/>
+          </a:prstGeom>
+          <a:noFill/>
+          <a:ln>
+            <a:noFill/>
+          </a:ln>
+        </p:spPr>
+        <p:txBody>
+          <a:bodyPr anchorCtr="0" anchor="t" bIns="91425" lIns="91425" spcFirstLastPara="1" rIns="91425" wrap="square" tIns="91425">
+            <a:spAutoFit/>
+          </a:bodyPr>
+          <a:lstStyle/>
+          <a:p>
+            <a:pPr indent="-342900" lvl="0" marL="457200" rtl="0" algn="just">
+              <a:spcBef>
+                <a:spcPts val="1200"/>
+              </a:spcBef>
+              <a:spcAft>
+                <a:spcPts val="0"/>
+              </a:spcAft>
+              <a:buClr>
+                <a:srgbClr val="134F5C"/>
+              </a:buClr>
+              <a:buSzPts val="1800"/>
+              <a:buFont typeface="Times New Roman"/>
+              <a:buChar char="●"/>
+            </a:pPr>
+            <a:r>
+              <a:rPr lang="en" sz="1800">
+                <a:solidFill>
+                  <a:srgbClr val="134F5C"/>
+                </a:solidFill>
+                <a:latin typeface="Times New Roman"/>
+                <a:ea typeface="Times New Roman"/>
+                <a:cs typeface="Times New Roman"/>
+                <a:sym typeface="Times New Roman"/>
+              </a:rPr>
+              <a:t>Sethi, N., Agrawal, P., Madaan, V., and Singh, S. K. (2016). A Novel Approach to Paraphrase Hindi Sentences using Natural Language Processing. Indian Journal of Science and Technology, Vol 9(28).</a:t>
+            </a:r>
+            <a:endParaRPr sz="1800">
+              <a:solidFill>
+                <a:srgbClr val="134F5C"/>
+              </a:solidFill>
+              <a:latin typeface="Times New Roman"/>
+              <a:ea typeface="Times New Roman"/>
+              <a:cs typeface="Times New Roman"/>
+              <a:sym typeface="Times New Roman"/>
+            </a:endParaRPr>
+          </a:p>
+          <a:p>
+            <a:pPr indent="-342900" lvl="0" marL="457200" rtl="0" algn="just">
+              <a:spcBef>
+                <a:spcPts val="0"/>
+              </a:spcBef>
+              <a:spcAft>
+                <a:spcPts val="0"/>
+              </a:spcAft>
+              <a:buClr>
+                <a:srgbClr val="134F5C"/>
+              </a:buClr>
+              <a:buSzPts val="1800"/>
+              <a:buFont typeface="Times New Roman"/>
+              <a:buChar char="●"/>
+            </a:pPr>
+            <a:r>
+              <a:rPr lang="en" sz="1800">
+                <a:solidFill>
+                  <a:srgbClr val="134F5C"/>
+                </a:solidFill>
+                <a:latin typeface="Times New Roman"/>
+                <a:ea typeface="Times New Roman"/>
+                <a:cs typeface="Times New Roman"/>
+                <a:sym typeface="Times New Roman"/>
+              </a:rPr>
+              <a:t>Smith, D. A., and Eisner, J. (2008). Dependency Parsing by Belief Propagation. Proceedings of the 2008 Conference on Empirical Methods in Natural Language Processing, Page 145- 156.</a:t>
+            </a:r>
+            <a:endParaRPr sz="1800">
+              <a:solidFill>
+                <a:srgbClr val="134F5C"/>
+              </a:solidFill>
+              <a:latin typeface="Times New Roman"/>
+              <a:ea typeface="Times New Roman"/>
+              <a:cs typeface="Times New Roman"/>
+              <a:sym typeface="Times New Roman"/>
+            </a:endParaRPr>
+          </a:p>
+          <a:p>
+            <a:pPr indent="-342900" lvl="0" marL="457200" rtl="0" algn="just">
+              <a:spcBef>
+                <a:spcPts val="0"/>
+              </a:spcBef>
+              <a:spcAft>
+                <a:spcPts val="0"/>
+              </a:spcAft>
+              <a:buClr>
+                <a:srgbClr val="134F5C"/>
+              </a:buClr>
+              <a:buSzPts val="1800"/>
+              <a:buFont typeface="Times New Roman"/>
+              <a:buChar char="●"/>
+            </a:pPr>
+            <a:r>
+              <a:rPr lang="en" sz="1800">
+                <a:solidFill>
+                  <a:srgbClr val="134F5C"/>
+                </a:solidFill>
+                <a:latin typeface="Times New Roman"/>
+                <a:ea typeface="Times New Roman"/>
+                <a:cs typeface="Times New Roman"/>
+                <a:sym typeface="Times New Roman"/>
+              </a:rPr>
+              <a:t>Bharati,</a:t>
+            </a:r>
+            <a:r>
+              <a:rPr lang="en" sz="1800">
+                <a:solidFill>
+                  <a:srgbClr val="134F5C"/>
+                </a:solidFill>
+                <a:latin typeface="Times New Roman"/>
+                <a:ea typeface="Times New Roman"/>
+                <a:cs typeface="Times New Roman"/>
+                <a:sym typeface="Times New Roman"/>
+              </a:rPr>
+              <a:t> </a:t>
+            </a:r>
+            <a:r>
+              <a:rPr lang="en" sz="1800">
+                <a:solidFill>
+                  <a:srgbClr val="134F5C"/>
+                </a:solidFill>
+                <a:latin typeface="Times New Roman"/>
+                <a:ea typeface="Times New Roman"/>
+                <a:cs typeface="Times New Roman"/>
+                <a:sym typeface="Times New Roman"/>
+              </a:rPr>
+              <a:t>A., Kulkarni, A., and Chaudhury, S. (2007). English Parsers: Some Information- based Observations.</a:t>
+            </a:r>
+            <a:endParaRPr sz="1800">
+              <a:solidFill>
+                <a:srgbClr val="134F5C"/>
+              </a:solidFill>
+              <a:latin typeface="Times New Roman"/>
+              <a:ea typeface="Times New Roman"/>
+              <a:cs typeface="Times New Roman"/>
+              <a:sym typeface="Times New Roman"/>
+            </a:endParaRPr>
+          </a:p>
+          <a:p>
+            <a:pPr indent="-342900" lvl="0" marL="457200" rtl="0" algn="just">
+              <a:spcBef>
+                <a:spcPts val="0"/>
+              </a:spcBef>
+              <a:spcAft>
+                <a:spcPts val="0"/>
+              </a:spcAft>
+              <a:buClr>
+                <a:srgbClr val="134F5C"/>
+              </a:buClr>
+              <a:buSzPts val="1800"/>
+              <a:buFont typeface="Times New Roman"/>
+              <a:buChar char="●"/>
+            </a:pPr>
+            <a:r>
+              <a:rPr lang="en" sz="1800">
+                <a:solidFill>
+                  <a:srgbClr val="134F5C"/>
+                </a:solidFill>
+                <a:latin typeface="Times New Roman"/>
+                <a:ea typeface="Times New Roman"/>
+                <a:cs typeface="Times New Roman"/>
+                <a:sym typeface="Times New Roman"/>
+              </a:rPr>
+              <a:t>Jayan, J. P., and R, R. (2009). A Morphological Analyzer for Malayalam - A Comparison of Different Approaches. International Journal of Computer Science and Information Technology. Vol 2(2), Page 155-160.</a:t>
+            </a:r>
+            <a:endParaRPr sz="1800">
+              <a:solidFill>
+                <a:srgbClr val="134F5C"/>
+              </a:solidFill>
+              <a:latin typeface="Times New Roman"/>
+              <a:ea typeface="Times New Roman"/>
+              <a:cs typeface="Times New Roman"/>
+              <a:sym typeface="Times New Roman"/>
+            </a:endParaRPr>
+          </a:p>
+          <a:p>
+            <a:pPr indent="-342900" lvl="0" marL="457200" rtl="0" algn="just">
+              <a:spcBef>
+                <a:spcPts val="0"/>
+              </a:spcBef>
+              <a:spcAft>
+                <a:spcPts val="0"/>
+              </a:spcAft>
+              <a:buClr>
+                <a:srgbClr val="134F5C"/>
+              </a:buClr>
+              <a:buSzPts val="1800"/>
+              <a:buFont typeface="Times New Roman"/>
+              <a:buChar char="●"/>
+            </a:pPr>
+            <a:r>
+              <a:rPr lang="en" sz="1800">
+                <a:solidFill>
+                  <a:srgbClr val="134F5C"/>
+                </a:solidFill>
+                <a:latin typeface="Times New Roman"/>
+                <a:ea typeface="Times New Roman"/>
+                <a:cs typeface="Times New Roman"/>
+                <a:sym typeface="Times New Roman"/>
+              </a:rPr>
+              <a:t>Vaidya, A., Choi, J. D., Palmer, M., and Narasimhan, B. (2011). Analysis of the Hindi Proposition Bank using Dependency Structure. Proceedings of the Fifth Law Workshop (LAW V), Page 21-29.</a:t>
+            </a:r>
+            <a:endParaRPr sz="1800">
+              <a:solidFill>
+                <a:srgbClr val="134F5C"/>
+              </a:solidFill>
+              <a:latin typeface="Times New Roman"/>
+              <a:ea typeface="Times New Roman"/>
+              <a:cs typeface="Times New Roman"/>
+              <a:sym typeface="Times New Roman"/>
+            </a:endParaRPr>
+          </a:p>
+        </p:txBody>
+      </p:sp>
+    </p:spTree>
+  </p:cSld>
+  <p:clrMapOvr>
+    <a:masterClrMapping/>
+  </p:clrMapOvr>
+</p:sld>
+</file>
+
+<file path=ppt/slides/slide24.xml><?xml version="1.0" encoding="utf-8"?>
+<p:sld xmlns:a="http://schemas.openxmlformats.org/drawingml/2006/main" xmlns:r="http://schemas.openxmlformats.org/officeDocument/2006/relationships" xmlns:mc="http://schemas.openxmlformats.org/markup-compatibility/2006" xmlns:mv="urn:schemas-microsoft-com:mac:vml" xmlns:p="http://schemas.openxmlformats.org/presentationml/2006/main" xmlns:c="http://schemas.openxmlformats.org/drawingml/2006/chart" xmlns:dgm="http://schemas.openxmlformats.org/drawingml/2006/diagram" xmlns:o="urn:schemas-microsoft-com:office:office" xmlns:v="urn:schemas-microsoft-com:vml" xmlns:pvml="urn:schemas-microsoft-com:office:powerpoint" xmlns:com="http://schemas.openxmlformats.org/drawingml/2006/compatibility" xmlns:p14="http://schemas.microsoft.com/office/powerpoint/2010/main" xmlns:p15="http://schemas.microsoft.com/office/powerpoint/2012/main" xmlns:ahyp="http://schemas.microsoft.com/office/drawing/2018/hyperlinkcolor">
+  <p:cSld>
+    <p:spTree>
+      <p:nvGrpSpPr>
+        <p:cNvPr id="228" name="Shape 228"/>
+        <p:cNvGrpSpPr/>
+        <p:nvPr/>
+      </p:nvGrpSpPr>
+      <p:grpSpPr>
+        <a:xfrm>
+          <a:off x="0" y="0"/>
+          <a:ext cx="0" cy="0"/>
+          <a:chOff x="0" y="0"/>
+          <a:chExt cx="0" cy="0"/>
+        </a:xfrm>
+      </p:grpSpPr>
+      <p:sp>
+        <p:nvSpPr>
+          <p:cNvPr id="229" name="Google Shape;229;p36"/>
+          <p:cNvSpPr txBox="1"/>
+          <p:nvPr>
+            <p:ph type="title"/>
+          </p:nvPr>
+        </p:nvSpPr>
+        <p:spPr>
+          <a:xfrm>
+            <a:off x="727650" y="640225"/>
+            <a:ext cx="7688700" cy="535200"/>
+          </a:xfrm>
+          <a:prstGeom prst="rect">
+            <a:avLst/>
+          </a:prstGeom>
+        </p:spPr>
+        <p:txBody>
+          <a:bodyPr anchorCtr="0" anchor="t" bIns="91425" lIns="91425" spcFirstLastPara="1" rIns="91425" wrap="square" tIns="91425">
+            <a:normAutofit fontScale="90000"/>
+          </a:bodyPr>
+          <a:lstStyle/>
+          <a:p>
+            <a:pPr indent="0" lvl="0" marL="0" rtl="0" algn="ctr">
+              <a:spcBef>
+                <a:spcPts val="0"/>
+              </a:spcBef>
+              <a:spcAft>
+                <a:spcPts val="0"/>
+              </a:spcAft>
+              <a:buNone/>
+            </a:pPr>
+            <a:r>
+              <a:rPr lang="en">
+                <a:latin typeface="Times New Roman"/>
+                <a:ea typeface="Times New Roman"/>
+                <a:cs typeface="Times New Roman"/>
+                <a:sym typeface="Times New Roman"/>
+              </a:rPr>
+              <a:t>References</a:t>
+            </a:r>
+            <a:endParaRPr>
+              <a:latin typeface="Times New Roman"/>
+              <a:ea typeface="Times New Roman"/>
+              <a:cs typeface="Times New Roman"/>
+              <a:sym typeface="Times New Roman"/>
+            </a:endParaRPr>
+          </a:p>
+        </p:txBody>
+      </p:sp>
+      <p:sp>
+        <p:nvSpPr>
+          <p:cNvPr id="230" name="Google Shape;230;p36"/>
+          <p:cNvSpPr txBox="1"/>
+          <p:nvPr/>
+        </p:nvSpPr>
+        <p:spPr>
+          <a:xfrm>
+            <a:off x="346650" y="1267175"/>
+            <a:ext cx="8387100" cy="3509400"/>
+          </a:xfrm>
+          <a:prstGeom prst="rect">
+            <a:avLst/>
+          </a:prstGeom>
+          <a:noFill/>
+          <a:ln>
+            <a:noFill/>
+          </a:ln>
+        </p:spPr>
+        <p:txBody>
+          <a:bodyPr anchorCtr="0" anchor="t" bIns="91425" lIns="91425" spcFirstLastPara="1" rIns="91425" wrap="square" tIns="91425">
+            <a:spAutoFit/>
+          </a:bodyPr>
+          <a:lstStyle/>
+          <a:p>
+            <a:pPr indent="-342900" lvl="0" marL="457200" rtl="0" algn="just">
+              <a:spcBef>
+                <a:spcPts val="1200"/>
+              </a:spcBef>
+              <a:spcAft>
+                <a:spcPts val="0"/>
+              </a:spcAft>
+              <a:buClr>
+                <a:srgbClr val="134F5C"/>
+              </a:buClr>
+              <a:buSzPts val="1800"/>
+              <a:buFont typeface="Times New Roman"/>
+              <a:buChar char="●"/>
+            </a:pPr>
+            <a:r>
+              <a:rPr lang="en" sz="1800">
+                <a:solidFill>
+                  <a:srgbClr val="134F5C"/>
+                </a:solidFill>
+                <a:latin typeface="Times New Roman"/>
+                <a:ea typeface="Times New Roman"/>
+                <a:cs typeface="Times New Roman"/>
+                <a:sym typeface="Times New Roman"/>
+              </a:rPr>
+              <a:t>Rajan, M., T.S, R., and Bhojane, V. (2014). Information Retrieval in Malayalam Using Natural Language Processing. International Journal of Scientific and Engineering Research, Vol 5(6)</a:t>
+            </a:r>
+            <a:endParaRPr sz="1800">
+              <a:solidFill>
+                <a:srgbClr val="134F5C"/>
+              </a:solidFill>
+              <a:latin typeface="Times New Roman"/>
+              <a:ea typeface="Times New Roman"/>
+              <a:cs typeface="Times New Roman"/>
+              <a:sym typeface="Times New Roman"/>
+            </a:endParaRPr>
+          </a:p>
+          <a:p>
+            <a:pPr indent="-342900" lvl="0" marL="457200" rtl="0" algn="just">
+              <a:spcBef>
+                <a:spcPts val="0"/>
+              </a:spcBef>
+              <a:spcAft>
+                <a:spcPts val="0"/>
+              </a:spcAft>
+              <a:buClr>
+                <a:srgbClr val="134F5C"/>
+              </a:buClr>
+              <a:buSzPts val="1800"/>
+              <a:buFont typeface="Times New Roman"/>
+              <a:buChar char="●"/>
+            </a:pPr>
+            <a:r>
+              <a:rPr lang="en" sz="1800">
+                <a:solidFill>
+                  <a:srgbClr val="134F5C"/>
+                </a:solidFill>
+                <a:latin typeface="Times New Roman"/>
+                <a:ea typeface="Times New Roman"/>
+                <a:cs typeface="Times New Roman"/>
+                <a:sym typeface="Times New Roman"/>
+              </a:rPr>
+              <a:t>Rajan, M., Thirumalai, R., and Kumar, V. (2006). Development of a Tamil Parser using Natural Language Processing Techniques. A survey of the state of the art in tamil language technology Vol 6(10).</a:t>
+            </a:r>
+            <a:endParaRPr sz="1800">
+              <a:solidFill>
+                <a:srgbClr val="134F5C"/>
+              </a:solidFill>
+              <a:latin typeface="Times New Roman"/>
+              <a:ea typeface="Times New Roman"/>
+              <a:cs typeface="Times New Roman"/>
+              <a:sym typeface="Times New Roman"/>
+            </a:endParaRPr>
+          </a:p>
+          <a:p>
+            <a:pPr indent="-342900" lvl="0" marL="457200" rtl="0" algn="just">
+              <a:spcBef>
+                <a:spcPts val="0"/>
+              </a:spcBef>
+              <a:spcAft>
+                <a:spcPts val="0"/>
+              </a:spcAft>
+              <a:buClr>
+                <a:srgbClr val="134F5C"/>
+              </a:buClr>
+              <a:buSzPts val="1800"/>
+              <a:buFont typeface="Times New Roman"/>
+              <a:buChar char="●"/>
+            </a:pPr>
+            <a:r>
+              <a:rPr lang="en" sz="1800">
+                <a:solidFill>
+                  <a:srgbClr val="134F5C"/>
+                </a:solidFill>
+                <a:latin typeface="Times New Roman"/>
+                <a:ea typeface="Times New Roman"/>
+                <a:cs typeface="Times New Roman"/>
+                <a:sym typeface="Times New Roman"/>
+              </a:rPr>
+              <a:t>Venkatesh, R., Kumar, S., and Arumugam, P. (2014). Building a Lexical Analyzer for Tamil Texts using NLP Approaches. 2014 International Conference on Advances in ICT for Emerging Regions (ICTer).</a:t>
+            </a:r>
+            <a:endParaRPr sz="1800">
+              <a:solidFill>
+                <a:srgbClr val="134F5C"/>
+              </a:solidFill>
+              <a:latin typeface="Times New Roman"/>
+              <a:ea typeface="Times New Roman"/>
+              <a:cs typeface="Times New Roman"/>
+              <a:sym typeface="Times New Roman"/>
+            </a:endParaRPr>
+          </a:p>
+          <a:p>
+            <a:pPr indent="-342900" lvl="0" marL="457200" rtl="0" algn="just">
+              <a:spcBef>
+                <a:spcPts val="0"/>
+              </a:spcBef>
+              <a:spcAft>
+                <a:spcPts val="0"/>
+              </a:spcAft>
+              <a:buClr>
+                <a:srgbClr val="134F5C"/>
+              </a:buClr>
+              <a:buSzPts val="1800"/>
+              <a:buFont typeface="Times New Roman"/>
+              <a:buChar char="●"/>
+            </a:pPr>
+            <a:r>
+              <a:rPr lang="en" sz="1800">
+                <a:solidFill>
+                  <a:srgbClr val="134F5C"/>
+                </a:solidFill>
+                <a:latin typeface="Times New Roman"/>
+                <a:ea typeface="Times New Roman"/>
+                <a:cs typeface="Times New Roman"/>
+                <a:sym typeface="Times New Roman"/>
+              </a:rPr>
+              <a:t>Thavareesan, S., and Mahesan, S. (2019). Sentiment Analysis in Tamil Texts: A Study on Machine Learning Techniques and Feature Representation.2019 IEEE 14th Conference on Industrial and Information Systems (ICIIS).</a:t>
+            </a:r>
+            <a:endParaRPr sz="1800">
+              <a:solidFill>
+                <a:srgbClr val="134F5C"/>
+              </a:solidFill>
+              <a:latin typeface="Times New Roman"/>
+              <a:ea typeface="Times New Roman"/>
+              <a:cs typeface="Times New Roman"/>
+              <a:sym typeface="Times New Roman"/>
+            </a:endParaRPr>
+          </a:p>
+        </p:txBody>
+      </p:sp>
+    </p:spTree>
+  </p:cSld>
+  <p:clrMapOvr>
+    <a:masterClrMapping/>
+  </p:clrMapOvr>
+</p:sld>
+</file>
+
+<file path=ppt/slides/slide25.xml><?xml version="1.0" encoding="utf-8"?>
+<p:sld xmlns:a="http://schemas.openxmlformats.org/drawingml/2006/main" xmlns:r="http://schemas.openxmlformats.org/officeDocument/2006/relationships" xmlns:mc="http://schemas.openxmlformats.org/markup-compatibility/2006" xmlns:mv="urn:schemas-microsoft-com:mac:vml" xmlns:p="http://schemas.openxmlformats.org/presentationml/2006/main" xmlns:c="http://schemas.openxmlformats.org/drawingml/2006/chart" xmlns:dgm="http://schemas.openxmlformats.org/drawingml/2006/diagram" xmlns:o="urn:schemas-microsoft-com:office:office" xmlns:v="urn:schemas-microsoft-com:vml" xmlns:pvml="urn:schemas-microsoft-com:office:powerpoint" xmlns:com="http://schemas.openxmlformats.org/drawingml/2006/compatibility" xmlns:p14="http://schemas.microsoft.com/office/powerpoint/2010/main" xmlns:p15="http://schemas.microsoft.com/office/powerpoint/2012/main" xmlns:ahyp="http://schemas.microsoft.com/office/drawing/2018/hyperlinkcolor">
+  <p:cSld>
+    <p:spTree>
+      <p:nvGrpSpPr>
+        <p:cNvPr id="234" name="Shape 234"/>
+        <p:cNvGrpSpPr/>
+        <p:nvPr/>
+      </p:nvGrpSpPr>
+      <p:grpSpPr>
+        <a:xfrm>
+          <a:off x="0" y="0"/>
+          <a:ext cx="0" cy="0"/>
+          <a:chOff x="0" y="0"/>
+          <a:chExt cx="0" cy="0"/>
+        </a:xfrm>
+      </p:grpSpPr>
+      <p:sp>
+        <p:nvSpPr>
+          <p:cNvPr id="235" name="Google Shape;235;p37"/>
+          <p:cNvSpPr txBox="1"/>
+          <p:nvPr>
+            <p:ph type="title"/>
+          </p:nvPr>
+        </p:nvSpPr>
+        <p:spPr>
+          <a:xfrm>
+            <a:off x="727650" y="640225"/>
+            <a:ext cx="7688700" cy="535200"/>
+          </a:xfrm>
+          <a:prstGeom prst="rect">
+            <a:avLst/>
+          </a:prstGeom>
+        </p:spPr>
+        <p:txBody>
+          <a:bodyPr anchorCtr="0" anchor="t" bIns="91425" lIns="91425" spcFirstLastPara="1" rIns="91425" wrap="square" tIns="91425">
+            <a:normAutofit fontScale="90000"/>
+          </a:bodyPr>
+          <a:lstStyle/>
+          <a:p>
+            <a:pPr indent="0" lvl="0" marL="0" rtl="0" algn="ctr">
+              <a:spcBef>
+                <a:spcPts val="0"/>
+              </a:spcBef>
+              <a:spcAft>
+                <a:spcPts val="0"/>
+              </a:spcAft>
+              <a:buNone/>
+            </a:pPr>
+            <a:r>
+              <a:rPr lang="en">
+                <a:latin typeface="Times New Roman"/>
+                <a:ea typeface="Times New Roman"/>
+                <a:cs typeface="Times New Roman"/>
+                <a:sym typeface="Times New Roman"/>
+              </a:rPr>
+              <a:t>References</a:t>
+            </a:r>
+            <a:endParaRPr>
+              <a:latin typeface="Times New Roman"/>
+              <a:ea typeface="Times New Roman"/>
+              <a:cs typeface="Times New Roman"/>
+              <a:sym typeface="Times New Roman"/>
+            </a:endParaRPr>
+          </a:p>
+        </p:txBody>
+      </p:sp>
+      <p:sp>
+        <p:nvSpPr>
+          <p:cNvPr id="236" name="Google Shape;236;p37"/>
+          <p:cNvSpPr txBox="1"/>
+          <p:nvPr/>
+        </p:nvSpPr>
+        <p:spPr>
+          <a:xfrm>
+            <a:off x="346650" y="1267175"/>
+            <a:ext cx="8387100" cy="1847100"/>
+          </a:xfrm>
+          <a:prstGeom prst="rect">
+            <a:avLst/>
+          </a:prstGeom>
+          <a:noFill/>
+          <a:ln>
+            <a:noFill/>
+          </a:ln>
+        </p:spPr>
+        <p:txBody>
+          <a:bodyPr anchorCtr="0" anchor="t" bIns="91425" lIns="91425" spcFirstLastPara="1" rIns="91425" wrap="square" tIns="91425">
+            <a:spAutoFit/>
+          </a:bodyPr>
+          <a:lstStyle/>
+          <a:p>
+            <a:pPr indent="-342900" lvl="0" marL="457200" rtl="0" algn="just">
+              <a:spcBef>
+                <a:spcPts val="1200"/>
+              </a:spcBef>
+              <a:spcAft>
+                <a:spcPts val="0"/>
+              </a:spcAft>
+              <a:buClr>
+                <a:srgbClr val="134F5C"/>
+              </a:buClr>
+              <a:buSzPts val="1800"/>
+              <a:buFont typeface="Times New Roman"/>
+              <a:buChar char="●"/>
+            </a:pPr>
+            <a:r>
+              <a:rPr lang="en" sz="1800">
+                <a:solidFill>
+                  <a:srgbClr val="134F5C"/>
+                </a:solidFill>
+                <a:latin typeface="Times New Roman"/>
+                <a:ea typeface="Times New Roman"/>
+                <a:cs typeface="Times New Roman"/>
+                <a:sym typeface="Times New Roman"/>
+              </a:rPr>
+              <a:t>Pai, T. V., Devi, J. A., and Aithal, P. S. (2020). A Systematic Literature Review of Lexical Analyzer Implementation Techniques in Compiler Design. International Journal of Applied Engineering and Management Letters (IJAEML), Vol 4(2), Page 285-301.</a:t>
+            </a:r>
+            <a:endParaRPr sz="1800">
+              <a:solidFill>
+                <a:srgbClr val="134F5C"/>
+              </a:solidFill>
+              <a:latin typeface="Times New Roman"/>
+              <a:ea typeface="Times New Roman"/>
+              <a:cs typeface="Times New Roman"/>
+              <a:sym typeface="Times New Roman"/>
+            </a:endParaRPr>
+          </a:p>
+          <a:p>
+            <a:pPr indent="-342900" lvl="0" marL="457200" rtl="0" algn="just">
+              <a:spcBef>
+                <a:spcPts val="0"/>
+              </a:spcBef>
+              <a:spcAft>
+                <a:spcPts val="0"/>
+              </a:spcAft>
+              <a:buClr>
+                <a:srgbClr val="134F5C"/>
+              </a:buClr>
+              <a:buSzPts val="1800"/>
+              <a:buFont typeface="Times New Roman"/>
+              <a:buChar char="●"/>
+            </a:pPr>
+            <a:r>
+              <a:rPr lang="en" sz="1800">
+                <a:solidFill>
+                  <a:srgbClr val="134F5C"/>
+                </a:solidFill>
+                <a:latin typeface="Times New Roman"/>
+                <a:ea typeface="Times New Roman"/>
+                <a:cs typeface="Times New Roman"/>
+                <a:sym typeface="Times New Roman"/>
+              </a:rPr>
+              <a:t>Simmons, R. F., and Burger, J. F. (1968). A Semantic Analyzer for English Sentences. Mechanical Translation and Computational Linguistics, Vol 11.</a:t>
+            </a:r>
+            <a:endParaRPr sz="1800">
+              <a:solidFill>
+                <a:srgbClr val="134F5C"/>
+              </a:solidFill>
+              <a:latin typeface="Times New Roman"/>
+              <a:ea typeface="Times New Roman"/>
+              <a:cs typeface="Times New Roman"/>
+              <a:sym typeface="Times New Roman"/>
+            </a:endParaRPr>
+          </a:p>
+        </p:txBody>
+      </p:sp>
+    </p:spTree>
+  </p:cSld>
+  <p:clrMapOvr>
+    <a:masterClrMapping/>
+  </p:clrMapOvr>
+</p:sld>
+</file>
+
+<file path=ppt/slides/slide26.xml><?xml version="1.0" encoding="utf-8"?>
+<p:sld xmlns:a="http://schemas.openxmlformats.org/drawingml/2006/main" xmlns:r="http://schemas.openxmlformats.org/officeDocument/2006/relationships" xmlns:mc="http://schemas.openxmlformats.org/markup-compatibility/2006" xmlns:mv="urn:schemas-microsoft-com:mac:vml" xmlns:p="http://schemas.openxmlformats.org/presentationml/2006/main" xmlns:c="http://schemas.openxmlformats.org/drawingml/2006/chart" xmlns:dgm="http://schemas.openxmlformats.org/drawingml/2006/diagram" xmlns:o="urn:schemas-microsoft-com:office:office" xmlns:v="urn:schemas-microsoft-com:vml" xmlns:pvml="urn:schemas-microsoft-com:office:powerpoint" xmlns:com="http://schemas.openxmlformats.org/drawingml/2006/compatibility" xmlns:p14="http://schemas.microsoft.com/office/powerpoint/2010/main" xmlns:p15="http://schemas.microsoft.com/office/powerpoint/2012/main" xmlns:ahyp="http://schemas.microsoft.com/office/drawing/2018/hyperlinkcolor">
+  <p:cSld>
+    <p:spTree>
+      <p:nvGrpSpPr>
+        <p:cNvPr id="240" name="Shape 240"/>
+        <p:cNvGrpSpPr/>
+        <p:nvPr/>
+      </p:nvGrpSpPr>
+      <p:grpSpPr>
+        <a:xfrm>
+          <a:off x="0" y="0"/>
+          <a:ext cx="0" cy="0"/>
+          <a:chOff x="0" y="0"/>
+          <a:chExt cx="0" cy="0"/>
+        </a:xfrm>
+      </p:grpSpPr>
+      <p:sp>
+        <p:nvSpPr>
+          <p:cNvPr id="241" name="Google Shape;241;p38"/>
+          <p:cNvSpPr txBox="1"/>
+          <p:nvPr>
+            <p:ph idx="1" type="body"/>
+          </p:nvPr>
+        </p:nvSpPr>
+        <p:spPr>
+          <a:xfrm>
+            <a:off x="797200" y="1441200"/>
+            <a:ext cx="7495800" cy="3056100"/>
+          </a:xfrm>
+          <a:prstGeom prst="rect">
+            <a:avLst/>
+          </a:prstGeom>
+        </p:spPr>
+        <p:txBody>
+          <a:bodyPr anchorCtr="0" anchor="ctr" bIns="91425" lIns="91425" spcFirstLastPara="1" rIns="91425" wrap="square" tIns="91425">
+            <a:noAutofit/>
+          </a:bodyPr>
+          <a:lstStyle/>
+          <a:p>
+            <a:pPr indent="0" lvl="0" marL="0" rtl="0" algn="ctr">
+              <a:lnSpc>
+                <a:spcPct val="100000"/>
+              </a:lnSpc>
+              <a:spcBef>
+                <a:spcPts val="0"/>
+              </a:spcBef>
+              <a:spcAft>
+                <a:spcPts val="0"/>
+              </a:spcAft>
+              <a:buNone/>
+            </a:pPr>
+            <a:r>
+              <a:rPr lang="en" sz="7000">
+                <a:latin typeface="Times New Roman"/>
+                <a:ea typeface="Times New Roman"/>
+                <a:cs typeface="Times New Roman"/>
+                <a:sym typeface="Times New Roman"/>
+              </a:rPr>
+              <a:t>Thank you</a:t>
+            </a:r>
+            <a:endParaRPr sz="7000">
+              <a:latin typeface="Times New Roman"/>
+              <a:ea typeface="Times New Roman"/>
+              <a:cs typeface="Times New Roman"/>
+              <a:sym typeface="Times New Roman"/>
+            </a:endParaRPr>
+          </a:p>
+          <a:p>
+            <a:pPr indent="0" lvl="0" marL="0" rtl="0" algn="just">
+              <a:lnSpc>
+                <a:spcPct val="200000"/>
+              </a:lnSpc>
+              <a:spcBef>
+                <a:spcPts val="1200"/>
+              </a:spcBef>
+              <a:spcAft>
+                <a:spcPts val="1200"/>
+              </a:spcAft>
+              <a:buNone/>
+            </a:pPr>
+            <a:r>
+              <a:t/>
+            </a:r>
+            <a:endParaRPr sz="1700">
+              <a:solidFill>
+                <a:srgbClr val="134F5C"/>
+              </a:solidFill>
               <a:latin typeface="Times New Roman"/>
               <a:ea typeface="Times New Roman"/>
               <a:cs typeface="Times New Roman"/>
@@ -13079,6 +16250,285 @@
 </file>
 
 <file path=ppt/theme/theme1.xml><?xml version="1.0" encoding="utf-8"?>
+<a:theme xmlns:a="http://schemas.openxmlformats.org/drawingml/2006/main" xmlns:r="http://schemas.openxmlformats.org/officeDocument/2006/relationships">
+  <a:themeElements>
+    <a:clrScheme name="Default">
+      <a:dk1>
+        <a:srgbClr val="000000"/>
+      </a:dk1>
+      <a:lt1>
+        <a:srgbClr val="FFFFFF"/>
+      </a:lt1>
+      <a:dk2>
+        <a:srgbClr val="158158"/>
+      </a:dk2>
+      <a:lt2>
+        <a:srgbClr val="F3F3F3"/>
+      </a:lt2>
+      <a:accent1>
+        <a:srgbClr val="058DC7"/>
+      </a:accent1>
+      <a:accent2>
+        <a:srgbClr val="50B432"/>
+      </a:accent2>
+      <a:accent3>
+        <a:srgbClr val="ED561B"/>
+      </a:accent3>
+      <a:accent4>
+        <a:srgbClr val="EDEF00"/>
+      </a:accent4>
+      <a:accent5>
+        <a:srgbClr val="24CBE5"/>
+      </a:accent5>
+      <a:accent6>
+        <a:srgbClr val="64E572"/>
+      </a:accent6>
+      <a:hlink>
+        <a:srgbClr val="2200CC"/>
+      </a:hlink>
+      <a:folHlink>
+        <a:srgbClr val="551A8B"/>
+      </a:folHlink>
+    </a:clrScheme>
+    <a:fontScheme name="Office">
+      <a:majorFont>
+        <a:latin typeface="Arial"/>
+        <a:ea typeface=""/>
+        <a:cs typeface=""/>
+        <a:font script="Jpan" typeface="ＭＳ Ｐゴシック"/>
+        <a:font script="Hang" typeface="맑은 고딕"/>
+        <a:font script="Hans" typeface="宋体"/>
+        <a:font script="Hant" typeface="新細明體"/>
+        <a:font script="Arab" typeface="Times New Roman"/>
+        <a:font script="Hebr" typeface="Times New Roman"/>
+        <a:font script="Thai" typeface="Angsana New"/>
+        <a:font script="Ethi" typeface="Nyala"/>
+        <a:font script="Beng" typeface="Vrinda"/>
+        <a:font script="Gujr" typeface="Shruti"/>
+        <a:font script="Khmr" typeface="MoolBoran"/>
+        <a:font script="Knda" typeface="Tunga"/>
+        <a:font script="Guru" typeface="Raavi"/>
+        <a:font script="Cans" typeface="Euphemia"/>
+        <a:font script="Cher" typeface="Plantagenet Cherokee"/>
+        <a:font script="Yiii" typeface="Microsoft Yi Baiti"/>
+        <a:font script="Tibt" typeface="Microsoft Himalaya"/>
+        <a:font script="Thaa" typeface="MV Boli"/>
+        <a:font script="Deva" typeface="Mangal"/>
+        <a:font script="Telu" typeface="Gautami"/>
+        <a:font script="Taml" typeface="Latha"/>
+        <a:font script="Syrc" typeface="Estrangelo Edessa"/>
+        <a:font script="Orya" typeface="Kalinga"/>
+        <a:font script="Mlym" typeface="Kartika"/>
+        <a:font script="Laoo" typeface="DokChampa"/>
+        <a:font script="Sinh" typeface="Iskoola Pota"/>
+        <a:font script="Mong" typeface="Mongolian Baiti"/>
+        <a:font script="Viet" typeface="Times New Roman"/>
+        <a:font script="Uigh" typeface="Microsoft Uighur"/>
+        <a:font script="Geor" typeface="Sylfaen"/>
+      </a:majorFont>
+      <a:minorFont>
+        <a:latin typeface="Arial"/>
+        <a:ea typeface=""/>
+        <a:cs typeface=""/>
+        <a:font script="Jpan" typeface="ＭＳ Ｐゴシック"/>
+        <a:font script="Hang" typeface="맑은 고딕"/>
+        <a:font script="Hans" typeface="宋体"/>
+        <a:font script="Hant" typeface="新細明體"/>
+        <a:font script="Arab" typeface="Arial"/>
+        <a:font script="Hebr" typeface="Arial"/>
+        <a:font script="Thai" typeface="Cordia New"/>
+        <a:font script="Ethi" typeface="Nyala"/>
+        <a:font script="Beng" typeface="Vrinda"/>
+        <a:font script="Gujr" typeface="Shruti"/>
+        <a:font script="Khmr" typeface="DaunPenh"/>
+        <a:font script="Knda" typeface="Tunga"/>
+        <a:font script="Guru" typeface="Raavi"/>
+        <a:font script="Cans" typeface="Euphemia"/>
+        <a:font script="Cher" typeface="Plantagenet Cherokee"/>
+        <a:font script="Yiii" typeface="Microsoft Yi Baiti"/>
+        <a:font script="Tibt" typeface="Microsoft Himalaya"/>
+        <a:font script="Thaa" typeface="MV Boli"/>
+        <a:font script="Deva" typeface="Mangal"/>
+        <a:font script="Telu" typeface="Gautami"/>
+        <a:font script="Taml" typeface="Latha"/>
+        <a:font script="Syrc" typeface="Estrangelo Edessa"/>
+        <a:font script="Orya" typeface="Kalinga"/>
+        <a:font script="Mlym" typeface="Kartika"/>
+        <a:font script="Laoo" typeface="DokChampa"/>
+        <a:font script="Sinh" typeface="Iskoola Pota"/>
+        <a:font script="Mong" typeface="Mongolian Baiti"/>
+        <a:font script="Viet" typeface="Arial"/>
+        <a:font script="Uigh" typeface="Microsoft Uighur"/>
+        <a:font script="Geor" typeface="Sylfaen"/>
+      </a:minorFont>
+    </a:fontScheme>
+    <a:fmtScheme name="Office">
+      <a:fillStyleLst>
+        <a:solidFill>
+          <a:schemeClr val="phClr"/>
+        </a:solidFill>
+        <a:gradFill rotWithShape="1">
+          <a:gsLst>
+            <a:gs pos="0">
+              <a:schemeClr val="phClr">
+                <a:tint val="50000"/>
+                <a:satMod val="300000"/>
+              </a:schemeClr>
+            </a:gs>
+            <a:gs pos="35000">
+              <a:schemeClr val="phClr">
+                <a:tint val="37000"/>
+                <a:satMod val="300000"/>
+              </a:schemeClr>
+            </a:gs>
+            <a:gs pos="100000">
+              <a:schemeClr val="phClr">
+                <a:tint val="15000"/>
+                <a:satMod val="350000"/>
+              </a:schemeClr>
+            </a:gs>
+          </a:gsLst>
+          <a:lin ang="16200000" scaled="1"/>
+        </a:gradFill>
+        <a:gradFill rotWithShape="1">
+          <a:gsLst>
+            <a:gs pos="0">
+              <a:schemeClr val="phClr">
+                <a:tint val="100000"/>
+                <a:shade val="100000"/>
+                <a:satMod val="130000"/>
+              </a:schemeClr>
+            </a:gs>
+            <a:gs pos="100000">
+              <a:schemeClr val="phClr">
+                <a:tint val="50000"/>
+                <a:shade val="100000"/>
+                <a:satMod val="350000"/>
+              </a:schemeClr>
+            </a:gs>
+          </a:gsLst>
+          <a:lin ang="16200000" scaled="0"/>
+        </a:gradFill>
+      </a:fillStyleLst>
+      <a:lnStyleLst>
+        <a:ln w="9525" cap="flat" cmpd="sng" algn="ctr">
+          <a:solidFill>
+            <a:schemeClr val="phClr">
+              <a:shade val="95000"/>
+              <a:satMod val="105000"/>
+            </a:schemeClr>
+          </a:solidFill>
+          <a:prstDash val="solid"/>
+        </a:ln>
+        <a:ln w="25400" cap="flat" cmpd="sng" algn="ctr">
+          <a:solidFill>
+            <a:schemeClr val="phClr"/>
+          </a:solidFill>
+          <a:prstDash val="solid"/>
+        </a:ln>
+        <a:ln w="38100" cap="flat" cmpd="sng" algn="ctr">
+          <a:solidFill>
+            <a:schemeClr val="phClr"/>
+          </a:solidFill>
+          <a:prstDash val="solid"/>
+        </a:ln>
+      </a:lnStyleLst>
+      <a:effectStyleLst>
+        <a:effectStyle>
+          <a:effectLst>
+            <a:outerShdw blurRad="40000" dist="20000" dir="5400000" rotWithShape="0">
+              <a:srgbClr val="000000">
+                <a:alpha val="38000"/>
+              </a:srgbClr>
+            </a:outerShdw>
+          </a:effectLst>
+        </a:effectStyle>
+        <a:effectStyle>
+          <a:effectLst>
+            <a:outerShdw blurRad="40000" dist="23000" dir="5400000" rotWithShape="0">
+              <a:srgbClr val="000000">
+                <a:alpha val="35000"/>
+              </a:srgbClr>
+            </a:outerShdw>
+          </a:effectLst>
+        </a:effectStyle>
+        <a:effectStyle>
+          <a:effectLst>
+            <a:outerShdw blurRad="40000" dist="23000" dir="5400000" rotWithShape="0">
+              <a:srgbClr val="000000">
+                <a:alpha val="35000"/>
+              </a:srgbClr>
+            </a:outerShdw>
+          </a:effectLst>
+          <a:scene3d>
+            <a:camera prst="orthographicFront">
+              <a:rot lat="0" lon="0" rev="0"/>
+            </a:camera>
+            <a:lightRig rig="threePt" dir="t">
+              <a:rot lat="0" lon="0" rev="1200000"/>
+            </a:lightRig>
+          </a:scene3d>
+          <a:sp3d>
+            <a:bevelT w="63500" h="25400"/>
+          </a:sp3d>
+        </a:effectStyle>
+      </a:effectStyleLst>
+      <a:bgFillStyleLst>
+        <a:solidFill>
+          <a:schemeClr val="phClr"/>
+        </a:solidFill>
+        <a:gradFill rotWithShape="1">
+          <a:gsLst>
+            <a:gs pos="0">
+              <a:schemeClr val="phClr">
+                <a:tint val="40000"/>
+                <a:satMod val="350000"/>
+              </a:schemeClr>
+            </a:gs>
+            <a:gs pos="40000">
+              <a:schemeClr val="phClr">
+                <a:tint val="45000"/>
+                <a:shade val="99000"/>
+                <a:satMod val="350000"/>
+              </a:schemeClr>
+            </a:gs>
+            <a:gs pos="100000">
+              <a:schemeClr val="phClr">
+                <a:shade val="20000"/>
+                <a:satMod val="255000"/>
+              </a:schemeClr>
+            </a:gs>
+          </a:gsLst>
+          <a:path path="circle">
+            <a:fillToRect l="50000" t="-80000" r="50000" b="180000"/>
+          </a:path>
+        </a:gradFill>
+        <a:gradFill rotWithShape="1">
+          <a:gsLst>
+            <a:gs pos="0">
+              <a:schemeClr val="phClr">
+                <a:tint val="80000"/>
+                <a:satMod val="300000"/>
+              </a:schemeClr>
+            </a:gs>
+            <a:gs pos="100000">
+              <a:schemeClr val="phClr">
+                <a:shade val="30000"/>
+                <a:satMod val="200000"/>
+              </a:schemeClr>
+            </a:gs>
+          </a:gsLst>
+          <a:path path="circle">
+            <a:fillToRect l="50000" t="50000" r="50000" b="50000"/>
+          </a:path>
+        </a:gradFill>
+      </a:bgFillStyleLst>
+    </a:fmtScheme>
+  </a:themeElements>
+</a:theme>
+</file>
+
+<file path=ppt/theme/theme2.xml><?xml version="1.0" encoding="utf-8"?>
 <a:theme xmlns:a="http://schemas.openxmlformats.org/drawingml/2006/main" xmlns:r="http://schemas.openxmlformats.org/officeDocument/2006/relationships" name="Streamline">
   <a:themeElements>
     <a:clrScheme name="Streamline">
@@ -13355,283 +16805,4 @@
     </a:fmtScheme>
   </a:themeElements>
 </a:theme>
-</file>
-
-<file path=ppt/theme/theme2.xml><?xml version="1.0" encoding="utf-8"?>
-<a:theme xmlns:a="http://schemas.openxmlformats.org/drawingml/2006/main" xmlns:r="http://schemas.openxmlformats.org/officeDocument/2006/relationships">
-  <a:themeElements>
-    <a:clrScheme name="Default">
-      <a:dk1>
-        <a:srgbClr val="000000"/>
-      </a:dk1>
-      <a:lt1>
-        <a:srgbClr val="FFFFFF"/>
-      </a:lt1>
-      <a:dk2>
-        <a:srgbClr val="158158"/>
-      </a:dk2>
-      <a:lt2>
-        <a:srgbClr val="F3F3F3"/>
-      </a:lt2>
-      <a:accent1>
-        <a:srgbClr val="058DC7"/>
-      </a:accent1>
-      <a:accent2>
-        <a:srgbClr val="50B432"/>
-      </a:accent2>
-      <a:accent3>
-        <a:srgbClr val="ED561B"/>
-      </a:accent3>
-      <a:accent4>
-        <a:srgbClr val="EDEF00"/>
-      </a:accent4>
-      <a:accent5>
-        <a:srgbClr val="24CBE5"/>
-      </a:accent5>
-      <a:accent6>
-        <a:srgbClr val="64E572"/>
-      </a:accent6>
-      <a:hlink>
-        <a:srgbClr val="2200CC"/>
-      </a:hlink>
-      <a:folHlink>
-        <a:srgbClr val="551A8B"/>
-      </a:folHlink>
-    </a:clrScheme>
-    <a:fontScheme name="Office">
-      <a:majorFont>
-        <a:latin typeface="Arial"/>
-        <a:ea typeface=""/>
-        <a:cs typeface=""/>
-        <a:font script="Jpan" typeface="ＭＳ Ｐゴシック"/>
-        <a:font script="Hang" typeface="맑은 고딕"/>
-        <a:font script="Hans" typeface="宋体"/>
-        <a:font script="Hant" typeface="新細明體"/>
-        <a:font script="Arab" typeface="Times New Roman"/>
-        <a:font script="Hebr" typeface="Times New Roman"/>
-        <a:font script="Thai" typeface="Angsana New"/>
-        <a:font script="Ethi" typeface="Nyala"/>
-        <a:font script="Beng" typeface="Vrinda"/>
-        <a:font script="Gujr" typeface="Shruti"/>
-        <a:font script="Khmr" typeface="MoolBoran"/>
-        <a:font script="Knda" typeface="Tunga"/>
-        <a:font script="Guru" typeface="Raavi"/>
-        <a:font script="Cans" typeface="Euphemia"/>
-        <a:font script="Cher" typeface="Plantagenet Cherokee"/>
-        <a:font script="Yiii" typeface="Microsoft Yi Baiti"/>
-        <a:font script="Tibt" typeface="Microsoft Himalaya"/>
-        <a:font script="Thaa" typeface="MV Boli"/>
-        <a:font script="Deva" typeface="Mangal"/>
-        <a:font script="Telu" typeface="Gautami"/>
-        <a:font script="Taml" typeface="Latha"/>
-        <a:font script="Syrc" typeface="Estrangelo Edessa"/>
-        <a:font script="Orya" typeface="Kalinga"/>
-        <a:font script="Mlym" typeface="Kartika"/>
-        <a:font script="Laoo" typeface="DokChampa"/>
-        <a:font script="Sinh" typeface="Iskoola Pota"/>
-        <a:font script="Mong" typeface="Mongolian Baiti"/>
-        <a:font script="Viet" typeface="Times New Roman"/>
-        <a:font script="Uigh" typeface="Microsoft Uighur"/>
-        <a:font script="Geor" typeface="Sylfaen"/>
-      </a:majorFont>
-      <a:minorFont>
-        <a:latin typeface="Arial"/>
-        <a:ea typeface=""/>
-        <a:cs typeface=""/>
-        <a:font script="Jpan" typeface="ＭＳ Ｐゴシック"/>
-        <a:font script="Hang" typeface="맑은 고딕"/>
-        <a:font script="Hans" typeface="宋体"/>
-        <a:font script="Hant" typeface="新細明體"/>
-        <a:font script="Arab" typeface="Arial"/>
-        <a:font script="Hebr" typeface="Arial"/>
-        <a:font script="Thai" typeface="Cordia New"/>
-        <a:font script="Ethi" typeface="Nyala"/>
-        <a:font script="Beng" typeface="Vrinda"/>
-        <a:font script="Gujr" typeface="Shruti"/>
-        <a:font script="Khmr" typeface="DaunPenh"/>
-        <a:font script="Knda" typeface="Tunga"/>
-        <a:font script="Guru" typeface="Raavi"/>
-        <a:font script="Cans" typeface="Euphemia"/>
-        <a:font script="Cher" typeface="Plantagenet Cherokee"/>
-        <a:font script="Yiii" typeface="Microsoft Yi Baiti"/>
-        <a:font script="Tibt" typeface="Microsoft Himalaya"/>
-        <a:font script="Thaa" typeface="MV Boli"/>
-        <a:font script="Deva" typeface="Mangal"/>
-        <a:font script="Telu" typeface="Gautami"/>
-        <a:font script="Taml" typeface="Latha"/>
-        <a:font script="Syrc" typeface="Estrangelo Edessa"/>
-        <a:font script="Orya" typeface="Kalinga"/>
-        <a:font script="Mlym" typeface="Kartika"/>
-        <a:font script="Laoo" typeface="DokChampa"/>
-        <a:font script="Sinh" typeface="Iskoola Pota"/>
-        <a:font script="Mong" typeface="Mongolian Baiti"/>
-        <a:font script="Viet" typeface="Arial"/>
-        <a:font script="Uigh" typeface="Microsoft Uighur"/>
-        <a:font script="Geor" typeface="Sylfaen"/>
-      </a:minorFont>
-    </a:fontScheme>
-    <a:fmtScheme name="Office">
-      <a:fillStyleLst>
-        <a:solidFill>
-          <a:schemeClr val="phClr"/>
-        </a:solidFill>
-        <a:gradFill rotWithShape="1">
-          <a:gsLst>
-            <a:gs pos="0">
-              <a:schemeClr val="phClr">
-                <a:tint val="50000"/>
-                <a:satMod val="300000"/>
-              </a:schemeClr>
-            </a:gs>
-            <a:gs pos="35000">
-              <a:schemeClr val="phClr">
-                <a:tint val="37000"/>
-                <a:satMod val="300000"/>
-              </a:schemeClr>
-            </a:gs>
-            <a:gs pos="100000">
-              <a:schemeClr val="phClr">
-                <a:tint val="15000"/>
-                <a:satMod val="350000"/>
-              </a:schemeClr>
-            </a:gs>
-          </a:gsLst>
-          <a:lin ang="16200000" scaled="1"/>
-        </a:gradFill>
-        <a:gradFill rotWithShape="1">
-          <a:gsLst>
-            <a:gs pos="0">
-              <a:schemeClr val="phClr">
-                <a:tint val="100000"/>
-                <a:shade val="100000"/>
-                <a:satMod val="130000"/>
-              </a:schemeClr>
-            </a:gs>
-            <a:gs pos="100000">
-              <a:schemeClr val="phClr">
-                <a:tint val="50000"/>
-                <a:shade val="100000"/>
-                <a:satMod val="350000"/>
-              </a:schemeClr>
-            </a:gs>
-          </a:gsLst>
-          <a:lin ang="16200000" scaled="0"/>
-        </a:gradFill>
-      </a:fillStyleLst>
-      <a:lnStyleLst>
-        <a:ln w="9525" cap="flat" cmpd="sng" algn="ctr">
-          <a:solidFill>
-            <a:schemeClr val="phClr">
-              <a:shade val="95000"/>
-              <a:satMod val="105000"/>
-            </a:schemeClr>
-          </a:solidFill>
-          <a:prstDash val="solid"/>
-        </a:ln>
-        <a:ln w="25400" cap="flat" cmpd="sng" algn="ctr">
-          <a:solidFill>
-            <a:schemeClr val="phClr"/>
-          </a:solidFill>
-          <a:prstDash val="solid"/>
-        </a:ln>
-        <a:ln w="38100" cap="flat" cmpd="sng" algn="ctr">
-          <a:solidFill>
-            <a:schemeClr val="phClr"/>
-          </a:solidFill>
-          <a:prstDash val="solid"/>
-        </a:ln>
-      </a:lnStyleLst>
-      <a:effectStyleLst>
-        <a:effectStyle>
-          <a:effectLst>
-            <a:outerShdw blurRad="40000" dist="20000" dir="5400000" rotWithShape="0">
-              <a:srgbClr val="000000">
-                <a:alpha val="38000"/>
-              </a:srgbClr>
-            </a:outerShdw>
-          </a:effectLst>
-        </a:effectStyle>
-        <a:effectStyle>
-          <a:effectLst>
-            <a:outerShdw blurRad="40000" dist="23000" dir="5400000" rotWithShape="0">
-              <a:srgbClr val="000000">
-                <a:alpha val="35000"/>
-              </a:srgbClr>
-            </a:outerShdw>
-          </a:effectLst>
-        </a:effectStyle>
-        <a:effectStyle>
-          <a:effectLst>
-            <a:outerShdw blurRad="40000" dist="23000" dir="5400000" rotWithShape="0">
-              <a:srgbClr val="000000">
-                <a:alpha val="35000"/>
-              </a:srgbClr>
-            </a:outerShdw>
-          </a:effectLst>
-          <a:scene3d>
-            <a:camera prst="orthographicFront">
-              <a:rot lat="0" lon="0" rev="0"/>
-            </a:camera>
-            <a:lightRig rig="threePt" dir="t">
-              <a:rot lat="0" lon="0" rev="1200000"/>
-            </a:lightRig>
-          </a:scene3d>
-          <a:sp3d>
-            <a:bevelT w="63500" h="25400"/>
-          </a:sp3d>
-        </a:effectStyle>
-      </a:effectStyleLst>
-      <a:bgFillStyleLst>
-        <a:solidFill>
-          <a:schemeClr val="phClr"/>
-        </a:solidFill>
-        <a:gradFill rotWithShape="1">
-          <a:gsLst>
-            <a:gs pos="0">
-              <a:schemeClr val="phClr">
-                <a:tint val="40000"/>
-                <a:satMod val="350000"/>
-              </a:schemeClr>
-            </a:gs>
-            <a:gs pos="40000">
-              <a:schemeClr val="phClr">
-                <a:tint val="45000"/>
-                <a:shade val="99000"/>
-                <a:satMod val="350000"/>
-              </a:schemeClr>
-            </a:gs>
-            <a:gs pos="100000">
-              <a:schemeClr val="phClr">
-                <a:shade val="20000"/>
-                <a:satMod val="255000"/>
-              </a:schemeClr>
-            </a:gs>
-          </a:gsLst>
-          <a:path path="circle">
-            <a:fillToRect l="50000" t="-80000" r="50000" b="180000"/>
-          </a:path>
-        </a:gradFill>
-        <a:gradFill rotWithShape="1">
-          <a:gsLst>
-            <a:gs pos="0">
-              <a:schemeClr val="phClr">
-                <a:tint val="80000"/>
-                <a:satMod val="300000"/>
-              </a:schemeClr>
-            </a:gs>
-            <a:gs pos="100000">
-              <a:schemeClr val="phClr">
-                <a:shade val="30000"/>
-                <a:satMod val="200000"/>
-              </a:schemeClr>
-            </a:gs>
-          </a:gsLst>
-          <a:path path="circle">
-            <a:fillToRect l="50000" t="50000" r="50000" b="50000"/>
-          </a:path>
-        </a:gradFill>
-      </a:bgFillStyleLst>
-    </a:fmtScheme>
-  </a:themeElements>
-</a:theme>
 </file>